--- a/1. Front-end/1. Kiến trúc web server - client(mục tiêu khóa học) và HTML CSS/2. Kiến thức cơ bản về HTML -CSS.pptx
+++ b/1. Front-end/1. Kiến trúc web server - client(mục tiêu khóa học) và HTML CSS/2. Kiến thức cơ bản về HTML -CSS.pptx
@@ -299,7 +299,7 @@
             <a:fld id="{1D8BD707-D9CF-40AE-B4C6-C98DA3205C09}" type="datetimeFigureOut">
               <a:rPr lang="en-US" smtClean="0"/>
               <a:pPr/>
-              <a:t>5/3/2018</a:t>
+              <a:t>6/27/2018</a:t>
             </a:fld>
             <a:endParaRPr lang="en-US"/>
           </a:p>
@@ -466,7 +466,7 @@
             <a:fld id="{1D8BD707-D9CF-40AE-B4C6-C98DA3205C09}" type="datetimeFigureOut">
               <a:rPr lang="en-US" smtClean="0"/>
               <a:pPr/>
-              <a:t>5/3/2018</a:t>
+              <a:t>6/27/2018</a:t>
             </a:fld>
             <a:endParaRPr lang="en-US"/>
           </a:p>
@@ -643,7 +643,7 @@
             <a:fld id="{1D8BD707-D9CF-40AE-B4C6-C98DA3205C09}" type="datetimeFigureOut">
               <a:rPr lang="en-US" smtClean="0"/>
               <a:pPr/>
-              <a:t>5/3/2018</a:t>
+              <a:t>6/27/2018</a:t>
             </a:fld>
             <a:endParaRPr lang="en-US"/>
           </a:p>
@@ -810,7 +810,7 @@
             <a:fld id="{1D8BD707-D9CF-40AE-B4C6-C98DA3205C09}" type="datetimeFigureOut">
               <a:rPr lang="en-US" smtClean="0"/>
               <a:pPr/>
-              <a:t>5/3/2018</a:t>
+              <a:t>6/27/2018</a:t>
             </a:fld>
             <a:endParaRPr lang="en-US"/>
           </a:p>
@@ -1053,7 +1053,7 @@
             <a:fld id="{1D8BD707-D9CF-40AE-B4C6-C98DA3205C09}" type="datetimeFigureOut">
               <a:rPr lang="en-US" smtClean="0"/>
               <a:pPr/>
-              <a:t>5/3/2018</a:t>
+              <a:t>6/27/2018</a:t>
             </a:fld>
             <a:endParaRPr lang="en-US"/>
           </a:p>
@@ -1338,7 +1338,7 @@
             <a:fld id="{1D8BD707-D9CF-40AE-B4C6-C98DA3205C09}" type="datetimeFigureOut">
               <a:rPr lang="en-US" smtClean="0"/>
               <a:pPr/>
-              <a:t>5/3/2018</a:t>
+              <a:t>6/27/2018</a:t>
             </a:fld>
             <a:endParaRPr lang="en-US"/>
           </a:p>
@@ -1757,7 +1757,7 @@
             <a:fld id="{1D8BD707-D9CF-40AE-B4C6-C98DA3205C09}" type="datetimeFigureOut">
               <a:rPr lang="en-US" smtClean="0"/>
               <a:pPr/>
-              <a:t>5/3/2018</a:t>
+              <a:t>6/27/2018</a:t>
             </a:fld>
             <a:endParaRPr lang="en-US"/>
           </a:p>
@@ -1872,7 +1872,7 @@
             <a:fld id="{1D8BD707-D9CF-40AE-B4C6-C98DA3205C09}" type="datetimeFigureOut">
               <a:rPr lang="en-US" smtClean="0"/>
               <a:pPr/>
-              <a:t>5/3/2018</a:t>
+              <a:t>6/27/2018</a:t>
             </a:fld>
             <a:endParaRPr lang="en-US"/>
           </a:p>
@@ -1964,7 +1964,7 @@
             <a:fld id="{1D8BD707-D9CF-40AE-B4C6-C98DA3205C09}" type="datetimeFigureOut">
               <a:rPr lang="en-US" smtClean="0"/>
               <a:pPr/>
-              <a:t>5/3/2018</a:t>
+              <a:t>6/27/2018</a:t>
             </a:fld>
             <a:endParaRPr lang="en-US"/>
           </a:p>
@@ -2238,7 +2238,7 @@
             <a:fld id="{1D8BD707-D9CF-40AE-B4C6-C98DA3205C09}" type="datetimeFigureOut">
               <a:rPr lang="en-US" smtClean="0"/>
               <a:pPr/>
-              <a:t>5/3/2018</a:t>
+              <a:t>6/27/2018</a:t>
             </a:fld>
             <a:endParaRPr lang="en-US"/>
           </a:p>
@@ -2488,7 +2488,7 @@
             <a:fld id="{1D8BD707-D9CF-40AE-B4C6-C98DA3205C09}" type="datetimeFigureOut">
               <a:rPr lang="en-US" smtClean="0"/>
               <a:pPr/>
-              <a:t>5/3/2018</a:t>
+              <a:t>6/27/2018</a:t>
             </a:fld>
             <a:endParaRPr lang="en-US"/>
           </a:p>
@@ -2698,7 +2698,7 @@
             <a:fld id="{1D8BD707-D9CF-40AE-B4C6-C98DA3205C09}" type="datetimeFigureOut">
               <a:rPr lang="en-US" smtClean="0"/>
               <a:pPr/>
-              <a:t>5/3/2018</a:t>
+              <a:t>6/27/2018</a:t>
             </a:fld>
             <a:endParaRPr lang="en-US"/>
           </a:p>
@@ -4174,11 +4174,7 @@
             </a:r>
             <a:r>
               <a:rPr lang="en-US" sz="3200" dirty="0" smtClean="0"/>
-              <a:t> </a:t>
-            </a:r>
-            <a:r>
-              <a:rPr lang="en-US" sz="3200" dirty="0" smtClean="0"/>
-              <a:t>web</a:t>
+              <a:t> web</a:t>
             </a:r>
           </a:p>
         </p:txBody>
@@ -4387,11 +4383,7 @@
             </a:r>
             <a:r>
               <a:rPr lang="en-US" dirty="0" smtClean="0"/>
-              <a:t> </a:t>
-            </a:r>
-            <a:r>
-              <a:rPr lang="en-US" dirty="0" smtClean="0"/>
-              <a:t>../&gt;</a:t>
+              <a:t> ../&gt;</a:t>
             </a:r>
           </a:p>
           <a:p>
@@ -4449,8 +4441,17 @@
             </a:r>
             <a:r>
               <a:rPr lang="en-US" dirty="0" smtClean="0"/>
-              <a:t> link</a:t>
-            </a:r>
+              <a:t> </a:t>
+            </a:r>
+            <a:r>
+              <a:rPr lang="en-US" dirty="0" smtClean="0"/>
+              <a:t>link</a:t>
+            </a:r>
+            <a:r>
+              <a:rPr lang="vi-VN" dirty="0" smtClean="0"/>
+              <a:t>: a</a:t>
+            </a:r>
+            <a:endParaRPr lang="en-US" dirty="0" smtClean="0"/>
           </a:p>
           <a:p>
             <a:pPr lvl="1"/>
@@ -4490,6 +4491,10 @@
               <a:rPr lang="en-US" dirty="0" err="1" smtClean="0"/>
               <a:t>bản</a:t>
             </a:r>
+            <a:r>
+              <a:rPr lang="vi-VN" dirty="0" smtClean="0"/>
+              <a:t>: p</a:t>
+            </a:r>
             <a:endParaRPr lang="en-US" dirty="0" smtClean="0"/>
           </a:p>
           <a:p>
@@ -4508,8 +4513,17 @@
             </a:r>
             <a:r>
               <a:rPr lang="en-US" dirty="0" smtClean="0"/>
-              <a:t>, video…</a:t>
-            </a:r>
+              <a:t>, video</a:t>
+            </a:r>
+            <a:r>
+              <a:rPr lang="en-US" dirty="0" smtClean="0"/>
+              <a:t>…</a:t>
+            </a:r>
+            <a:r>
+              <a:rPr lang="vi-VN" smtClean="0"/>
+              <a:t>: audio, video, source</a:t>
+            </a:r>
+            <a:endParaRPr lang="en-US" dirty="0" smtClean="0"/>
           </a:p>
         </p:txBody>
       </p:sp>

--- a/1. Front-end/1. Kiến trúc web server - client(mục tiêu khóa học) và HTML CSS/2. Kiến thức cơ bản về HTML -CSS.pptx
+++ b/1. Front-end/1. Kiến trúc web server - client(mục tiêu khóa học) và HTML CSS/2. Kiến thức cơ bản về HTML -CSS.pptx
@@ -13,9 +13,13 @@
     <p:sldId id="261" r:id="rId7"/>
     <p:sldId id="263" r:id="rId8"/>
     <p:sldId id="262" r:id="rId9"/>
-    <p:sldId id="264" r:id="rId10"/>
-    <p:sldId id="265" r:id="rId11"/>
-    <p:sldId id="266" r:id="rId12"/>
+    <p:sldId id="267" r:id="rId10"/>
+    <p:sldId id="268" r:id="rId11"/>
+    <p:sldId id="269" r:id="rId12"/>
+    <p:sldId id="270" r:id="rId13"/>
+    <p:sldId id="264" r:id="rId14"/>
+    <p:sldId id="265" r:id="rId15"/>
+    <p:sldId id="266" r:id="rId16"/>
   </p:sldIdLst>
   <p:sldSz cx="9144000" cy="6858000" type="screen4x3"/>
   <p:notesSz cx="6858000" cy="9144000"/>
@@ -3157,6 +3161,13 @@
   <p:clrMapOvr>
     <a:masterClrMapping/>
   </p:clrMapOvr>
+  <p:timing>
+    <p:tnLst>
+      <p:par>
+        <p:cTn id="1" dur="indefinite" restart="never" nodeType="tmRoot"/>
+      </p:par>
+    </p:tnLst>
+  </p:timing>
 </p:sld>
 </file>
 
@@ -3194,6 +3205,1120 @@
           <a:p>
             <a:r>
               <a:rPr lang="en-US" dirty="0" err="1" smtClean="0"/>
+              <a:t>Vùng</a:t>
+            </a:r>
+            <a:r>
+              <a:rPr lang="en-US" dirty="0" smtClean="0"/>
+              <a:t> </a:t>
+            </a:r>
+            <a:r>
+              <a:rPr lang="en-US" dirty="0" err="1" smtClean="0"/>
+              <a:t>chọn</a:t>
+            </a:r>
+            <a:endParaRPr lang="en-GB" dirty="0"/>
+          </a:p>
+        </p:txBody>
+      </p:sp>
+      <p:sp>
+        <p:nvSpPr>
+          <p:cNvPr id="3" name="Content Placeholder 2"/>
+          <p:cNvSpPr>
+            <a:spLocks noGrp="1"/>
+          </p:cNvSpPr>
+          <p:nvPr>
+            <p:ph idx="1"/>
+          </p:nvPr>
+        </p:nvSpPr>
+        <p:spPr/>
+        <p:txBody>
+          <a:bodyPr/>
+          <a:lstStyle/>
+          <a:p>
+            <a:r>
+              <a:rPr lang="en-US" dirty="0" err="1" smtClean="0"/>
+              <a:t>Vùng</a:t>
+            </a:r>
+            <a:r>
+              <a:rPr lang="en-US" dirty="0" smtClean="0"/>
+              <a:t> </a:t>
+            </a:r>
+            <a:r>
+              <a:rPr lang="en-US" dirty="0" err="1" smtClean="0"/>
+              <a:t>chọn</a:t>
+            </a:r>
+            <a:r>
+              <a:rPr lang="en-US" dirty="0" smtClean="0"/>
+              <a:t> </a:t>
+            </a:r>
+            <a:r>
+              <a:rPr lang="en-US" dirty="0" err="1" smtClean="0"/>
+              <a:t>là</a:t>
+            </a:r>
+            <a:r>
+              <a:rPr lang="en-US" dirty="0" smtClean="0"/>
+              <a:t> </a:t>
+            </a:r>
+            <a:r>
+              <a:rPr lang="en-US" dirty="0" err="1" smtClean="0"/>
+              <a:t>vùng</a:t>
+            </a:r>
+            <a:r>
+              <a:rPr lang="en-US" dirty="0" smtClean="0"/>
+              <a:t> </a:t>
+            </a:r>
+            <a:r>
+              <a:rPr lang="en-US" dirty="0" err="1" smtClean="0"/>
+              <a:t>trên</a:t>
+            </a:r>
+            <a:r>
+              <a:rPr lang="en-US" dirty="0" smtClean="0"/>
+              <a:t> </a:t>
+            </a:r>
+            <a:r>
+              <a:rPr lang="en-US" dirty="0" err="1" smtClean="0"/>
+              <a:t>giao</a:t>
+            </a:r>
+            <a:r>
+              <a:rPr lang="en-US" dirty="0" smtClean="0"/>
+              <a:t> </a:t>
+            </a:r>
+            <a:r>
+              <a:rPr lang="en-US" dirty="0" err="1" smtClean="0"/>
+              <a:t>diện</a:t>
+            </a:r>
+            <a:endParaRPr lang="en-US" dirty="0" smtClean="0"/>
+          </a:p>
+          <a:p>
+            <a:r>
+              <a:rPr lang="en-US" dirty="0" err="1" smtClean="0"/>
+              <a:t>Mục</a:t>
+            </a:r>
+            <a:r>
+              <a:rPr lang="en-US" dirty="0" smtClean="0"/>
+              <a:t> </a:t>
+            </a:r>
+            <a:r>
+              <a:rPr lang="en-US" dirty="0" err="1" smtClean="0"/>
+              <a:t>đích</a:t>
+            </a:r>
+            <a:r>
+              <a:rPr lang="en-US" dirty="0" smtClean="0"/>
+              <a:t> </a:t>
+            </a:r>
+            <a:r>
+              <a:rPr lang="en-US" dirty="0" err="1" smtClean="0"/>
+              <a:t>chọn</a:t>
+            </a:r>
+            <a:r>
+              <a:rPr lang="en-US" dirty="0" smtClean="0"/>
+              <a:t> </a:t>
+            </a:r>
+            <a:r>
+              <a:rPr lang="en-US" dirty="0" err="1" smtClean="0"/>
+              <a:t>để</a:t>
+            </a:r>
+            <a:r>
+              <a:rPr lang="en-US" dirty="0" smtClean="0"/>
+              <a:t> </a:t>
+            </a:r>
+            <a:r>
+              <a:rPr lang="en-US" dirty="0" err="1" smtClean="0"/>
+              <a:t>thay</a:t>
+            </a:r>
+            <a:r>
+              <a:rPr lang="en-US" dirty="0" smtClean="0"/>
+              <a:t> </a:t>
+            </a:r>
+            <a:r>
+              <a:rPr lang="en-US" dirty="0" err="1" smtClean="0"/>
+              <a:t>đổi</a:t>
+            </a:r>
+            <a:r>
+              <a:rPr lang="en-US" dirty="0" smtClean="0"/>
+              <a:t> </a:t>
+            </a:r>
+            <a:r>
+              <a:rPr lang="en-US" dirty="0" err="1" smtClean="0"/>
+              <a:t>hiển</a:t>
+            </a:r>
+            <a:r>
+              <a:rPr lang="en-US" dirty="0" smtClean="0"/>
+              <a:t> </a:t>
+            </a:r>
+            <a:r>
+              <a:rPr lang="en-US" dirty="0" err="1" smtClean="0"/>
+              <a:t>thị</a:t>
+            </a:r>
+            <a:endParaRPr lang="en-US" dirty="0" smtClean="0"/>
+          </a:p>
+          <a:p>
+            <a:r>
+              <a:rPr lang="en-US" dirty="0" err="1" smtClean="0"/>
+              <a:t>Đại</a:t>
+            </a:r>
+            <a:r>
+              <a:rPr lang="en-US" dirty="0" smtClean="0"/>
+              <a:t> </a:t>
+            </a:r>
+            <a:r>
+              <a:rPr lang="en-US" dirty="0" err="1" smtClean="0"/>
+              <a:t>diện</a:t>
+            </a:r>
+            <a:r>
+              <a:rPr lang="en-US" dirty="0" smtClean="0"/>
+              <a:t> </a:t>
+            </a:r>
+            <a:r>
+              <a:rPr lang="en-US" dirty="0" err="1" smtClean="0"/>
+              <a:t>là</a:t>
+            </a:r>
+            <a:r>
+              <a:rPr lang="en-US" dirty="0" smtClean="0"/>
+              <a:t> </a:t>
+            </a:r>
+            <a:r>
+              <a:rPr lang="en-US" dirty="0" err="1" smtClean="0"/>
+              <a:t>một</a:t>
+            </a:r>
+            <a:r>
+              <a:rPr lang="en-US" dirty="0" smtClean="0"/>
+              <a:t> </a:t>
+            </a:r>
+            <a:r>
+              <a:rPr lang="en-US" dirty="0" err="1" smtClean="0"/>
+              <a:t>thẻ</a:t>
+            </a:r>
+            <a:r>
+              <a:rPr lang="en-US" dirty="0" smtClean="0"/>
+              <a:t> HTML </a:t>
+            </a:r>
+            <a:r>
+              <a:rPr lang="en-US" dirty="0" err="1" smtClean="0"/>
+              <a:t>trong</a:t>
+            </a:r>
+            <a:r>
+              <a:rPr lang="en-US" dirty="0" smtClean="0"/>
+              <a:t> </a:t>
+            </a:r>
+            <a:r>
+              <a:rPr lang="en-US" dirty="0" err="1" smtClean="0"/>
+              <a:t>mã</a:t>
+            </a:r>
+            <a:r>
+              <a:rPr lang="en-US" dirty="0" smtClean="0"/>
+              <a:t> HTML</a:t>
+            </a:r>
+            <a:endParaRPr lang="en-GB" dirty="0"/>
+          </a:p>
+        </p:txBody>
+      </p:sp>
+      <p:pic>
+        <p:nvPicPr>
+          <p:cNvPr id="1026" name="Picture 2"/>
+          <p:cNvPicPr>
+            <a:picLocks noChangeAspect="1" noChangeArrowheads="1"/>
+          </p:cNvPicPr>
+          <p:nvPr/>
+        </p:nvPicPr>
+        <p:blipFill>
+          <a:blip r:embed="rId2">
+            <a:extLst>
+              <a:ext uri="{28A0092B-C50C-407E-A947-70E740481C1C}">
+                <a14:useLocalDpi xmlns:a14="http://schemas.microsoft.com/office/drawing/2010/main" val="0"/>
+              </a:ext>
+            </a:extLst>
+          </a:blip>
+          <a:srcRect/>
+          <a:stretch>
+            <a:fillRect/>
+          </a:stretch>
+        </p:blipFill>
+        <p:spPr bwMode="auto">
+          <a:xfrm>
+            <a:off x="3131527" y="3962400"/>
+            <a:ext cx="2857500" cy="2038350"/>
+          </a:xfrm>
+          <a:prstGeom prst="rect">
+            <a:avLst/>
+          </a:prstGeom>
+          <a:noFill/>
+          <a:ln>
+            <a:noFill/>
+          </a:ln>
+          <a:effectLst/>
+          <a:extLst>
+            <a:ext uri="{909E8E84-426E-40DD-AFC4-6F175D3DCCD1}">
+              <a14:hiddenFill xmlns:a14="http://schemas.microsoft.com/office/drawing/2010/main">
+                <a:solidFill>
+                  <a:schemeClr val="accent1"/>
+                </a:solidFill>
+              </a14:hiddenFill>
+            </a:ext>
+            <a:ext uri="{91240B29-F687-4F45-9708-019B960494DF}">
+              <a14:hiddenLine xmlns:a14="http://schemas.microsoft.com/office/drawing/2010/main" w="9525">
+                <a:solidFill>
+                  <a:schemeClr val="tx1"/>
+                </a:solidFill>
+                <a:miter lim="800000"/>
+                <a:headEnd/>
+                <a:tailEnd/>
+              </a14:hiddenLine>
+            </a:ext>
+            <a:ext uri="{AF507438-7753-43E0-B8FC-AC1667EBCBE1}">
+              <a14:hiddenEffects xmlns:a14="http://schemas.microsoft.com/office/drawing/2010/main">
+                <a:effectLst>
+                  <a:outerShdw dist="35921" dir="2700000" algn="ctr" rotWithShape="0">
+                    <a:schemeClr val="bg2"/>
+                  </a:outerShdw>
+                </a:effectLst>
+              </a14:hiddenEffects>
+            </a:ext>
+          </a:extLst>
+        </p:spPr>
+      </p:pic>
+    </p:spTree>
+    <p:extLst>
+      <p:ext uri="{BB962C8B-B14F-4D97-AF65-F5344CB8AC3E}">
+        <p14:creationId xmlns:p14="http://schemas.microsoft.com/office/powerpoint/2010/main" val="2170771939"/>
+      </p:ext>
+    </p:extLst>
+  </p:cSld>
+  <p:clrMapOvr>
+    <a:masterClrMapping/>
+  </p:clrMapOvr>
+  <p:timing>
+    <p:tnLst>
+      <p:par>
+        <p:cTn id="1" dur="indefinite" restart="never" nodeType="tmRoot"/>
+      </p:par>
+    </p:tnLst>
+  </p:timing>
+</p:sld>
+</file>
+
+<file path=ppt/slides/slide11.xml><?xml version="1.0" encoding="utf-8"?>
+<p:sld xmlns:a="http://schemas.openxmlformats.org/drawingml/2006/main" xmlns:r="http://schemas.openxmlformats.org/officeDocument/2006/relationships" xmlns:p="http://schemas.openxmlformats.org/presentationml/2006/main">
+  <p:cSld>
+    <p:spTree>
+      <p:nvGrpSpPr>
+        <p:cNvPr id="1" name=""/>
+        <p:cNvGrpSpPr/>
+        <p:nvPr/>
+      </p:nvGrpSpPr>
+      <p:grpSpPr>
+        <a:xfrm>
+          <a:off x="0" y="0"/>
+          <a:ext cx="0" cy="0"/>
+          <a:chOff x="0" y="0"/>
+          <a:chExt cx="0" cy="0"/>
+        </a:xfrm>
+      </p:grpSpPr>
+      <p:sp>
+        <p:nvSpPr>
+          <p:cNvPr id="2" name="Title 1"/>
+          <p:cNvSpPr>
+            <a:spLocks noGrp="1"/>
+          </p:cNvSpPr>
+          <p:nvPr>
+            <p:ph type="title"/>
+          </p:nvPr>
+        </p:nvSpPr>
+        <p:spPr/>
+        <p:txBody>
+          <a:bodyPr/>
+          <a:lstStyle/>
+          <a:p>
+            <a:r>
+              <a:rPr lang="en-US" dirty="0" err="1" smtClean="0"/>
+              <a:t>Thuộc</a:t>
+            </a:r>
+            <a:r>
+              <a:rPr lang="en-US" dirty="0" smtClean="0"/>
+              <a:t> </a:t>
+            </a:r>
+            <a:r>
+              <a:rPr lang="en-US" dirty="0" err="1" smtClean="0"/>
+              <a:t>tính-Gía</a:t>
+            </a:r>
+            <a:r>
+              <a:rPr lang="en-US" dirty="0" smtClean="0"/>
+              <a:t> </a:t>
+            </a:r>
+            <a:r>
+              <a:rPr lang="en-US" dirty="0" err="1" smtClean="0"/>
+              <a:t>trị</a:t>
+            </a:r>
+            <a:endParaRPr lang="en-GB" dirty="0"/>
+          </a:p>
+        </p:txBody>
+      </p:sp>
+      <p:sp>
+        <p:nvSpPr>
+          <p:cNvPr id="3" name="Content Placeholder 2"/>
+          <p:cNvSpPr>
+            <a:spLocks noGrp="1"/>
+          </p:cNvSpPr>
+          <p:nvPr>
+            <p:ph idx="1"/>
+          </p:nvPr>
+        </p:nvSpPr>
+        <p:spPr/>
+        <p:txBody>
+          <a:bodyPr/>
+          <a:lstStyle/>
+          <a:p>
+            <a:r>
+              <a:rPr lang="en-US" dirty="0" err="1" smtClean="0"/>
+              <a:t>Là</a:t>
+            </a:r>
+            <a:r>
+              <a:rPr lang="en-US" dirty="0" smtClean="0"/>
+              <a:t> </a:t>
+            </a:r>
+            <a:r>
+              <a:rPr lang="en-US" dirty="0" err="1" smtClean="0"/>
+              <a:t>những</a:t>
+            </a:r>
+            <a:r>
+              <a:rPr lang="en-US" dirty="0" smtClean="0"/>
+              <a:t> </a:t>
+            </a:r>
+            <a:r>
+              <a:rPr lang="en-US" dirty="0" err="1" smtClean="0"/>
+              <a:t>đặc</a:t>
+            </a:r>
+            <a:r>
+              <a:rPr lang="en-US" dirty="0" smtClean="0"/>
+              <a:t> </a:t>
+            </a:r>
+            <a:r>
+              <a:rPr lang="en-US" dirty="0" err="1" smtClean="0"/>
+              <a:t>trưng</a:t>
+            </a:r>
+            <a:r>
+              <a:rPr lang="en-US" dirty="0" smtClean="0"/>
+              <a:t> </a:t>
+            </a:r>
+            <a:r>
+              <a:rPr lang="en-US" dirty="0" err="1" smtClean="0"/>
+              <a:t>của</a:t>
+            </a:r>
+            <a:r>
+              <a:rPr lang="en-US" dirty="0" smtClean="0"/>
+              <a:t> </a:t>
+            </a:r>
+            <a:r>
+              <a:rPr lang="en-US" dirty="0" err="1" smtClean="0"/>
+              <a:t>vùng</a:t>
+            </a:r>
+            <a:r>
+              <a:rPr lang="en-US" dirty="0" smtClean="0"/>
+              <a:t> </a:t>
+            </a:r>
+            <a:r>
+              <a:rPr lang="en-US" dirty="0" err="1" smtClean="0"/>
+              <a:t>chọn</a:t>
+            </a:r>
+            <a:endParaRPr lang="en-US" dirty="0" smtClean="0"/>
+          </a:p>
+          <a:p>
+            <a:pPr lvl="1"/>
+            <a:r>
+              <a:rPr lang="en-US" dirty="0" err="1" smtClean="0"/>
+              <a:t>Màu</a:t>
+            </a:r>
+            <a:r>
+              <a:rPr lang="en-US" dirty="0"/>
+              <a:t> </a:t>
+            </a:r>
+            <a:r>
+              <a:rPr lang="en-US" dirty="0" err="1" smtClean="0"/>
+              <a:t>chữ</a:t>
+            </a:r>
+            <a:r>
+              <a:rPr lang="en-US" dirty="0" smtClean="0"/>
+              <a:t>: color,</a:t>
+            </a:r>
+          </a:p>
+          <a:p>
+            <a:pPr lvl="1"/>
+            <a:r>
+              <a:rPr lang="en-US" dirty="0" err="1" smtClean="0"/>
+              <a:t>Cỡ</a:t>
+            </a:r>
+            <a:r>
+              <a:rPr lang="en-US" dirty="0" smtClean="0"/>
+              <a:t> </a:t>
+            </a:r>
+            <a:r>
+              <a:rPr lang="en-US" dirty="0" err="1" smtClean="0"/>
+              <a:t>chữ</a:t>
+            </a:r>
+            <a:r>
+              <a:rPr lang="en-US" dirty="0" smtClean="0"/>
+              <a:t>: font-size</a:t>
+            </a:r>
+            <a:endParaRPr lang="en-US" dirty="0"/>
+          </a:p>
+          <a:p>
+            <a:pPr lvl="1"/>
+            <a:r>
+              <a:rPr lang="en-US" dirty="0" err="1" smtClean="0"/>
+              <a:t>Màu</a:t>
+            </a:r>
+            <a:r>
+              <a:rPr lang="en-US" dirty="0" smtClean="0"/>
+              <a:t> </a:t>
+            </a:r>
+            <a:r>
+              <a:rPr lang="en-US" dirty="0" err="1" smtClean="0"/>
+              <a:t>nền</a:t>
+            </a:r>
+            <a:r>
+              <a:rPr lang="en-US" dirty="0" smtClean="0"/>
+              <a:t>: background-color</a:t>
+            </a:r>
+          </a:p>
+          <a:p>
+            <a:r>
+              <a:rPr lang="en-US" dirty="0" err="1" smtClean="0"/>
+              <a:t>Gía</a:t>
+            </a:r>
+            <a:r>
+              <a:rPr lang="en-US" dirty="0" smtClean="0"/>
+              <a:t> </a:t>
+            </a:r>
+            <a:r>
+              <a:rPr lang="en-US" dirty="0" err="1" smtClean="0"/>
+              <a:t>trị</a:t>
+            </a:r>
+            <a:endParaRPr lang="en-US" dirty="0" smtClean="0"/>
+          </a:p>
+          <a:p>
+            <a:pPr lvl="1"/>
+            <a:r>
+              <a:rPr lang="en-US" dirty="0" err="1" smtClean="0"/>
+              <a:t>Là</a:t>
+            </a:r>
+            <a:r>
+              <a:rPr lang="en-US" dirty="0" smtClean="0"/>
+              <a:t> </a:t>
+            </a:r>
+            <a:r>
+              <a:rPr lang="en-US" dirty="0" err="1" smtClean="0"/>
+              <a:t>giá</a:t>
+            </a:r>
+            <a:r>
+              <a:rPr lang="en-US" dirty="0" smtClean="0"/>
+              <a:t> </a:t>
+            </a:r>
+            <a:r>
+              <a:rPr lang="en-US" dirty="0" err="1" smtClean="0"/>
+              <a:t>trị</a:t>
+            </a:r>
+            <a:r>
+              <a:rPr lang="en-US" dirty="0" smtClean="0"/>
+              <a:t> </a:t>
+            </a:r>
+            <a:r>
+              <a:rPr lang="en-US" dirty="0" err="1" smtClean="0"/>
+              <a:t>được</a:t>
+            </a:r>
+            <a:r>
+              <a:rPr lang="en-US" dirty="0" smtClean="0"/>
+              <a:t> </a:t>
+            </a:r>
+            <a:r>
+              <a:rPr lang="en-US" dirty="0" err="1" smtClean="0"/>
+              <a:t>gán</a:t>
+            </a:r>
+            <a:r>
+              <a:rPr lang="en-US" dirty="0" smtClean="0"/>
+              <a:t> </a:t>
+            </a:r>
+            <a:r>
+              <a:rPr lang="en-US" dirty="0" err="1" smtClean="0"/>
+              <a:t>cho</a:t>
+            </a:r>
+            <a:r>
+              <a:rPr lang="en-US" dirty="0" smtClean="0"/>
+              <a:t> </a:t>
+            </a:r>
+            <a:r>
+              <a:rPr lang="en-US" dirty="0" err="1" smtClean="0"/>
+              <a:t>thuộc</a:t>
+            </a:r>
+            <a:r>
+              <a:rPr lang="en-US" dirty="0" smtClean="0"/>
+              <a:t> </a:t>
+            </a:r>
+            <a:r>
+              <a:rPr lang="en-US" dirty="0" err="1" smtClean="0"/>
+              <a:t>tính</a:t>
+            </a:r>
+            <a:endParaRPr lang="en-US" dirty="0" smtClean="0"/>
+          </a:p>
+          <a:p>
+            <a:pPr lvl="1"/>
+            <a:r>
+              <a:rPr lang="en-US" dirty="0" err="1" smtClean="0"/>
+              <a:t>Có</a:t>
+            </a:r>
+            <a:r>
+              <a:rPr lang="en-US" dirty="0" smtClean="0"/>
+              <a:t> </a:t>
+            </a:r>
+            <a:r>
+              <a:rPr lang="en-US" dirty="0" err="1" smtClean="0"/>
+              <a:t>một</a:t>
+            </a:r>
+            <a:r>
+              <a:rPr lang="en-US" dirty="0" smtClean="0"/>
+              <a:t> </a:t>
+            </a:r>
+            <a:r>
+              <a:rPr lang="en-US" dirty="0" err="1" smtClean="0"/>
+              <a:t>số</a:t>
+            </a:r>
+            <a:r>
+              <a:rPr lang="en-US" dirty="0" smtClean="0"/>
+              <a:t> </a:t>
+            </a:r>
+            <a:r>
+              <a:rPr lang="en-US" dirty="0" err="1" smtClean="0"/>
+              <a:t>thẻ</a:t>
+            </a:r>
+            <a:r>
+              <a:rPr lang="en-US" dirty="0" smtClean="0"/>
+              <a:t> HTML </a:t>
+            </a:r>
+            <a:r>
+              <a:rPr lang="en-US" dirty="0" err="1" smtClean="0"/>
+              <a:t>có</a:t>
+            </a:r>
+            <a:r>
+              <a:rPr lang="en-US" dirty="0" smtClean="0"/>
+              <a:t> </a:t>
+            </a:r>
+            <a:r>
+              <a:rPr lang="en-US" dirty="0" err="1" smtClean="0"/>
+              <a:t>thuộc</a:t>
+            </a:r>
+            <a:r>
+              <a:rPr lang="en-US" dirty="0" smtClean="0"/>
+              <a:t> </a:t>
+            </a:r>
+            <a:r>
+              <a:rPr lang="en-US" dirty="0" err="1" smtClean="0"/>
+              <a:t>tính</a:t>
+            </a:r>
+            <a:r>
+              <a:rPr lang="en-US" dirty="0" smtClean="0"/>
+              <a:t> </a:t>
+            </a:r>
+            <a:r>
+              <a:rPr lang="en-US" dirty="0" err="1" smtClean="0"/>
+              <a:t>có</a:t>
+            </a:r>
+            <a:r>
+              <a:rPr lang="en-US" dirty="0" smtClean="0"/>
+              <a:t> </a:t>
+            </a:r>
+            <a:r>
+              <a:rPr lang="en-US" dirty="0" err="1" smtClean="0"/>
+              <a:t>giá</a:t>
+            </a:r>
+            <a:r>
+              <a:rPr lang="en-US" dirty="0" smtClean="0"/>
+              <a:t> </a:t>
+            </a:r>
+            <a:r>
+              <a:rPr lang="en-US" dirty="0" err="1" smtClean="0"/>
+              <a:t>trị</a:t>
+            </a:r>
+            <a:r>
+              <a:rPr lang="en-US" dirty="0" smtClean="0"/>
+              <a:t> </a:t>
+            </a:r>
+            <a:r>
+              <a:rPr lang="en-US" dirty="0" err="1" smtClean="0"/>
+              <a:t>có</a:t>
+            </a:r>
+            <a:r>
+              <a:rPr lang="en-US" dirty="0" smtClean="0"/>
+              <a:t> </a:t>
+            </a:r>
+            <a:r>
+              <a:rPr lang="en-US" dirty="0" err="1" smtClean="0"/>
+              <a:t>sẵn</a:t>
+            </a:r>
+            <a:endParaRPr lang="en-GB" dirty="0"/>
+          </a:p>
+        </p:txBody>
+      </p:sp>
+    </p:spTree>
+    <p:extLst>
+      <p:ext uri="{BB962C8B-B14F-4D97-AF65-F5344CB8AC3E}">
+        <p14:creationId xmlns:p14="http://schemas.microsoft.com/office/powerpoint/2010/main" val="851848876"/>
+      </p:ext>
+    </p:extLst>
+  </p:cSld>
+  <p:clrMapOvr>
+    <a:masterClrMapping/>
+  </p:clrMapOvr>
+  <p:timing>
+    <p:tnLst>
+      <p:par>
+        <p:cTn id="1" dur="indefinite" restart="never" nodeType="tmRoot"/>
+      </p:par>
+    </p:tnLst>
+  </p:timing>
+</p:sld>
+</file>
+
+<file path=ppt/slides/slide12.xml><?xml version="1.0" encoding="utf-8"?>
+<p:sld xmlns:a="http://schemas.openxmlformats.org/drawingml/2006/main" xmlns:r="http://schemas.openxmlformats.org/officeDocument/2006/relationships" xmlns:p="http://schemas.openxmlformats.org/presentationml/2006/main">
+  <p:cSld>
+    <p:spTree>
+      <p:nvGrpSpPr>
+        <p:cNvPr id="1" name=""/>
+        <p:cNvGrpSpPr/>
+        <p:nvPr/>
+      </p:nvGrpSpPr>
+      <p:grpSpPr>
+        <a:xfrm>
+          <a:off x="0" y="0"/>
+          <a:ext cx="0" cy="0"/>
+          <a:chOff x="0" y="0"/>
+          <a:chExt cx="0" cy="0"/>
+        </a:xfrm>
+      </p:grpSpPr>
+      <p:sp>
+        <p:nvSpPr>
+          <p:cNvPr id="3" name="Content Placeholder 2"/>
+          <p:cNvSpPr>
+            <a:spLocks noGrp="1"/>
+          </p:cNvSpPr>
+          <p:nvPr>
+            <p:ph idx="1"/>
+          </p:nvPr>
+        </p:nvSpPr>
+        <p:spPr>
+          <a:xfrm>
+            <a:off x="533400" y="2514600"/>
+            <a:ext cx="8229600" cy="1447800"/>
+          </a:xfrm>
+        </p:spPr>
+        <p:txBody>
+          <a:bodyPr/>
+          <a:lstStyle/>
+          <a:p>
+            <a:pPr marL="0" indent="0">
+              <a:buNone/>
+            </a:pPr>
+            <a:r>
+              <a:rPr lang="en-US" dirty="0" err="1" smtClean="0"/>
+              <a:t>Để</a:t>
+            </a:r>
+            <a:r>
+              <a:rPr lang="en-US" dirty="0" smtClean="0"/>
+              <a:t> </a:t>
+            </a:r>
+            <a:r>
+              <a:rPr lang="en-US" dirty="0" err="1" smtClean="0"/>
+              <a:t>viết</a:t>
+            </a:r>
+            <a:r>
+              <a:rPr lang="en-US" dirty="0" smtClean="0"/>
+              <a:t> </a:t>
+            </a:r>
+            <a:r>
+              <a:rPr lang="en-US" dirty="0" err="1" smtClean="0"/>
+              <a:t>mã</a:t>
+            </a:r>
+            <a:r>
+              <a:rPr lang="en-US" dirty="0" smtClean="0"/>
+              <a:t> ta </a:t>
+            </a:r>
+            <a:r>
+              <a:rPr lang="en-US" dirty="0" err="1" smtClean="0"/>
+              <a:t>phải</a:t>
+            </a:r>
+            <a:r>
+              <a:rPr lang="en-US" dirty="0" smtClean="0"/>
+              <a:t> </a:t>
+            </a:r>
+            <a:r>
+              <a:rPr lang="en-US" dirty="0" err="1" smtClean="0"/>
+              <a:t>biết</a:t>
+            </a:r>
+            <a:r>
+              <a:rPr lang="en-US" dirty="0" smtClean="0"/>
+              <a:t> </a:t>
+            </a:r>
+            <a:r>
+              <a:rPr lang="en-US" dirty="0" err="1" smtClean="0"/>
+              <a:t>chọn</a:t>
+            </a:r>
+            <a:r>
+              <a:rPr lang="en-US" dirty="0" smtClean="0"/>
+              <a:t> </a:t>
+            </a:r>
+            <a:r>
+              <a:rPr lang="en-US" dirty="0" err="1" smtClean="0"/>
+              <a:t>và</a:t>
+            </a:r>
+            <a:r>
+              <a:rPr lang="en-US" dirty="0" smtClean="0"/>
+              <a:t> </a:t>
+            </a:r>
+            <a:r>
+              <a:rPr lang="en-US" dirty="0" err="1" smtClean="0"/>
+              <a:t>biết</a:t>
+            </a:r>
+            <a:r>
+              <a:rPr lang="en-US" dirty="0" smtClean="0"/>
+              <a:t> </a:t>
+            </a:r>
+            <a:r>
+              <a:rPr lang="en-US" dirty="0" err="1" smtClean="0"/>
+              <a:t>cách</a:t>
+            </a:r>
+            <a:r>
+              <a:rPr lang="en-US" dirty="0" smtClean="0"/>
+              <a:t> </a:t>
+            </a:r>
+            <a:r>
+              <a:rPr lang="en-US" dirty="0" err="1" smtClean="0"/>
+              <a:t>dùng</a:t>
+            </a:r>
+            <a:r>
+              <a:rPr lang="en-US" dirty="0" smtClean="0"/>
+              <a:t> </a:t>
+            </a:r>
+            <a:r>
+              <a:rPr lang="en-US" dirty="0" err="1" smtClean="0"/>
+              <a:t>thuộc</a:t>
+            </a:r>
+            <a:r>
+              <a:rPr lang="en-US" dirty="0" smtClean="0"/>
+              <a:t> </a:t>
+            </a:r>
+            <a:r>
+              <a:rPr lang="en-US" dirty="0" err="1" smtClean="0"/>
+              <a:t>tính-giá</a:t>
+            </a:r>
+            <a:r>
+              <a:rPr lang="en-US" dirty="0" smtClean="0"/>
+              <a:t> </a:t>
+            </a:r>
+            <a:r>
+              <a:rPr lang="en-US" dirty="0" err="1" smtClean="0"/>
+              <a:t>trị</a:t>
+            </a:r>
+            <a:endParaRPr lang="en-GB" dirty="0"/>
+          </a:p>
+        </p:txBody>
+      </p:sp>
+    </p:spTree>
+    <p:extLst>
+      <p:ext uri="{BB962C8B-B14F-4D97-AF65-F5344CB8AC3E}">
+        <p14:creationId xmlns:p14="http://schemas.microsoft.com/office/powerpoint/2010/main" val="987343559"/>
+      </p:ext>
+    </p:extLst>
+  </p:cSld>
+  <p:clrMapOvr>
+    <a:masterClrMapping/>
+  </p:clrMapOvr>
+  <p:timing>
+    <p:tnLst>
+      <p:par>
+        <p:cTn id="1" dur="indefinite" restart="never" nodeType="tmRoot"/>
+      </p:par>
+    </p:tnLst>
+  </p:timing>
+</p:sld>
+</file>
+
+<file path=ppt/slides/slide13.xml><?xml version="1.0" encoding="utf-8"?>
+<p:sld xmlns:a="http://schemas.openxmlformats.org/drawingml/2006/main" xmlns:r="http://schemas.openxmlformats.org/officeDocument/2006/relationships" xmlns:p="http://schemas.openxmlformats.org/presentationml/2006/main">
+  <p:cSld>
+    <p:spTree>
+      <p:nvGrpSpPr>
+        <p:cNvPr id="1" name=""/>
+        <p:cNvGrpSpPr/>
+        <p:nvPr/>
+      </p:nvGrpSpPr>
+      <p:grpSpPr>
+        <a:xfrm>
+          <a:off x="0" y="0"/>
+          <a:ext cx="0" cy="0"/>
+          <a:chOff x="0" y="0"/>
+          <a:chExt cx="0" cy="0"/>
+        </a:xfrm>
+      </p:grpSpPr>
+      <p:sp>
+        <p:nvSpPr>
+          <p:cNvPr id="5" name="Content Placeholder 4"/>
+          <p:cNvSpPr>
+            <a:spLocks noGrp="1"/>
+          </p:cNvSpPr>
+          <p:nvPr>
+            <p:ph idx="1"/>
+          </p:nvPr>
+        </p:nvSpPr>
+        <p:spPr/>
+        <p:txBody>
+          <a:bodyPr/>
+          <a:lstStyle/>
+          <a:p>
+            <a:r>
+              <a:rPr lang="en-US" dirty="0" smtClean="0"/>
+              <a:t>HTML </a:t>
+            </a:r>
+            <a:r>
+              <a:rPr lang="en-US" dirty="0" err="1" smtClean="0"/>
+              <a:t>là</a:t>
+            </a:r>
+            <a:r>
+              <a:rPr lang="en-US" dirty="0" smtClean="0"/>
+              <a:t> </a:t>
+            </a:r>
+            <a:r>
+              <a:rPr lang="en-US" dirty="0" err="1" smtClean="0"/>
+              <a:t>gì</a:t>
+            </a:r>
+            <a:endParaRPr lang="en-US" dirty="0" smtClean="0"/>
+          </a:p>
+          <a:p>
+            <a:r>
+              <a:rPr lang="en-US" dirty="0" err="1" smtClean="0"/>
+              <a:t>Cách</a:t>
+            </a:r>
+            <a:r>
+              <a:rPr lang="en-US" dirty="0" smtClean="0"/>
+              <a:t> </a:t>
+            </a:r>
+            <a:r>
+              <a:rPr lang="en-US" dirty="0" err="1" smtClean="0"/>
+              <a:t>viết</a:t>
+            </a:r>
+            <a:r>
+              <a:rPr lang="en-US" dirty="0" smtClean="0"/>
+              <a:t> HTML</a:t>
+            </a:r>
+          </a:p>
+          <a:p>
+            <a:r>
+              <a:rPr lang="en-US" dirty="0" smtClean="0"/>
+              <a:t>CSS </a:t>
+            </a:r>
+            <a:r>
+              <a:rPr lang="en-US" dirty="0" err="1" smtClean="0"/>
+              <a:t>là</a:t>
+            </a:r>
+            <a:r>
+              <a:rPr lang="en-US" dirty="0" smtClean="0"/>
+              <a:t> </a:t>
+            </a:r>
+            <a:r>
+              <a:rPr lang="en-US" dirty="0" err="1" smtClean="0"/>
+              <a:t>gì</a:t>
+            </a:r>
+            <a:endParaRPr lang="en-US" dirty="0" smtClean="0"/>
+          </a:p>
+          <a:p>
+            <a:r>
+              <a:rPr lang="en-US" dirty="0" err="1" smtClean="0"/>
+              <a:t>Cách</a:t>
+            </a:r>
+            <a:r>
+              <a:rPr lang="en-US" dirty="0" smtClean="0"/>
+              <a:t> </a:t>
+            </a:r>
+            <a:r>
+              <a:rPr lang="en-US" dirty="0" err="1" smtClean="0"/>
+              <a:t>viết</a:t>
+            </a:r>
+            <a:r>
+              <a:rPr lang="en-US" dirty="0" smtClean="0"/>
+              <a:t> </a:t>
+            </a:r>
+            <a:r>
+              <a:rPr lang="en-US" dirty="0" err="1" smtClean="0"/>
+              <a:t>nhúng</a:t>
+            </a:r>
+            <a:r>
+              <a:rPr lang="en-US" dirty="0" smtClean="0"/>
+              <a:t> CSS </a:t>
+            </a:r>
+            <a:r>
+              <a:rPr lang="en-US" dirty="0" err="1" smtClean="0"/>
+              <a:t>vào</a:t>
+            </a:r>
+            <a:r>
+              <a:rPr lang="en-US" dirty="0" smtClean="0"/>
+              <a:t> </a:t>
+            </a:r>
+            <a:r>
+              <a:rPr lang="en-US" dirty="0" smtClean="0"/>
+              <a:t>HTML</a:t>
+            </a:r>
+          </a:p>
+          <a:p>
+            <a:r>
+              <a:rPr lang="en-US" dirty="0" err="1" smtClean="0"/>
+              <a:t>Cách</a:t>
+            </a:r>
+            <a:r>
+              <a:rPr lang="en-US" dirty="0" smtClean="0"/>
+              <a:t> </a:t>
+            </a:r>
+            <a:r>
+              <a:rPr lang="en-US" dirty="0" err="1" smtClean="0"/>
+              <a:t>chọn</a:t>
+            </a:r>
+            <a:r>
+              <a:rPr lang="en-US" dirty="0" smtClean="0"/>
+              <a:t> </a:t>
+            </a:r>
+            <a:r>
+              <a:rPr lang="en-US" dirty="0" err="1" smtClean="0"/>
+              <a:t>và</a:t>
+            </a:r>
+            <a:r>
+              <a:rPr lang="en-US" dirty="0" smtClean="0"/>
+              <a:t> </a:t>
+            </a:r>
+            <a:r>
+              <a:rPr lang="en-US" dirty="0" err="1" smtClean="0"/>
+              <a:t>tác</a:t>
+            </a:r>
+            <a:r>
+              <a:rPr lang="en-US" dirty="0" smtClean="0"/>
+              <a:t> </a:t>
+            </a:r>
+            <a:r>
+              <a:rPr lang="en-US" dirty="0" err="1" smtClean="0"/>
+              <a:t>động</a:t>
+            </a:r>
+            <a:r>
+              <a:rPr lang="en-US" dirty="0" smtClean="0"/>
+              <a:t> </a:t>
+            </a:r>
+            <a:r>
+              <a:rPr lang="en-US" dirty="0" err="1" smtClean="0"/>
+              <a:t>thuộc</a:t>
+            </a:r>
+            <a:r>
+              <a:rPr lang="en-US" dirty="0" smtClean="0"/>
+              <a:t> </a:t>
+            </a:r>
+            <a:r>
+              <a:rPr lang="en-US" dirty="0" err="1" smtClean="0"/>
+              <a:t>tính</a:t>
+            </a:r>
+            <a:endParaRPr lang="en-US" dirty="0"/>
+          </a:p>
+        </p:txBody>
+      </p:sp>
+      <p:sp>
+        <p:nvSpPr>
+          <p:cNvPr id="6" name="Title 5"/>
+          <p:cNvSpPr>
+            <a:spLocks noGrp="1"/>
+          </p:cNvSpPr>
+          <p:nvPr>
+            <p:ph type="title"/>
+          </p:nvPr>
+        </p:nvSpPr>
+        <p:spPr/>
+        <p:txBody>
+          <a:bodyPr/>
+          <a:lstStyle/>
+          <a:p>
+            <a:r>
+              <a:rPr lang="en-US" dirty="0" err="1" smtClean="0"/>
+              <a:t>Tóm</a:t>
+            </a:r>
+            <a:r>
+              <a:rPr lang="en-US" dirty="0" smtClean="0"/>
+              <a:t> </a:t>
+            </a:r>
+            <a:r>
+              <a:rPr lang="en-US" dirty="0" err="1" smtClean="0"/>
+              <a:t>tắt</a:t>
+            </a:r>
+            <a:r>
+              <a:rPr lang="en-US" dirty="0" smtClean="0"/>
+              <a:t> </a:t>
+            </a:r>
+            <a:r>
+              <a:rPr lang="en-US" dirty="0" err="1" smtClean="0"/>
+              <a:t>nội</a:t>
+            </a:r>
+            <a:r>
+              <a:rPr lang="en-US" dirty="0" smtClean="0"/>
+              <a:t> dung</a:t>
+            </a:r>
+            <a:endParaRPr lang="en-US" dirty="0"/>
+          </a:p>
+        </p:txBody>
+      </p:sp>
+    </p:spTree>
+    <p:extLst>
+      <p:ext uri="{BB962C8B-B14F-4D97-AF65-F5344CB8AC3E}">
+        <p14:creationId xmlns:p14="http://schemas.microsoft.com/office/powerpoint/2010/main" val="190724703"/>
+      </p:ext>
+    </p:extLst>
+  </p:cSld>
+  <p:clrMapOvr>
+    <a:masterClrMapping/>
+  </p:clrMapOvr>
+  <p:timing>
+    <p:tnLst>
+      <p:par>
+        <p:cTn id="1" dur="indefinite" restart="never" nodeType="tmRoot"/>
+      </p:par>
+    </p:tnLst>
+  </p:timing>
+</p:sld>
+</file>
+
+<file path=ppt/slides/slide14.xml><?xml version="1.0" encoding="utf-8"?>
+<p:sld xmlns:a="http://schemas.openxmlformats.org/drawingml/2006/main" xmlns:r="http://schemas.openxmlformats.org/officeDocument/2006/relationships" xmlns:p="http://schemas.openxmlformats.org/presentationml/2006/main">
+  <p:cSld>
+    <p:spTree>
+      <p:nvGrpSpPr>
+        <p:cNvPr id="1" name=""/>
+        <p:cNvGrpSpPr/>
+        <p:nvPr/>
+      </p:nvGrpSpPr>
+      <p:grpSpPr>
+        <a:xfrm>
+          <a:off x="0" y="0"/>
+          <a:ext cx="0" cy="0"/>
+          <a:chOff x="0" y="0"/>
+          <a:chExt cx="0" cy="0"/>
+        </a:xfrm>
+      </p:grpSpPr>
+      <p:sp>
+        <p:nvSpPr>
+          <p:cNvPr id="2" name="Title 1"/>
+          <p:cNvSpPr>
+            <a:spLocks noGrp="1"/>
+          </p:cNvSpPr>
+          <p:nvPr>
+            <p:ph type="title"/>
+          </p:nvPr>
+        </p:nvSpPr>
+        <p:spPr/>
+        <p:txBody>
+          <a:bodyPr/>
+          <a:lstStyle/>
+          <a:p>
+            <a:r>
+              <a:rPr lang="en-US" dirty="0" err="1" smtClean="0"/>
               <a:t>Ví</a:t>
             </a:r>
             <a:r>
@@ -3381,10 +4506,17 @@
   <p:clrMapOvr>
     <a:masterClrMapping/>
   </p:clrMapOvr>
+  <p:timing>
+    <p:tnLst>
+      <p:par>
+        <p:cTn id="1" dur="indefinite" restart="never" nodeType="tmRoot"/>
+      </p:par>
+    </p:tnLst>
+  </p:timing>
 </p:sld>
 </file>
 
-<file path=ppt/slides/slide11.xml><?xml version="1.0" encoding="utf-8"?>
+<file path=ppt/slides/slide15.xml><?xml version="1.0" encoding="utf-8"?>
 <p:sld xmlns:a="http://schemas.openxmlformats.org/drawingml/2006/main" xmlns:r="http://schemas.openxmlformats.org/officeDocument/2006/relationships" xmlns:p="http://schemas.openxmlformats.org/presentationml/2006/main">
   <p:cSld>
     <p:spTree>
@@ -3581,23 +4713,11 @@
             </a:r>
             <a:r>
               <a:rPr lang="en-US" dirty="0" smtClean="0"/>
-              <a:t>anguage – </a:t>
-            </a:r>
-            <a:r>
-              <a:rPr lang="en-US" dirty="0" err="1" smtClean="0"/>
-              <a:t>dịch</a:t>
-            </a:r>
-            <a:r>
-              <a:rPr lang="en-US" dirty="0" smtClean="0"/>
-              <a:t> </a:t>
-            </a:r>
-            <a:r>
-              <a:rPr lang="en-US" dirty="0" err="1" smtClean="0"/>
-              <a:t>là</a:t>
-            </a:r>
-            <a:r>
-              <a:rPr lang="en-US" dirty="0" smtClean="0"/>
-              <a:t> </a:t>
+              <a:t>anguage </a:t>
+            </a:r>
+            <a:r>
+              <a:rPr lang="en-US" dirty="0" smtClean="0"/>
+              <a:t>– </a:t>
             </a:r>
             <a:r>
               <a:rPr lang="en-US" dirty="0" err="1" smtClean="0"/>
@@ -3804,6 +4924,22 @@
             <a:r>
               <a:rPr lang="en-US" dirty="0" err="1" smtClean="0"/>
               <a:t>bản</a:t>
+            </a:r>
+            <a:r>
+              <a:rPr lang="en-US" dirty="0" smtClean="0"/>
+              <a:t> </a:t>
+            </a:r>
+            <a:r>
+              <a:rPr lang="en-US" dirty="0" err="1" smtClean="0"/>
+              <a:t>chính</a:t>
+            </a:r>
+            <a:r>
+              <a:rPr lang="en-US" dirty="0" smtClean="0"/>
+              <a:t> </a:t>
+            </a:r>
+            <a:r>
+              <a:rPr lang="en-US" dirty="0" err="1" smtClean="0"/>
+              <a:t>thức</a:t>
             </a:r>
             <a:r>
               <a:rPr lang="en-US" dirty="0" smtClean="0"/>
@@ -3838,6 +4974,13 @@
   <p:clrMapOvr>
     <a:masterClrMapping/>
   </p:clrMapOvr>
+  <p:timing>
+    <p:tnLst>
+      <p:par>
+        <p:cTn id="1" dur="indefinite" restart="never" nodeType="tmRoot"/>
+      </p:par>
+    </p:tnLst>
+  </p:timing>
 </p:sld>
 </file>
 
@@ -3995,6 +5138,13 @@
   <p:clrMapOvr>
     <a:masterClrMapping/>
   </p:clrMapOvr>
+  <p:timing>
+    <p:tnLst>
+      <p:par>
+        <p:cTn id="1" dur="indefinite" restart="never" nodeType="tmRoot"/>
+      </p:par>
+    </p:tnLst>
+  </p:timing>
 </p:sld>
 </file>
 
@@ -4189,6 +5339,13 @@
   <p:clrMapOvr>
     <a:masterClrMapping/>
   </p:clrMapOvr>
+  <p:timing>
+    <p:tnLst>
+      <p:par>
+        <p:cTn id="1" dur="indefinite" restart="never" nodeType="tmRoot"/>
+      </p:par>
+    </p:tnLst>
+  </p:timing>
 </p:sld>
 </file>
 
@@ -4441,11 +5598,7 @@
             </a:r>
             <a:r>
               <a:rPr lang="en-US" dirty="0" smtClean="0"/>
-              <a:t> </a:t>
-            </a:r>
-            <a:r>
-              <a:rPr lang="en-US" dirty="0" smtClean="0"/>
-              <a:t>link</a:t>
+              <a:t> link</a:t>
             </a:r>
             <a:r>
               <a:rPr lang="vi-VN" dirty="0" smtClean="0"/>
@@ -4513,11 +5666,7 @@
             </a:r>
             <a:r>
               <a:rPr lang="en-US" dirty="0" smtClean="0"/>
-              <a:t>, video</a:t>
-            </a:r>
-            <a:r>
-              <a:rPr lang="en-US" dirty="0" smtClean="0"/>
-              <a:t>…</a:t>
+              <a:t>, video…</a:t>
             </a:r>
             <a:r>
               <a:rPr lang="vi-VN" smtClean="0"/>
@@ -4537,6 +5686,13 @@
   <p:clrMapOvr>
     <a:masterClrMapping/>
   </p:clrMapOvr>
+  <p:timing>
+    <p:tnLst>
+      <p:par>
+        <p:cTn id="1" dur="indefinite" restart="never" nodeType="tmRoot"/>
+      </p:par>
+    </p:tnLst>
+  </p:timing>
 </p:sld>
 </file>
 
@@ -4747,6 +5903,13 @@
   <p:clrMapOvr>
     <a:masterClrMapping/>
   </p:clrMapOvr>
+  <p:timing>
+    <p:tnLst>
+      <p:par>
+        <p:cTn id="1" dur="indefinite" restart="never" nodeType="tmRoot"/>
+      </p:par>
+    </p:tnLst>
+  </p:timing>
 </p:sld>
 </file>
 
@@ -5068,6 +6231,13 @@
   <p:clrMapOvr>
     <a:masterClrMapping/>
   </p:clrMapOvr>
+  <p:timing>
+    <p:tnLst>
+      <p:par>
+        <p:cTn id="1" dur="indefinite" restart="never" nodeType="tmRoot"/>
+      </p:par>
+    </p:tnLst>
+  </p:timing>
 </p:sld>
 </file>
 
@@ -5105,7 +6275,7 @@
           <a:p>
             <a:r>
               <a:rPr lang="en-US" dirty="0" err="1" smtClean="0"/>
-              <a:t>Các</a:t>
+              <a:t>Cách</a:t>
             </a:r>
             <a:r>
               <a:rPr lang="en-US" dirty="0" smtClean="0"/>
@@ -5369,6 +6539,13 @@
   <p:clrMapOvr>
     <a:masterClrMapping/>
   </p:clrMapOvr>
+  <p:timing>
+    <p:tnLst>
+      <p:par>
+        <p:cTn id="1" dur="indefinite" restart="never" nodeType="tmRoot"/>
+      </p:par>
+    </p:tnLst>
+  </p:timing>
 </p:sld>
 </file>
 
@@ -5391,7 +6568,7 @@
       </p:grpSpPr>
       <p:sp>
         <p:nvSpPr>
-          <p:cNvPr id="5" name="Content Placeholder 4"/>
+          <p:cNvPr id="3" name="Content Placeholder 2"/>
           <p:cNvSpPr>
             <a:spLocks noGrp="1"/>
           </p:cNvSpPr>
@@ -5399,156 +6576,665 @@
             <p:ph idx="1"/>
           </p:nvPr>
         </p:nvSpPr>
-        <p:spPr/>
+        <p:spPr>
+          <a:xfrm>
+            <a:off x="457200" y="1600201"/>
+            <a:ext cx="8229600" cy="762000"/>
+          </a:xfrm>
+        </p:spPr>
         <p:txBody>
           <a:bodyPr/>
           <a:lstStyle/>
           <a:p>
-            <a:r>
-              <a:rPr lang="en-US" dirty="0" smtClean="0"/>
-              <a:t>HTML </a:t>
-            </a:r>
-            <a:r>
-              <a:rPr lang="en-US" dirty="0" err="1" smtClean="0"/>
-              <a:t>là</a:t>
-            </a:r>
-            <a:r>
-              <a:rPr lang="en-US" dirty="0" smtClean="0"/>
-              <a:t> </a:t>
-            </a:r>
-            <a:r>
-              <a:rPr lang="en-US" dirty="0" err="1" smtClean="0"/>
+            <a:pPr marL="0" indent="0">
+              <a:buNone/>
+            </a:pPr>
+            <a:r>
+              <a:rPr lang="en-US" sz="3500" dirty="0" err="1" smtClean="0"/>
+              <a:t>Vậy</a:t>
+            </a:r>
+            <a:r>
+              <a:rPr lang="en-US" sz="3500" dirty="0" smtClean="0"/>
+              <a:t> </a:t>
+            </a:r>
+            <a:r>
+              <a:rPr lang="en-US" sz="3500" dirty="0" err="1" smtClean="0"/>
+              <a:t>để</a:t>
+            </a:r>
+            <a:r>
+              <a:rPr lang="en-US" sz="3500" dirty="0" smtClean="0"/>
+              <a:t> </a:t>
+            </a:r>
+            <a:r>
+              <a:rPr lang="en-US" sz="3500" dirty="0" err="1" smtClean="0"/>
+              <a:t>viết</a:t>
+            </a:r>
+            <a:r>
+              <a:rPr lang="en-US" sz="3500" dirty="0" smtClean="0"/>
+              <a:t> </a:t>
+            </a:r>
+            <a:r>
+              <a:rPr lang="en-US" sz="3500" dirty="0" err="1" smtClean="0"/>
+              <a:t>được</a:t>
+            </a:r>
+            <a:r>
+              <a:rPr lang="en-US" sz="3500" dirty="0" smtClean="0"/>
+              <a:t> CSS </a:t>
+            </a:r>
+            <a:r>
+              <a:rPr lang="en-US" sz="3500" dirty="0" err="1" smtClean="0"/>
+              <a:t>thì</a:t>
+            </a:r>
+            <a:r>
+              <a:rPr lang="en-US" sz="3500" dirty="0" smtClean="0"/>
+              <a:t> </a:t>
+            </a:r>
+            <a:r>
+              <a:rPr lang="en-US" sz="3500" dirty="0" err="1" smtClean="0"/>
+              <a:t>cần</a:t>
+            </a:r>
+            <a:r>
+              <a:rPr lang="en-US" sz="3500" dirty="0" smtClean="0"/>
+              <a:t> … </a:t>
+            </a:r>
+            <a:r>
+              <a:rPr lang="en-US" sz="3500" dirty="0" err="1" smtClean="0"/>
               <a:t>gì</a:t>
             </a:r>
-            <a:endParaRPr lang="en-US" dirty="0" smtClean="0"/>
-          </a:p>
-          <a:p>
-            <a:r>
-              <a:rPr lang="en-US" dirty="0" err="1" smtClean="0"/>
-              <a:t>Cách</a:t>
-            </a:r>
-            <a:r>
-              <a:rPr lang="en-US" dirty="0" smtClean="0"/>
-              <a:t> </a:t>
-            </a:r>
-            <a:r>
-              <a:rPr lang="en-US" dirty="0" err="1" smtClean="0"/>
-              <a:t>viết</a:t>
-            </a:r>
-            <a:r>
-              <a:rPr lang="en-US" dirty="0" smtClean="0"/>
-              <a:t> HTML</a:t>
-            </a:r>
-          </a:p>
-          <a:p>
-            <a:r>
-              <a:rPr lang="en-US" dirty="0" smtClean="0"/>
-              <a:t>CSS </a:t>
-            </a:r>
-            <a:r>
-              <a:rPr lang="en-US" dirty="0" err="1" smtClean="0"/>
-              <a:t>là</a:t>
-            </a:r>
-            <a:r>
-              <a:rPr lang="en-US" dirty="0" smtClean="0"/>
-              <a:t> </a:t>
-            </a:r>
-            <a:r>
-              <a:rPr lang="en-US" dirty="0" err="1" smtClean="0"/>
-              <a:t>gì</a:t>
-            </a:r>
-            <a:endParaRPr lang="en-US" dirty="0" smtClean="0"/>
-          </a:p>
-          <a:p>
-            <a:r>
-              <a:rPr lang="en-US" dirty="0" err="1" smtClean="0"/>
-              <a:t>Cách</a:t>
-            </a:r>
-            <a:r>
-              <a:rPr lang="en-US" dirty="0" smtClean="0"/>
-              <a:t> </a:t>
-            </a:r>
-            <a:r>
-              <a:rPr lang="en-US" dirty="0" err="1" smtClean="0"/>
-              <a:t>viết</a:t>
-            </a:r>
-            <a:r>
-              <a:rPr lang="en-US" dirty="0" smtClean="0"/>
-              <a:t> </a:t>
-            </a:r>
-            <a:r>
-              <a:rPr lang="en-US" dirty="0" err="1" smtClean="0"/>
-              <a:t>nhúng</a:t>
-            </a:r>
-            <a:r>
-              <a:rPr lang="en-US" dirty="0" smtClean="0"/>
-              <a:t> CSS </a:t>
-            </a:r>
-            <a:r>
-              <a:rPr lang="en-US" dirty="0" err="1" smtClean="0"/>
-              <a:t>vào</a:t>
-            </a:r>
-            <a:r>
-              <a:rPr lang="en-US" dirty="0" smtClean="0"/>
-              <a:t> HTML</a:t>
-            </a:r>
-            <a:endParaRPr lang="en-US" dirty="0"/>
-          </a:p>
-        </p:txBody>
-      </p:sp>
-      <p:sp>
-        <p:nvSpPr>
-          <p:cNvPr id="6" name="Title 5"/>
-          <p:cNvSpPr>
-            <a:spLocks noGrp="1"/>
-          </p:cNvSpPr>
-          <p:nvPr>
-            <p:ph type="title"/>
-          </p:nvPr>
-        </p:nvSpPr>
-        <p:spPr/>
-        <p:txBody>
-          <a:bodyPr/>
+            <a:r>
+              <a:rPr lang="en-US" sz="3500" dirty="0" smtClean="0"/>
+              <a:t>?</a:t>
+            </a:r>
+            <a:endParaRPr lang="en-GB" sz="3500" dirty="0"/>
+          </a:p>
+        </p:txBody>
+      </p:sp>
+      <p:pic>
+        <p:nvPicPr>
+          <p:cNvPr id="4" name="Picture 2" descr="Káº¿t quáº£ hÃ¬nh áº£nh cho think"/>
+          <p:cNvPicPr>
+            <a:picLocks noChangeAspect="1" noChangeArrowheads="1"/>
+          </p:cNvPicPr>
+          <p:nvPr/>
+        </p:nvPicPr>
+        <p:blipFill>
+          <a:blip r:embed="rId2">
+            <a:extLst>
+              <a:ext uri="{28A0092B-C50C-407E-A947-70E740481C1C}">
+                <a14:useLocalDpi xmlns:a14="http://schemas.microsoft.com/office/drawing/2010/main" val="0"/>
+              </a:ext>
+            </a:extLst>
+          </a:blip>
+          <a:srcRect/>
+          <a:stretch>
+            <a:fillRect/>
+          </a:stretch>
+        </p:blipFill>
+        <p:spPr bwMode="auto">
+          <a:xfrm>
+            <a:off x="4953000" y="2971799"/>
+            <a:ext cx="2286000" cy="2286001"/>
+          </a:xfrm>
+          <a:prstGeom prst="rect">
+            <a:avLst/>
+          </a:prstGeom>
+          <a:noFill/>
+          <a:extLst>
+            <a:ext uri="{909E8E84-426E-40DD-AFC4-6F175D3DCCD1}">
+              <a14:hiddenFill xmlns:a14="http://schemas.microsoft.com/office/drawing/2010/main">
+                <a:solidFill>
+                  <a:srgbClr val="FFFFFF"/>
+                </a:solidFill>
+              </a14:hiddenFill>
+            </a:ext>
+          </a:extLst>
+        </p:spPr>
+      </p:pic>
+      <p:sp>
+        <p:nvSpPr>
+          <p:cNvPr id="8" name="Down Arrow 7"/>
+          <p:cNvSpPr/>
+          <p:nvPr/>
+        </p:nvSpPr>
+        <p:spPr>
+          <a:xfrm>
+            <a:off x="1981200" y="2667000"/>
+            <a:ext cx="990600" cy="1295400"/>
+          </a:xfrm>
+          <a:prstGeom prst="downArrow">
+            <a:avLst/>
+          </a:prstGeom>
+        </p:spPr>
+        <p:style>
+          <a:lnRef idx="2">
+            <a:schemeClr val="accent1">
+              <a:shade val="50000"/>
+            </a:schemeClr>
+          </a:lnRef>
+          <a:fillRef idx="1">
+            <a:schemeClr val="accent1"/>
+          </a:fillRef>
+          <a:effectRef idx="0">
+            <a:schemeClr val="accent1"/>
+          </a:effectRef>
+          <a:fontRef idx="minor">
+            <a:schemeClr val="lt1"/>
+          </a:fontRef>
+        </p:style>
+        <p:txBody>
+          <a:bodyPr rtlCol="0" anchor="ctr"/>
           <a:lstStyle/>
           <a:p>
-            <a:r>
-              <a:rPr lang="en-US" dirty="0" err="1" smtClean="0"/>
-              <a:t>Tóm</a:t>
-            </a:r>
-            <a:r>
-              <a:rPr lang="en-US" dirty="0" smtClean="0"/>
-              <a:t> </a:t>
-            </a:r>
-            <a:r>
-              <a:rPr lang="en-US" dirty="0" err="1" smtClean="0"/>
-              <a:t>tắt</a:t>
-            </a:r>
-            <a:r>
-              <a:rPr lang="en-US" dirty="0" smtClean="0"/>
-              <a:t> </a:t>
-            </a:r>
-            <a:r>
-              <a:rPr lang="en-US" dirty="0" err="1" smtClean="0"/>
-              <a:t>nội</a:t>
-            </a:r>
-            <a:r>
-              <a:rPr lang="en-US" dirty="0" smtClean="0"/>
-              <a:t> dung</a:t>
-            </a:r>
-            <a:endParaRPr lang="en-US" dirty="0"/>
+            <a:pPr algn="ctr"/>
+            <a:endParaRPr lang="en-GB"/>
+          </a:p>
+        </p:txBody>
+      </p:sp>
+      <p:sp>
+        <p:nvSpPr>
+          <p:cNvPr id="9" name="Rectangle 8"/>
+          <p:cNvSpPr/>
+          <p:nvPr/>
+        </p:nvSpPr>
+        <p:spPr>
+          <a:xfrm>
+            <a:off x="762000" y="4114799"/>
+            <a:ext cx="3200400" cy="1295401"/>
+          </a:xfrm>
+          <a:prstGeom prst="rect">
+            <a:avLst/>
+          </a:prstGeom>
+        </p:spPr>
+        <p:style>
+          <a:lnRef idx="2">
+            <a:schemeClr val="accent1">
+              <a:shade val="50000"/>
+            </a:schemeClr>
+          </a:lnRef>
+          <a:fillRef idx="1">
+            <a:schemeClr val="accent1"/>
+          </a:fillRef>
+          <a:effectRef idx="0">
+            <a:schemeClr val="accent1"/>
+          </a:effectRef>
+          <a:fontRef idx="minor">
+            <a:schemeClr val="lt1"/>
+          </a:fontRef>
+        </p:style>
+        <p:txBody>
+          <a:bodyPr rtlCol="0" anchor="ctr"/>
+          <a:lstStyle/>
+          <a:p>
+            <a:pPr algn="ctr"/>
+            <a:r>
+              <a:rPr lang="en-US" sz="2400" dirty="0" err="1" smtClean="0"/>
+              <a:t>Vùng</a:t>
+            </a:r>
+            <a:r>
+              <a:rPr lang="en-US" sz="2400" dirty="0" smtClean="0"/>
+              <a:t> </a:t>
+            </a:r>
+            <a:r>
+              <a:rPr lang="en-US" sz="2400" dirty="0" err="1" smtClean="0"/>
+              <a:t>chọn</a:t>
+            </a:r>
+            <a:endParaRPr lang="en-US" sz="2400" dirty="0" smtClean="0"/>
+          </a:p>
+          <a:p>
+            <a:pPr algn="ctr"/>
+            <a:r>
+              <a:rPr lang="en-US" sz="2400" dirty="0" err="1" smtClean="0"/>
+              <a:t>Thuộc</a:t>
+            </a:r>
+            <a:r>
+              <a:rPr lang="en-US" sz="2400" dirty="0" smtClean="0"/>
+              <a:t> </a:t>
+            </a:r>
+            <a:r>
+              <a:rPr lang="en-US" sz="2400" dirty="0" err="1" smtClean="0"/>
+              <a:t>tính</a:t>
+            </a:r>
+            <a:endParaRPr lang="en-US" sz="2400" dirty="0" smtClean="0"/>
+          </a:p>
+          <a:p>
+            <a:pPr algn="ctr"/>
+            <a:r>
+              <a:rPr lang="en-US" sz="2400" dirty="0" err="1" smtClean="0"/>
+              <a:t>Gía</a:t>
+            </a:r>
+            <a:r>
+              <a:rPr lang="en-US" sz="2400" dirty="0" smtClean="0"/>
+              <a:t> </a:t>
+            </a:r>
+            <a:r>
+              <a:rPr lang="en-US" sz="2400" dirty="0" err="1" smtClean="0"/>
+              <a:t>trị</a:t>
+            </a:r>
+            <a:endParaRPr lang="en-GB" sz="2400" dirty="0"/>
           </a:p>
         </p:txBody>
       </p:sp>
     </p:spTree>
     <p:extLst>
       <p:ext uri="{BB962C8B-B14F-4D97-AF65-F5344CB8AC3E}">
-        <p14:creationId xmlns:p14="http://schemas.microsoft.com/office/powerpoint/2010/main" val="190724703"/>
+        <p14:creationId xmlns:p14="http://schemas.microsoft.com/office/powerpoint/2010/main" val="1755940209"/>
       </p:ext>
     </p:extLst>
   </p:cSld>
   <p:clrMapOvr>
     <a:masterClrMapping/>
   </p:clrMapOvr>
+  <p:timing>
+    <p:tnLst>
+      <p:par>
+        <p:cTn id="1" dur="indefinite" restart="never" nodeType="tmRoot">
+          <p:childTnLst>
+            <p:seq concurrent="1" nextAc="seek">
+              <p:cTn id="2" dur="indefinite" nodeType="mainSeq">
+                <p:childTnLst>
+                  <p:par>
+                    <p:cTn id="3" fill="hold">
+                      <p:stCondLst>
+                        <p:cond delay="indefinite"/>
+                      </p:stCondLst>
+                      <p:childTnLst>
+                        <p:par>
+                          <p:cTn id="4" fill="hold">
+                            <p:stCondLst>
+                              <p:cond delay="0"/>
+                            </p:stCondLst>
+                            <p:childTnLst>
+                              <p:par>
+                                <p:cTn id="5" presetID="42" presetClass="entr" presetSubtype="0" fill="hold" nodeType="clickEffect">
+                                  <p:stCondLst>
+                                    <p:cond delay="0"/>
+                                  </p:stCondLst>
+                                  <p:childTnLst>
+                                    <p:set>
+                                      <p:cBhvr>
+                                        <p:cTn id="6" dur="1" fill="hold">
+                                          <p:stCondLst>
+                                            <p:cond delay="0"/>
+                                          </p:stCondLst>
+                                        </p:cTn>
+                                        <p:tgtEl>
+                                          <p:spTgt spid="4"/>
+                                        </p:tgtEl>
+                                        <p:attrNameLst>
+                                          <p:attrName>style.visibility</p:attrName>
+                                        </p:attrNameLst>
+                                      </p:cBhvr>
+                                      <p:to>
+                                        <p:strVal val="visible"/>
+                                      </p:to>
+                                    </p:set>
+                                    <p:animEffect transition="in" filter="fade">
+                                      <p:cBhvr>
+                                        <p:cTn id="7" dur="1000"/>
+                                        <p:tgtEl>
+                                          <p:spTgt spid="4"/>
+                                        </p:tgtEl>
+                                      </p:cBhvr>
+                                    </p:animEffect>
+                                    <p:anim calcmode="lin" valueType="num">
+                                      <p:cBhvr>
+                                        <p:cTn id="8" dur="1000" fill="hold"/>
+                                        <p:tgtEl>
+                                          <p:spTgt spid="4"/>
+                                        </p:tgtEl>
+                                        <p:attrNameLst>
+                                          <p:attrName>ppt_x</p:attrName>
+                                        </p:attrNameLst>
+                                      </p:cBhvr>
+                                      <p:tavLst>
+                                        <p:tav tm="0">
+                                          <p:val>
+                                            <p:strVal val="#ppt_x"/>
+                                          </p:val>
+                                        </p:tav>
+                                        <p:tav tm="100000">
+                                          <p:val>
+                                            <p:strVal val="#ppt_x"/>
+                                          </p:val>
+                                        </p:tav>
+                                      </p:tavLst>
+                                    </p:anim>
+                                    <p:anim calcmode="lin" valueType="num">
+                                      <p:cBhvr>
+                                        <p:cTn id="9" dur="1000" fill="hold"/>
+                                        <p:tgtEl>
+                                          <p:spTgt spid="4"/>
+                                        </p:tgtEl>
+                                        <p:attrNameLst>
+                                          <p:attrName>ppt_y</p:attrName>
+                                        </p:attrNameLst>
+                                      </p:cBhvr>
+                                      <p:tavLst>
+                                        <p:tav tm="0">
+                                          <p:val>
+                                            <p:strVal val="#ppt_y+.1"/>
+                                          </p:val>
+                                        </p:tav>
+                                        <p:tav tm="100000">
+                                          <p:val>
+                                            <p:strVal val="#ppt_y"/>
+                                          </p:val>
+                                        </p:tav>
+                                      </p:tavLst>
+                                    </p:anim>
+                                  </p:childTnLst>
+                                </p:cTn>
+                              </p:par>
+                              <p:par>
+                                <p:cTn id="10" presetID="42" presetClass="entr" presetSubtype="0" fill="hold" grpId="0" nodeType="withEffect">
+                                  <p:stCondLst>
+                                    <p:cond delay="0"/>
+                                  </p:stCondLst>
+                                  <p:childTnLst>
+                                    <p:set>
+                                      <p:cBhvr>
+                                        <p:cTn id="11" dur="1" fill="hold">
+                                          <p:stCondLst>
+                                            <p:cond delay="0"/>
+                                          </p:stCondLst>
+                                        </p:cTn>
+                                        <p:tgtEl>
+                                          <p:spTgt spid="3">
+                                            <p:txEl>
+                                              <p:pRg st="0" end="0"/>
+                                            </p:txEl>
+                                          </p:spTgt>
+                                        </p:tgtEl>
+                                        <p:attrNameLst>
+                                          <p:attrName>style.visibility</p:attrName>
+                                        </p:attrNameLst>
+                                      </p:cBhvr>
+                                      <p:to>
+                                        <p:strVal val="visible"/>
+                                      </p:to>
+                                    </p:set>
+                                    <p:animEffect transition="in" filter="fade">
+                                      <p:cBhvr>
+                                        <p:cTn id="12" dur="1000"/>
+                                        <p:tgtEl>
+                                          <p:spTgt spid="3">
+                                            <p:txEl>
+                                              <p:pRg st="0" end="0"/>
+                                            </p:txEl>
+                                          </p:spTgt>
+                                        </p:tgtEl>
+                                      </p:cBhvr>
+                                    </p:animEffect>
+                                    <p:anim calcmode="lin" valueType="num">
+                                      <p:cBhvr>
+                                        <p:cTn id="13" dur="1000" fill="hold"/>
+                                        <p:tgtEl>
+                                          <p:spTgt spid="3">
+                                            <p:txEl>
+                                              <p:pRg st="0" end="0"/>
+                                            </p:txEl>
+                                          </p:spTgt>
+                                        </p:tgtEl>
+                                        <p:attrNameLst>
+                                          <p:attrName>ppt_x</p:attrName>
+                                        </p:attrNameLst>
+                                      </p:cBhvr>
+                                      <p:tavLst>
+                                        <p:tav tm="0">
+                                          <p:val>
+                                            <p:strVal val="#ppt_x"/>
+                                          </p:val>
+                                        </p:tav>
+                                        <p:tav tm="100000">
+                                          <p:val>
+                                            <p:strVal val="#ppt_x"/>
+                                          </p:val>
+                                        </p:tav>
+                                      </p:tavLst>
+                                    </p:anim>
+                                    <p:anim calcmode="lin" valueType="num">
+                                      <p:cBhvr>
+                                        <p:cTn id="14" dur="1000" fill="hold"/>
+                                        <p:tgtEl>
+                                          <p:spTgt spid="3">
+                                            <p:txEl>
+                                              <p:pRg st="0" end="0"/>
+                                            </p:txEl>
+                                          </p:spTgt>
+                                        </p:tgtEl>
+                                        <p:attrNameLst>
+                                          <p:attrName>ppt_y</p:attrName>
+                                        </p:attrNameLst>
+                                      </p:cBhvr>
+                                      <p:tavLst>
+                                        <p:tav tm="0">
+                                          <p:val>
+                                            <p:strVal val="#ppt_y+.1"/>
+                                          </p:val>
+                                        </p:tav>
+                                        <p:tav tm="100000">
+                                          <p:val>
+                                            <p:strVal val="#ppt_y"/>
+                                          </p:val>
+                                        </p:tav>
+                                      </p:tavLst>
+                                    </p:anim>
+                                  </p:childTnLst>
+                                </p:cTn>
+                              </p:par>
+                            </p:childTnLst>
+                          </p:cTn>
+                        </p:par>
+                      </p:childTnLst>
+                    </p:cTn>
+                  </p:par>
+                  <p:par>
+                    <p:cTn id="15" fill="hold">
+                      <p:stCondLst>
+                        <p:cond delay="indefinite"/>
+                      </p:stCondLst>
+                      <p:childTnLst>
+                        <p:par>
+                          <p:cTn id="16" fill="hold">
+                            <p:stCondLst>
+                              <p:cond delay="0"/>
+                            </p:stCondLst>
+                            <p:childTnLst>
+                              <p:par>
+                                <p:cTn id="17" presetID="42" presetClass="entr" presetSubtype="0" fill="hold" grpId="0" nodeType="clickEffect">
+                                  <p:stCondLst>
+                                    <p:cond delay="0"/>
+                                  </p:stCondLst>
+                                  <p:childTnLst>
+                                    <p:set>
+                                      <p:cBhvr>
+                                        <p:cTn id="18" dur="1" fill="hold">
+                                          <p:stCondLst>
+                                            <p:cond delay="0"/>
+                                          </p:stCondLst>
+                                        </p:cTn>
+                                        <p:tgtEl>
+                                          <p:spTgt spid="8"/>
+                                        </p:tgtEl>
+                                        <p:attrNameLst>
+                                          <p:attrName>style.visibility</p:attrName>
+                                        </p:attrNameLst>
+                                      </p:cBhvr>
+                                      <p:to>
+                                        <p:strVal val="visible"/>
+                                      </p:to>
+                                    </p:set>
+                                    <p:animEffect transition="in" filter="fade">
+                                      <p:cBhvr>
+                                        <p:cTn id="19" dur="1000"/>
+                                        <p:tgtEl>
+                                          <p:spTgt spid="8"/>
+                                        </p:tgtEl>
+                                      </p:cBhvr>
+                                    </p:animEffect>
+                                    <p:anim calcmode="lin" valueType="num">
+                                      <p:cBhvr>
+                                        <p:cTn id="20" dur="1000" fill="hold"/>
+                                        <p:tgtEl>
+                                          <p:spTgt spid="8"/>
+                                        </p:tgtEl>
+                                        <p:attrNameLst>
+                                          <p:attrName>ppt_x</p:attrName>
+                                        </p:attrNameLst>
+                                      </p:cBhvr>
+                                      <p:tavLst>
+                                        <p:tav tm="0">
+                                          <p:val>
+                                            <p:strVal val="#ppt_x"/>
+                                          </p:val>
+                                        </p:tav>
+                                        <p:tav tm="100000">
+                                          <p:val>
+                                            <p:strVal val="#ppt_x"/>
+                                          </p:val>
+                                        </p:tav>
+                                      </p:tavLst>
+                                    </p:anim>
+                                    <p:anim calcmode="lin" valueType="num">
+                                      <p:cBhvr>
+                                        <p:cTn id="21" dur="1000" fill="hold"/>
+                                        <p:tgtEl>
+                                          <p:spTgt spid="8"/>
+                                        </p:tgtEl>
+                                        <p:attrNameLst>
+                                          <p:attrName>ppt_y</p:attrName>
+                                        </p:attrNameLst>
+                                      </p:cBhvr>
+                                      <p:tavLst>
+                                        <p:tav tm="0">
+                                          <p:val>
+                                            <p:strVal val="#ppt_y+.1"/>
+                                          </p:val>
+                                        </p:tav>
+                                        <p:tav tm="100000">
+                                          <p:val>
+                                            <p:strVal val="#ppt_y"/>
+                                          </p:val>
+                                        </p:tav>
+                                      </p:tavLst>
+                                    </p:anim>
+                                  </p:childTnLst>
+                                </p:cTn>
+                              </p:par>
+                              <p:par>
+                                <p:cTn id="22" presetID="42" presetClass="entr" presetSubtype="0" fill="hold" grpId="0" nodeType="withEffect">
+                                  <p:stCondLst>
+                                    <p:cond delay="0"/>
+                                  </p:stCondLst>
+                                  <p:childTnLst>
+                                    <p:set>
+                                      <p:cBhvr>
+                                        <p:cTn id="23" dur="1" fill="hold">
+                                          <p:stCondLst>
+                                            <p:cond delay="0"/>
+                                          </p:stCondLst>
+                                        </p:cTn>
+                                        <p:tgtEl>
+                                          <p:spTgt spid="9"/>
+                                        </p:tgtEl>
+                                        <p:attrNameLst>
+                                          <p:attrName>style.visibility</p:attrName>
+                                        </p:attrNameLst>
+                                      </p:cBhvr>
+                                      <p:to>
+                                        <p:strVal val="visible"/>
+                                      </p:to>
+                                    </p:set>
+                                    <p:animEffect transition="in" filter="fade">
+                                      <p:cBhvr>
+                                        <p:cTn id="24" dur="1000"/>
+                                        <p:tgtEl>
+                                          <p:spTgt spid="9"/>
+                                        </p:tgtEl>
+                                      </p:cBhvr>
+                                    </p:animEffect>
+                                    <p:anim calcmode="lin" valueType="num">
+                                      <p:cBhvr>
+                                        <p:cTn id="25" dur="1000" fill="hold"/>
+                                        <p:tgtEl>
+                                          <p:spTgt spid="9"/>
+                                        </p:tgtEl>
+                                        <p:attrNameLst>
+                                          <p:attrName>ppt_x</p:attrName>
+                                        </p:attrNameLst>
+                                      </p:cBhvr>
+                                      <p:tavLst>
+                                        <p:tav tm="0">
+                                          <p:val>
+                                            <p:strVal val="#ppt_x"/>
+                                          </p:val>
+                                        </p:tav>
+                                        <p:tav tm="100000">
+                                          <p:val>
+                                            <p:strVal val="#ppt_x"/>
+                                          </p:val>
+                                        </p:tav>
+                                      </p:tavLst>
+                                    </p:anim>
+                                    <p:anim calcmode="lin" valueType="num">
+                                      <p:cBhvr>
+                                        <p:cTn id="26" dur="1000" fill="hold"/>
+                                        <p:tgtEl>
+                                          <p:spTgt spid="9"/>
+                                        </p:tgtEl>
+                                        <p:attrNameLst>
+                                          <p:attrName>ppt_y</p:attrName>
+                                        </p:attrNameLst>
+                                      </p:cBhvr>
+                                      <p:tavLst>
+                                        <p:tav tm="0">
+                                          <p:val>
+                                            <p:strVal val="#ppt_y+.1"/>
+                                          </p:val>
+                                        </p:tav>
+                                        <p:tav tm="100000">
+                                          <p:val>
+                                            <p:strVal val="#ppt_y"/>
+                                          </p:val>
+                                        </p:tav>
+                                      </p:tavLst>
+                                    </p:anim>
+                                  </p:childTnLst>
+                                </p:cTn>
+                              </p:par>
+                            </p:childTnLst>
+                          </p:cTn>
+                        </p:par>
+                      </p:childTnLst>
+                    </p:cTn>
+                  </p:par>
+                </p:childTnLst>
+              </p:cTn>
+              <p:prevCondLst>
+                <p:cond evt="onPrev" delay="0">
+                  <p:tgtEl>
+                    <p:sldTgt/>
+                  </p:tgtEl>
+                </p:cond>
+              </p:prevCondLst>
+              <p:nextCondLst>
+                <p:cond evt="onNext" delay="0">
+                  <p:tgtEl>
+                    <p:sldTgt/>
+                  </p:tgtEl>
+                </p:cond>
+              </p:nextCondLst>
+            </p:seq>
+          </p:childTnLst>
+        </p:cTn>
+      </p:par>
+    </p:tnLst>
+    <p:bldLst>
+      <p:bldP spid="3" grpId="0" build="p"/>
+      <p:bldP spid="8" grpId="0" animBg="1"/>
+      <p:bldP spid="9" grpId="0" animBg="1"/>
+    </p:bldLst>
+  </p:timing>
 </p:sld>
 </file>
 

--- a/1. Front-end/1. Kiến trúc web server - client(mục tiêu khóa học) và HTML CSS/2. Kiến thức cơ bản về HTML -CSS.pptx
+++ b/1. Front-end/1. Kiến trúc web server - client(mục tiêu khóa học) và HTML CSS/2. Kiến thức cơ bản về HTML -CSS.pptx
@@ -10,16 +10,17 @@
     <p:sldId id="258" r:id="rId4"/>
     <p:sldId id="259" r:id="rId5"/>
     <p:sldId id="260" r:id="rId6"/>
-    <p:sldId id="261" r:id="rId7"/>
-    <p:sldId id="263" r:id="rId8"/>
-    <p:sldId id="262" r:id="rId9"/>
-    <p:sldId id="267" r:id="rId10"/>
-    <p:sldId id="268" r:id="rId11"/>
-    <p:sldId id="269" r:id="rId12"/>
-    <p:sldId id="270" r:id="rId13"/>
-    <p:sldId id="264" r:id="rId14"/>
-    <p:sldId id="265" r:id="rId15"/>
-    <p:sldId id="266" r:id="rId16"/>
+    <p:sldId id="271" r:id="rId7"/>
+    <p:sldId id="261" r:id="rId8"/>
+    <p:sldId id="263" r:id="rId9"/>
+    <p:sldId id="262" r:id="rId10"/>
+    <p:sldId id="267" r:id="rId11"/>
+    <p:sldId id="268" r:id="rId12"/>
+    <p:sldId id="269" r:id="rId13"/>
+    <p:sldId id="270" r:id="rId14"/>
+    <p:sldId id="264" r:id="rId15"/>
+    <p:sldId id="265" r:id="rId16"/>
+    <p:sldId id="266" r:id="rId17"/>
   </p:sldIdLst>
   <p:sldSz cx="9144000" cy="6858000" type="screen4x3"/>
   <p:notesSz cx="6858000" cy="9144000"/>
@@ -3172,3384 +3173,6 @@
 </file>
 
 <file path=ppt/slides/slide10.xml><?xml version="1.0" encoding="utf-8"?>
-<p:sld xmlns:a="http://schemas.openxmlformats.org/drawingml/2006/main" xmlns:r="http://schemas.openxmlformats.org/officeDocument/2006/relationships" xmlns:p="http://schemas.openxmlformats.org/presentationml/2006/main">
-  <p:cSld>
-    <p:spTree>
-      <p:nvGrpSpPr>
-        <p:cNvPr id="1" name=""/>
-        <p:cNvGrpSpPr/>
-        <p:nvPr/>
-      </p:nvGrpSpPr>
-      <p:grpSpPr>
-        <a:xfrm>
-          <a:off x="0" y="0"/>
-          <a:ext cx="0" cy="0"/>
-          <a:chOff x="0" y="0"/>
-          <a:chExt cx="0" cy="0"/>
-        </a:xfrm>
-      </p:grpSpPr>
-      <p:sp>
-        <p:nvSpPr>
-          <p:cNvPr id="2" name="Title 1"/>
-          <p:cNvSpPr>
-            <a:spLocks noGrp="1"/>
-          </p:cNvSpPr>
-          <p:nvPr>
-            <p:ph type="title"/>
-          </p:nvPr>
-        </p:nvSpPr>
-        <p:spPr/>
-        <p:txBody>
-          <a:bodyPr/>
-          <a:lstStyle/>
-          <a:p>
-            <a:r>
-              <a:rPr lang="en-US" dirty="0" err="1" smtClean="0"/>
-              <a:t>Vùng</a:t>
-            </a:r>
-            <a:r>
-              <a:rPr lang="en-US" dirty="0" smtClean="0"/>
-              <a:t> </a:t>
-            </a:r>
-            <a:r>
-              <a:rPr lang="en-US" dirty="0" err="1" smtClean="0"/>
-              <a:t>chọn</a:t>
-            </a:r>
-            <a:endParaRPr lang="en-GB" dirty="0"/>
-          </a:p>
-        </p:txBody>
-      </p:sp>
-      <p:sp>
-        <p:nvSpPr>
-          <p:cNvPr id="3" name="Content Placeholder 2"/>
-          <p:cNvSpPr>
-            <a:spLocks noGrp="1"/>
-          </p:cNvSpPr>
-          <p:nvPr>
-            <p:ph idx="1"/>
-          </p:nvPr>
-        </p:nvSpPr>
-        <p:spPr/>
-        <p:txBody>
-          <a:bodyPr/>
-          <a:lstStyle/>
-          <a:p>
-            <a:r>
-              <a:rPr lang="en-US" dirty="0" err="1" smtClean="0"/>
-              <a:t>Vùng</a:t>
-            </a:r>
-            <a:r>
-              <a:rPr lang="en-US" dirty="0" smtClean="0"/>
-              <a:t> </a:t>
-            </a:r>
-            <a:r>
-              <a:rPr lang="en-US" dirty="0" err="1" smtClean="0"/>
-              <a:t>chọn</a:t>
-            </a:r>
-            <a:r>
-              <a:rPr lang="en-US" dirty="0" smtClean="0"/>
-              <a:t> </a:t>
-            </a:r>
-            <a:r>
-              <a:rPr lang="en-US" dirty="0" err="1" smtClean="0"/>
-              <a:t>là</a:t>
-            </a:r>
-            <a:r>
-              <a:rPr lang="en-US" dirty="0" smtClean="0"/>
-              <a:t> </a:t>
-            </a:r>
-            <a:r>
-              <a:rPr lang="en-US" dirty="0" err="1" smtClean="0"/>
-              <a:t>vùng</a:t>
-            </a:r>
-            <a:r>
-              <a:rPr lang="en-US" dirty="0" smtClean="0"/>
-              <a:t> </a:t>
-            </a:r>
-            <a:r>
-              <a:rPr lang="en-US" dirty="0" err="1" smtClean="0"/>
-              <a:t>trên</a:t>
-            </a:r>
-            <a:r>
-              <a:rPr lang="en-US" dirty="0" smtClean="0"/>
-              <a:t> </a:t>
-            </a:r>
-            <a:r>
-              <a:rPr lang="en-US" dirty="0" err="1" smtClean="0"/>
-              <a:t>giao</a:t>
-            </a:r>
-            <a:r>
-              <a:rPr lang="en-US" dirty="0" smtClean="0"/>
-              <a:t> </a:t>
-            </a:r>
-            <a:r>
-              <a:rPr lang="en-US" dirty="0" err="1" smtClean="0"/>
-              <a:t>diện</a:t>
-            </a:r>
-            <a:endParaRPr lang="en-US" dirty="0" smtClean="0"/>
-          </a:p>
-          <a:p>
-            <a:r>
-              <a:rPr lang="en-US" dirty="0" err="1" smtClean="0"/>
-              <a:t>Mục</a:t>
-            </a:r>
-            <a:r>
-              <a:rPr lang="en-US" dirty="0" smtClean="0"/>
-              <a:t> </a:t>
-            </a:r>
-            <a:r>
-              <a:rPr lang="en-US" dirty="0" err="1" smtClean="0"/>
-              <a:t>đích</a:t>
-            </a:r>
-            <a:r>
-              <a:rPr lang="en-US" dirty="0" smtClean="0"/>
-              <a:t> </a:t>
-            </a:r>
-            <a:r>
-              <a:rPr lang="en-US" dirty="0" err="1" smtClean="0"/>
-              <a:t>chọn</a:t>
-            </a:r>
-            <a:r>
-              <a:rPr lang="en-US" dirty="0" smtClean="0"/>
-              <a:t> </a:t>
-            </a:r>
-            <a:r>
-              <a:rPr lang="en-US" dirty="0" err="1" smtClean="0"/>
-              <a:t>để</a:t>
-            </a:r>
-            <a:r>
-              <a:rPr lang="en-US" dirty="0" smtClean="0"/>
-              <a:t> </a:t>
-            </a:r>
-            <a:r>
-              <a:rPr lang="en-US" dirty="0" err="1" smtClean="0"/>
-              <a:t>thay</a:t>
-            </a:r>
-            <a:r>
-              <a:rPr lang="en-US" dirty="0" smtClean="0"/>
-              <a:t> </a:t>
-            </a:r>
-            <a:r>
-              <a:rPr lang="en-US" dirty="0" err="1" smtClean="0"/>
-              <a:t>đổi</a:t>
-            </a:r>
-            <a:r>
-              <a:rPr lang="en-US" dirty="0" smtClean="0"/>
-              <a:t> </a:t>
-            </a:r>
-            <a:r>
-              <a:rPr lang="en-US" dirty="0" err="1" smtClean="0"/>
-              <a:t>hiển</a:t>
-            </a:r>
-            <a:r>
-              <a:rPr lang="en-US" dirty="0" smtClean="0"/>
-              <a:t> </a:t>
-            </a:r>
-            <a:r>
-              <a:rPr lang="en-US" dirty="0" err="1" smtClean="0"/>
-              <a:t>thị</a:t>
-            </a:r>
-            <a:endParaRPr lang="en-US" dirty="0" smtClean="0"/>
-          </a:p>
-          <a:p>
-            <a:r>
-              <a:rPr lang="en-US" dirty="0" err="1" smtClean="0"/>
-              <a:t>Đại</a:t>
-            </a:r>
-            <a:r>
-              <a:rPr lang="en-US" dirty="0" smtClean="0"/>
-              <a:t> </a:t>
-            </a:r>
-            <a:r>
-              <a:rPr lang="en-US" dirty="0" err="1" smtClean="0"/>
-              <a:t>diện</a:t>
-            </a:r>
-            <a:r>
-              <a:rPr lang="en-US" dirty="0" smtClean="0"/>
-              <a:t> </a:t>
-            </a:r>
-            <a:r>
-              <a:rPr lang="en-US" dirty="0" err="1" smtClean="0"/>
-              <a:t>là</a:t>
-            </a:r>
-            <a:r>
-              <a:rPr lang="en-US" dirty="0" smtClean="0"/>
-              <a:t> </a:t>
-            </a:r>
-            <a:r>
-              <a:rPr lang="en-US" dirty="0" err="1" smtClean="0"/>
-              <a:t>một</a:t>
-            </a:r>
-            <a:r>
-              <a:rPr lang="en-US" dirty="0" smtClean="0"/>
-              <a:t> </a:t>
-            </a:r>
-            <a:r>
-              <a:rPr lang="en-US" dirty="0" err="1" smtClean="0"/>
-              <a:t>thẻ</a:t>
-            </a:r>
-            <a:r>
-              <a:rPr lang="en-US" dirty="0" smtClean="0"/>
-              <a:t> HTML </a:t>
-            </a:r>
-            <a:r>
-              <a:rPr lang="en-US" dirty="0" err="1" smtClean="0"/>
-              <a:t>trong</a:t>
-            </a:r>
-            <a:r>
-              <a:rPr lang="en-US" dirty="0" smtClean="0"/>
-              <a:t> </a:t>
-            </a:r>
-            <a:r>
-              <a:rPr lang="en-US" dirty="0" err="1" smtClean="0"/>
-              <a:t>mã</a:t>
-            </a:r>
-            <a:r>
-              <a:rPr lang="en-US" dirty="0" smtClean="0"/>
-              <a:t> HTML</a:t>
-            </a:r>
-            <a:endParaRPr lang="en-GB" dirty="0"/>
-          </a:p>
-        </p:txBody>
-      </p:sp>
-      <p:pic>
-        <p:nvPicPr>
-          <p:cNvPr id="1026" name="Picture 2"/>
-          <p:cNvPicPr>
-            <a:picLocks noChangeAspect="1" noChangeArrowheads="1"/>
-          </p:cNvPicPr>
-          <p:nvPr/>
-        </p:nvPicPr>
-        <p:blipFill>
-          <a:blip r:embed="rId2">
-            <a:extLst>
-              <a:ext uri="{28A0092B-C50C-407E-A947-70E740481C1C}">
-                <a14:useLocalDpi xmlns:a14="http://schemas.microsoft.com/office/drawing/2010/main" val="0"/>
-              </a:ext>
-            </a:extLst>
-          </a:blip>
-          <a:srcRect/>
-          <a:stretch>
-            <a:fillRect/>
-          </a:stretch>
-        </p:blipFill>
-        <p:spPr bwMode="auto">
-          <a:xfrm>
-            <a:off x="3131527" y="3962400"/>
-            <a:ext cx="2857500" cy="2038350"/>
-          </a:xfrm>
-          <a:prstGeom prst="rect">
-            <a:avLst/>
-          </a:prstGeom>
-          <a:noFill/>
-          <a:ln>
-            <a:noFill/>
-          </a:ln>
-          <a:effectLst/>
-          <a:extLst>
-            <a:ext uri="{909E8E84-426E-40DD-AFC4-6F175D3DCCD1}">
-              <a14:hiddenFill xmlns:a14="http://schemas.microsoft.com/office/drawing/2010/main">
-                <a:solidFill>
-                  <a:schemeClr val="accent1"/>
-                </a:solidFill>
-              </a14:hiddenFill>
-            </a:ext>
-            <a:ext uri="{91240B29-F687-4F45-9708-019B960494DF}">
-              <a14:hiddenLine xmlns:a14="http://schemas.microsoft.com/office/drawing/2010/main" w="9525">
-                <a:solidFill>
-                  <a:schemeClr val="tx1"/>
-                </a:solidFill>
-                <a:miter lim="800000"/>
-                <a:headEnd/>
-                <a:tailEnd/>
-              </a14:hiddenLine>
-            </a:ext>
-            <a:ext uri="{AF507438-7753-43E0-B8FC-AC1667EBCBE1}">
-              <a14:hiddenEffects xmlns:a14="http://schemas.microsoft.com/office/drawing/2010/main">
-                <a:effectLst>
-                  <a:outerShdw dist="35921" dir="2700000" algn="ctr" rotWithShape="0">
-                    <a:schemeClr val="bg2"/>
-                  </a:outerShdw>
-                </a:effectLst>
-              </a14:hiddenEffects>
-            </a:ext>
-          </a:extLst>
-        </p:spPr>
-      </p:pic>
-    </p:spTree>
-    <p:extLst>
-      <p:ext uri="{BB962C8B-B14F-4D97-AF65-F5344CB8AC3E}">
-        <p14:creationId xmlns:p14="http://schemas.microsoft.com/office/powerpoint/2010/main" val="2170771939"/>
-      </p:ext>
-    </p:extLst>
-  </p:cSld>
-  <p:clrMapOvr>
-    <a:masterClrMapping/>
-  </p:clrMapOvr>
-  <p:timing>
-    <p:tnLst>
-      <p:par>
-        <p:cTn id="1" dur="indefinite" restart="never" nodeType="tmRoot"/>
-      </p:par>
-    </p:tnLst>
-  </p:timing>
-</p:sld>
-</file>
-
-<file path=ppt/slides/slide11.xml><?xml version="1.0" encoding="utf-8"?>
-<p:sld xmlns:a="http://schemas.openxmlformats.org/drawingml/2006/main" xmlns:r="http://schemas.openxmlformats.org/officeDocument/2006/relationships" xmlns:p="http://schemas.openxmlformats.org/presentationml/2006/main">
-  <p:cSld>
-    <p:spTree>
-      <p:nvGrpSpPr>
-        <p:cNvPr id="1" name=""/>
-        <p:cNvGrpSpPr/>
-        <p:nvPr/>
-      </p:nvGrpSpPr>
-      <p:grpSpPr>
-        <a:xfrm>
-          <a:off x="0" y="0"/>
-          <a:ext cx="0" cy="0"/>
-          <a:chOff x="0" y="0"/>
-          <a:chExt cx="0" cy="0"/>
-        </a:xfrm>
-      </p:grpSpPr>
-      <p:sp>
-        <p:nvSpPr>
-          <p:cNvPr id="2" name="Title 1"/>
-          <p:cNvSpPr>
-            <a:spLocks noGrp="1"/>
-          </p:cNvSpPr>
-          <p:nvPr>
-            <p:ph type="title"/>
-          </p:nvPr>
-        </p:nvSpPr>
-        <p:spPr/>
-        <p:txBody>
-          <a:bodyPr/>
-          <a:lstStyle/>
-          <a:p>
-            <a:r>
-              <a:rPr lang="en-US" dirty="0" err="1" smtClean="0"/>
-              <a:t>Thuộc</a:t>
-            </a:r>
-            <a:r>
-              <a:rPr lang="en-US" dirty="0" smtClean="0"/>
-              <a:t> </a:t>
-            </a:r>
-            <a:r>
-              <a:rPr lang="en-US" dirty="0" err="1" smtClean="0"/>
-              <a:t>tính-Gía</a:t>
-            </a:r>
-            <a:r>
-              <a:rPr lang="en-US" dirty="0" smtClean="0"/>
-              <a:t> </a:t>
-            </a:r>
-            <a:r>
-              <a:rPr lang="en-US" dirty="0" err="1" smtClean="0"/>
-              <a:t>trị</a:t>
-            </a:r>
-            <a:endParaRPr lang="en-GB" dirty="0"/>
-          </a:p>
-        </p:txBody>
-      </p:sp>
-      <p:sp>
-        <p:nvSpPr>
-          <p:cNvPr id="3" name="Content Placeholder 2"/>
-          <p:cNvSpPr>
-            <a:spLocks noGrp="1"/>
-          </p:cNvSpPr>
-          <p:nvPr>
-            <p:ph idx="1"/>
-          </p:nvPr>
-        </p:nvSpPr>
-        <p:spPr/>
-        <p:txBody>
-          <a:bodyPr/>
-          <a:lstStyle/>
-          <a:p>
-            <a:r>
-              <a:rPr lang="en-US" dirty="0" err="1" smtClean="0"/>
-              <a:t>Là</a:t>
-            </a:r>
-            <a:r>
-              <a:rPr lang="en-US" dirty="0" smtClean="0"/>
-              <a:t> </a:t>
-            </a:r>
-            <a:r>
-              <a:rPr lang="en-US" dirty="0" err="1" smtClean="0"/>
-              <a:t>những</a:t>
-            </a:r>
-            <a:r>
-              <a:rPr lang="en-US" dirty="0" smtClean="0"/>
-              <a:t> </a:t>
-            </a:r>
-            <a:r>
-              <a:rPr lang="en-US" dirty="0" err="1" smtClean="0"/>
-              <a:t>đặc</a:t>
-            </a:r>
-            <a:r>
-              <a:rPr lang="en-US" dirty="0" smtClean="0"/>
-              <a:t> </a:t>
-            </a:r>
-            <a:r>
-              <a:rPr lang="en-US" dirty="0" err="1" smtClean="0"/>
-              <a:t>trưng</a:t>
-            </a:r>
-            <a:r>
-              <a:rPr lang="en-US" dirty="0" smtClean="0"/>
-              <a:t> </a:t>
-            </a:r>
-            <a:r>
-              <a:rPr lang="en-US" dirty="0" err="1" smtClean="0"/>
-              <a:t>của</a:t>
-            </a:r>
-            <a:r>
-              <a:rPr lang="en-US" dirty="0" smtClean="0"/>
-              <a:t> </a:t>
-            </a:r>
-            <a:r>
-              <a:rPr lang="en-US" dirty="0" err="1" smtClean="0"/>
-              <a:t>vùng</a:t>
-            </a:r>
-            <a:r>
-              <a:rPr lang="en-US" dirty="0" smtClean="0"/>
-              <a:t> </a:t>
-            </a:r>
-            <a:r>
-              <a:rPr lang="en-US" dirty="0" err="1" smtClean="0"/>
-              <a:t>chọn</a:t>
-            </a:r>
-            <a:endParaRPr lang="en-US" dirty="0" smtClean="0"/>
-          </a:p>
-          <a:p>
-            <a:pPr lvl="1"/>
-            <a:r>
-              <a:rPr lang="en-US" dirty="0" err="1" smtClean="0"/>
-              <a:t>Màu</a:t>
-            </a:r>
-            <a:r>
-              <a:rPr lang="en-US" dirty="0"/>
-              <a:t> </a:t>
-            </a:r>
-            <a:r>
-              <a:rPr lang="en-US" dirty="0" err="1" smtClean="0"/>
-              <a:t>chữ</a:t>
-            </a:r>
-            <a:r>
-              <a:rPr lang="en-US" dirty="0" smtClean="0"/>
-              <a:t>: color,</a:t>
-            </a:r>
-          </a:p>
-          <a:p>
-            <a:pPr lvl="1"/>
-            <a:r>
-              <a:rPr lang="en-US" dirty="0" err="1" smtClean="0"/>
-              <a:t>Cỡ</a:t>
-            </a:r>
-            <a:r>
-              <a:rPr lang="en-US" dirty="0" smtClean="0"/>
-              <a:t> </a:t>
-            </a:r>
-            <a:r>
-              <a:rPr lang="en-US" dirty="0" err="1" smtClean="0"/>
-              <a:t>chữ</a:t>
-            </a:r>
-            <a:r>
-              <a:rPr lang="en-US" dirty="0" smtClean="0"/>
-              <a:t>: font-size</a:t>
-            </a:r>
-            <a:endParaRPr lang="en-US" dirty="0"/>
-          </a:p>
-          <a:p>
-            <a:pPr lvl="1"/>
-            <a:r>
-              <a:rPr lang="en-US" dirty="0" err="1" smtClean="0"/>
-              <a:t>Màu</a:t>
-            </a:r>
-            <a:r>
-              <a:rPr lang="en-US" dirty="0" smtClean="0"/>
-              <a:t> </a:t>
-            </a:r>
-            <a:r>
-              <a:rPr lang="en-US" dirty="0" err="1" smtClean="0"/>
-              <a:t>nền</a:t>
-            </a:r>
-            <a:r>
-              <a:rPr lang="en-US" dirty="0" smtClean="0"/>
-              <a:t>: background-color</a:t>
-            </a:r>
-          </a:p>
-          <a:p>
-            <a:r>
-              <a:rPr lang="en-US" dirty="0" err="1" smtClean="0"/>
-              <a:t>Gía</a:t>
-            </a:r>
-            <a:r>
-              <a:rPr lang="en-US" dirty="0" smtClean="0"/>
-              <a:t> </a:t>
-            </a:r>
-            <a:r>
-              <a:rPr lang="en-US" dirty="0" err="1" smtClean="0"/>
-              <a:t>trị</a:t>
-            </a:r>
-            <a:endParaRPr lang="en-US" dirty="0" smtClean="0"/>
-          </a:p>
-          <a:p>
-            <a:pPr lvl="1"/>
-            <a:r>
-              <a:rPr lang="en-US" dirty="0" err="1" smtClean="0"/>
-              <a:t>Là</a:t>
-            </a:r>
-            <a:r>
-              <a:rPr lang="en-US" dirty="0" smtClean="0"/>
-              <a:t> </a:t>
-            </a:r>
-            <a:r>
-              <a:rPr lang="en-US" dirty="0" err="1" smtClean="0"/>
-              <a:t>giá</a:t>
-            </a:r>
-            <a:r>
-              <a:rPr lang="en-US" dirty="0" smtClean="0"/>
-              <a:t> </a:t>
-            </a:r>
-            <a:r>
-              <a:rPr lang="en-US" dirty="0" err="1" smtClean="0"/>
-              <a:t>trị</a:t>
-            </a:r>
-            <a:r>
-              <a:rPr lang="en-US" dirty="0" smtClean="0"/>
-              <a:t> </a:t>
-            </a:r>
-            <a:r>
-              <a:rPr lang="en-US" dirty="0" err="1" smtClean="0"/>
-              <a:t>được</a:t>
-            </a:r>
-            <a:r>
-              <a:rPr lang="en-US" dirty="0" smtClean="0"/>
-              <a:t> </a:t>
-            </a:r>
-            <a:r>
-              <a:rPr lang="en-US" dirty="0" err="1" smtClean="0"/>
-              <a:t>gán</a:t>
-            </a:r>
-            <a:r>
-              <a:rPr lang="en-US" dirty="0" smtClean="0"/>
-              <a:t> </a:t>
-            </a:r>
-            <a:r>
-              <a:rPr lang="en-US" dirty="0" err="1" smtClean="0"/>
-              <a:t>cho</a:t>
-            </a:r>
-            <a:r>
-              <a:rPr lang="en-US" dirty="0" smtClean="0"/>
-              <a:t> </a:t>
-            </a:r>
-            <a:r>
-              <a:rPr lang="en-US" dirty="0" err="1" smtClean="0"/>
-              <a:t>thuộc</a:t>
-            </a:r>
-            <a:r>
-              <a:rPr lang="en-US" dirty="0" smtClean="0"/>
-              <a:t> </a:t>
-            </a:r>
-            <a:r>
-              <a:rPr lang="en-US" dirty="0" err="1" smtClean="0"/>
-              <a:t>tính</a:t>
-            </a:r>
-            <a:endParaRPr lang="en-US" dirty="0" smtClean="0"/>
-          </a:p>
-          <a:p>
-            <a:pPr lvl="1"/>
-            <a:r>
-              <a:rPr lang="en-US" dirty="0" err="1" smtClean="0"/>
-              <a:t>Có</a:t>
-            </a:r>
-            <a:r>
-              <a:rPr lang="en-US" dirty="0" smtClean="0"/>
-              <a:t> </a:t>
-            </a:r>
-            <a:r>
-              <a:rPr lang="en-US" dirty="0" err="1" smtClean="0"/>
-              <a:t>một</a:t>
-            </a:r>
-            <a:r>
-              <a:rPr lang="en-US" dirty="0" smtClean="0"/>
-              <a:t> </a:t>
-            </a:r>
-            <a:r>
-              <a:rPr lang="en-US" dirty="0" err="1" smtClean="0"/>
-              <a:t>số</a:t>
-            </a:r>
-            <a:r>
-              <a:rPr lang="en-US" dirty="0" smtClean="0"/>
-              <a:t> </a:t>
-            </a:r>
-            <a:r>
-              <a:rPr lang="en-US" dirty="0" err="1" smtClean="0"/>
-              <a:t>thẻ</a:t>
-            </a:r>
-            <a:r>
-              <a:rPr lang="en-US" dirty="0" smtClean="0"/>
-              <a:t> HTML </a:t>
-            </a:r>
-            <a:r>
-              <a:rPr lang="en-US" dirty="0" err="1" smtClean="0"/>
-              <a:t>có</a:t>
-            </a:r>
-            <a:r>
-              <a:rPr lang="en-US" dirty="0" smtClean="0"/>
-              <a:t> </a:t>
-            </a:r>
-            <a:r>
-              <a:rPr lang="en-US" dirty="0" err="1" smtClean="0"/>
-              <a:t>thuộc</a:t>
-            </a:r>
-            <a:r>
-              <a:rPr lang="en-US" dirty="0" smtClean="0"/>
-              <a:t> </a:t>
-            </a:r>
-            <a:r>
-              <a:rPr lang="en-US" dirty="0" err="1" smtClean="0"/>
-              <a:t>tính</a:t>
-            </a:r>
-            <a:r>
-              <a:rPr lang="en-US" dirty="0" smtClean="0"/>
-              <a:t> </a:t>
-            </a:r>
-            <a:r>
-              <a:rPr lang="en-US" dirty="0" err="1" smtClean="0"/>
-              <a:t>có</a:t>
-            </a:r>
-            <a:r>
-              <a:rPr lang="en-US" dirty="0" smtClean="0"/>
-              <a:t> </a:t>
-            </a:r>
-            <a:r>
-              <a:rPr lang="en-US" dirty="0" err="1" smtClean="0"/>
-              <a:t>giá</a:t>
-            </a:r>
-            <a:r>
-              <a:rPr lang="en-US" dirty="0" smtClean="0"/>
-              <a:t> </a:t>
-            </a:r>
-            <a:r>
-              <a:rPr lang="en-US" dirty="0" err="1" smtClean="0"/>
-              <a:t>trị</a:t>
-            </a:r>
-            <a:r>
-              <a:rPr lang="en-US" dirty="0" smtClean="0"/>
-              <a:t> </a:t>
-            </a:r>
-            <a:r>
-              <a:rPr lang="en-US" dirty="0" err="1" smtClean="0"/>
-              <a:t>có</a:t>
-            </a:r>
-            <a:r>
-              <a:rPr lang="en-US" dirty="0" smtClean="0"/>
-              <a:t> </a:t>
-            </a:r>
-            <a:r>
-              <a:rPr lang="en-US" dirty="0" err="1" smtClean="0"/>
-              <a:t>sẵn</a:t>
-            </a:r>
-            <a:endParaRPr lang="en-GB" dirty="0"/>
-          </a:p>
-        </p:txBody>
-      </p:sp>
-    </p:spTree>
-    <p:extLst>
-      <p:ext uri="{BB962C8B-B14F-4D97-AF65-F5344CB8AC3E}">
-        <p14:creationId xmlns:p14="http://schemas.microsoft.com/office/powerpoint/2010/main" val="851848876"/>
-      </p:ext>
-    </p:extLst>
-  </p:cSld>
-  <p:clrMapOvr>
-    <a:masterClrMapping/>
-  </p:clrMapOvr>
-  <p:timing>
-    <p:tnLst>
-      <p:par>
-        <p:cTn id="1" dur="indefinite" restart="never" nodeType="tmRoot"/>
-      </p:par>
-    </p:tnLst>
-  </p:timing>
-</p:sld>
-</file>
-
-<file path=ppt/slides/slide12.xml><?xml version="1.0" encoding="utf-8"?>
-<p:sld xmlns:a="http://schemas.openxmlformats.org/drawingml/2006/main" xmlns:r="http://schemas.openxmlformats.org/officeDocument/2006/relationships" xmlns:p="http://schemas.openxmlformats.org/presentationml/2006/main">
-  <p:cSld>
-    <p:spTree>
-      <p:nvGrpSpPr>
-        <p:cNvPr id="1" name=""/>
-        <p:cNvGrpSpPr/>
-        <p:nvPr/>
-      </p:nvGrpSpPr>
-      <p:grpSpPr>
-        <a:xfrm>
-          <a:off x="0" y="0"/>
-          <a:ext cx="0" cy="0"/>
-          <a:chOff x="0" y="0"/>
-          <a:chExt cx="0" cy="0"/>
-        </a:xfrm>
-      </p:grpSpPr>
-      <p:sp>
-        <p:nvSpPr>
-          <p:cNvPr id="3" name="Content Placeholder 2"/>
-          <p:cNvSpPr>
-            <a:spLocks noGrp="1"/>
-          </p:cNvSpPr>
-          <p:nvPr>
-            <p:ph idx="1"/>
-          </p:nvPr>
-        </p:nvSpPr>
-        <p:spPr>
-          <a:xfrm>
-            <a:off x="533400" y="2514600"/>
-            <a:ext cx="8229600" cy="1447800"/>
-          </a:xfrm>
-        </p:spPr>
-        <p:txBody>
-          <a:bodyPr/>
-          <a:lstStyle/>
-          <a:p>
-            <a:pPr marL="0" indent="0">
-              <a:buNone/>
-            </a:pPr>
-            <a:r>
-              <a:rPr lang="en-US" dirty="0" err="1" smtClean="0"/>
-              <a:t>Để</a:t>
-            </a:r>
-            <a:r>
-              <a:rPr lang="en-US" dirty="0" smtClean="0"/>
-              <a:t> </a:t>
-            </a:r>
-            <a:r>
-              <a:rPr lang="en-US" dirty="0" err="1" smtClean="0"/>
-              <a:t>viết</a:t>
-            </a:r>
-            <a:r>
-              <a:rPr lang="en-US" dirty="0" smtClean="0"/>
-              <a:t> </a:t>
-            </a:r>
-            <a:r>
-              <a:rPr lang="en-US" dirty="0" err="1" smtClean="0"/>
-              <a:t>mã</a:t>
-            </a:r>
-            <a:r>
-              <a:rPr lang="en-US" dirty="0" smtClean="0"/>
-              <a:t> ta </a:t>
-            </a:r>
-            <a:r>
-              <a:rPr lang="en-US" dirty="0" err="1" smtClean="0"/>
-              <a:t>phải</a:t>
-            </a:r>
-            <a:r>
-              <a:rPr lang="en-US" dirty="0" smtClean="0"/>
-              <a:t> </a:t>
-            </a:r>
-            <a:r>
-              <a:rPr lang="en-US" dirty="0" err="1" smtClean="0"/>
-              <a:t>biết</a:t>
-            </a:r>
-            <a:r>
-              <a:rPr lang="en-US" dirty="0" smtClean="0"/>
-              <a:t> </a:t>
-            </a:r>
-            <a:r>
-              <a:rPr lang="en-US" dirty="0" err="1" smtClean="0"/>
-              <a:t>chọn</a:t>
-            </a:r>
-            <a:r>
-              <a:rPr lang="en-US" dirty="0" smtClean="0"/>
-              <a:t> </a:t>
-            </a:r>
-            <a:r>
-              <a:rPr lang="en-US" dirty="0" err="1" smtClean="0"/>
-              <a:t>và</a:t>
-            </a:r>
-            <a:r>
-              <a:rPr lang="en-US" dirty="0" smtClean="0"/>
-              <a:t> </a:t>
-            </a:r>
-            <a:r>
-              <a:rPr lang="en-US" dirty="0" err="1" smtClean="0"/>
-              <a:t>biết</a:t>
-            </a:r>
-            <a:r>
-              <a:rPr lang="en-US" dirty="0" smtClean="0"/>
-              <a:t> </a:t>
-            </a:r>
-            <a:r>
-              <a:rPr lang="en-US" dirty="0" err="1" smtClean="0"/>
-              <a:t>cách</a:t>
-            </a:r>
-            <a:r>
-              <a:rPr lang="en-US" dirty="0" smtClean="0"/>
-              <a:t> </a:t>
-            </a:r>
-            <a:r>
-              <a:rPr lang="en-US" dirty="0" err="1" smtClean="0"/>
-              <a:t>dùng</a:t>
-            </a:r>
-            <a:r>
-              <a:rPr lang="en-US" dirty="0" smtClean="0"/>
-              <a:t> </a:t>
-            </a:r>
-            <a:r>
-              <a:rPr lang="en-US" dirty="0" err="1" smtClean="0"/>
-              <a:t>thuộc</a:t>
-            </a:r>
-            <a:r>
-              <a:rPr lang="en-US" dirty="0" smtClean="0"/>
-              <a:t> </a:t>
-            </a:r>
-            <a:r>
-              <a:rPr lang="en-US" dirty="0" err="1" smtClean="0"/>
-              <a:t>tính-giá</a:t>
-            </a:r>
-            <a:r>
-              <a:rPr lang="en-US" dirty="0" smtClean="0"/>
-              <a:t> </a:t>
-            </a:r>
-            <a:r>
-              <a:rPr lang="en-US" dirty="0" err="1" smtClean="0"/>
-              <a:t>trị</a:t>
-            </a:r>
-            <a:endParaRPr lang="en-GB" dirty="0"/>
-          </a:p>
-        </p:txBody>
-      </p:sp>
-    </p:spTree>
-    <p:extLst>
-      <p:ext uri="{BB962C8B-B14F-4D97-AF65-F5344CB8AC3E}">
-        <p14:creationId xmlns:p14="http://schemas.microsoft.com/office/powerpoint/2010/main" val="987343559"/>
-      </p:ext>
-    </p:extLst>
-  </p:cSld>
-  <p:clrMapOvr>
-    <a:masterClrMapping/>
-  </p:clrMapOvr>
-  <p:timing>
-    <p:tnLst>
-      <p:par>
-        <p:cTn id="1" dur="indefinite" restart="never" nodeType="tmRoot"/>
-      </p:par>
-    </p:tnLst>
-  </p:timing>
-</p:sld>
-</file>
-
-<file path=ppt/slides/slide13.xml><?xml version="1.0" encoding="utf-8"?>
-<p:sld xmlns:a="http://schemas.openxmlformats.org/drawingml/2006/main" xmlns:r="http://schemas.openxmlformats.org/officeDocument/2006/relationships" xmlns:p="http://schemas.openxmlformats.org/presentationml/2006/main">
-  <p:cSld>
-    <p:spTree>
-      <p:nvGrpSpPr>
-        <p:cNvPr id="1" name=""/>
-        <p:cNvGrpSpPr/>
-        <p:nvPr/>
-      </p:nvGrpSpPr>
-      <p:grpSpPr>
-        <a:xfrm>
-          <a:off x="0" y="0"/>
-          <a:ext cx="0" cy="0"/>
-          <a:chOff x="0" y="0"/>
-          <a:chExt cx="0" cy="0"/>
-        </a:xfrm>
-      </p:grpSpPr>
-      <p:sp>
-        <p:nvSpPr>
-          <p:cNvPr id="5" name="Content Placeholder 4"/>
-          <p:cNvSpPr>
-            <a:spLocks noGrp="1"/>
-          </p:cNvSpPr>
-          <p:nvPr>
-            <p:ph idx="1"/>
-          </p:nvPr>
-        </p:nvSpPr>
-        <p:spPr/>
-        <p:txBody>
-          <a:bodyPr/>
-          <a:lstStyle/>
-          <a:p>
-            <a:r>
-              <a:rPr lang="en-US" dirty="0" smtClean="0"/>
-              <a:t>HTML </a:t>
-            </a:r>
-            <a:r>
-              <a:rPr lang="en-US" dirty="0" err="1" smtClean="0"/>
-              <a:t>là</a:t>
-            </a:r>
-            <a:r>
-              <a:rPr lang="en-US" dirty="0" smtClean="0"/>
-              <a:t> </a:t>
-            </a:r>
-            <a:r>
-              <a:rPr lang="en-US" dirty="0" err="1" smtClean="0"/>
-              <a:t>gì</a:t>
-            </a:r>
-            <a:endParaRPr lang="en-US" dirty="0" smtClean="0"/>
-          </a:p>
-          <a:p>
-            <a:r>
-              <a:rPr lang="en-US" dirty="0" err="1" smtClean="0"/>
-              <a:t>Cách</a:t>
-            </a:r>
-            <a:r>
-              <a:rPr lang="en-US" dirty="0" smtClean="0"/>
-              <a:t> </a:t>
-            </a:r>
-            <a:r>
-              <a:rPr lang="en-US" dirty="0" err="1" smtClean="0"/>
-              <a:t>viết</a:t>
-            </a:r>
-            <a:r>
-              <a:rPr lang="en-US" dirty="0" smtClean="0"/>
-              <a:t> HTML</a:t>
-            </a:r>
-          </a:p>
-          <a:p>
-            <a:r>
-              <a:rPr lang="en-US" dirty="0" smtClean="0"/>
-              <a:t>CSS </a:t>
-            </a:r>
-            <a:r>
-              <a:rPr lang="en-US" dirty="0" err="1" smtClean="0"/>
-              <a:t>là</a:t>
-            </a:r>
-            <a:r>
-              <a:rPr lang="en-US" dirty="0" smtClean="0"/>
-              <a:t> </a:t>
-            </a:r>
-            <a:r>
-              <a:rPr lang="en-US" dirty="0" err="1" smtClean="0"/>
-              <a:t>gì</a:t>
-            </a:r>
-            <a:endParaRPr lang="en-US" dirty="0" smtClean="0"/>
-          </a:p>
-          <a:p>
-            <a:r>
-              <a:rPr lang="en-US" dirty="0" err="1" smtClean="0"/>
-              <a:t>Cách</a:t>
-            </a:r>
-            <a:r>
-              <a:rPr lang="en-US" dirty="0" smtClean="0"/>
-              <a:t> </a:t>
-            </a:r>
-            <a:r>
-              <a:rPr lang="en-US" dirty="0" err="1" smtClean="0"/>
-              <a:t>viết</a:t>
-            </a:r>
-            <a:r>
-              <a:rPr lang="en-US" dirty="0" smtClean="0"/>
-              <a:t> </a:t>
-            </a:r>
-            <a:r>
-              <a:rPr lang="en-US" dirty="0" err="1" smtClean="0"/>
-              <a:t>nhúng</a:t>
-            </a:r>
-            <a:r>
-              <a:rPr lang="en-US" dirty="0" smtClean="0"/>
-              <a:t> CSS </a:t>
-            </a:r>
-            <a:r>
-              <a:rPr lang="en-US" dirty="0" err="1" smtClean="0"/>
-              <a:t>vào</a:t>
-            </a:r>
-            <a:r>
-              <a:rPr lang="en-US" dirty="0" smtClean="0"/>
-              <a:t> </a:t>
-            </a:r>
-            <a:r>
-              <a:rPr lang="en-US" dirty="0" smtClean="0"/>
-              <a:t>HTML</a:t>
-            </a:r>
-          </a:p>
-          <a:p>
-            <a:r>
-              <a:rPr lang="en-US" dirty="0" err="1" smtClean="0"/>
-              <a:t>Cách</a:t>
-            </a:r>
-            <a:r>
-              <a:rPr lang="en-US" dirty="0" smtClean="0"/>
-              <a:t> </a:t>
-            </a:r>
-            <a:r>
-              <a:rPr lang="en-US" dirty="0" err="1" smtClean="0"/>
-              <a:t>chọn</a:t>
-            </a:r>
-            <a:r>
-              <a:rPr lang="en-US" dirty="0" smtClean="0"/>
-              <a:t> </a:t>
-            </a:r>
-            <a:r>
-              <a:rPr lang="en-US" dirty="0" err="1" smtClean="0"/>
-              <a:t>và</a:t>
-            </a:r>
-            <a:r>
-              <a:rPr lang="en-US" dirty="0" smtClean="0"/>
-              <a:t> </a:t>
-            </a:r>
-            <a:r>
-              <a:rPr lang="en-US" dirty="0" err="1" smtClean="0"/>
-              <a:t>tác</a:t>
-            </a:r>
-            <a:r>
-              <a:rPr lang="en-US" dirty="0" smtClean="0"/>
-              <a:t> </a:t>
-            </a:r>
-            <a:r>
-              <a:rPr lang="en-US" dirty="0" err="1" smtClean="0"/>
-              <a:t>động</a:t>
-            </a:r>
-            <a:r>
-              <a:rPr lang="en-US" dirty="0" smtClean="0"/>
-              <a:t> </a:t>
-            </a:r>
-            <a:r>
-              <a:rPr lang="en-US" dirty="0" err="1" smtClean="0"/>
-              <a:t>thuộc</a:t>
-            </a:r>
-            <a:r>
-              <a:rPr lang="en-US" dirty="0" smtClean="0"/>
-              <a:t> </a:t>
-            </a:r>
-            <a:r>
-              <a:rPr lang="en-US" dirty="0" err="1" smtClean="0"/>
-              <a:t>tính</a:t>
-            </a:r>
-            <a:endParaRPr lang="en-US" dirty="0"/>
-          </a:p>
-        </p:txBody>
-      </p:sp>
-      <p:sp>
-        <p:nvSpPr>
-          <p:cNvPr id="6" name="Title 5"/>
-          <p:cNvSpPr>
-            <a:spLocks noGrp="1"/>
-          </p:cNvSpPr>
-          <p:nvPr>
-            <p:ph type="title"/>
-          </p:nvPr>
-        </p:nvSpPr>
-        <p:spPr/>
-        <p:txBody>
-          <a:bodyPr/>
-          <a:lstStyle/>
-          <a:p>
-            <a:r>
-              <a:rPr lang="en-US" dirty="0" err="1" smtClean="0"/>
-              <a:t>Tóm</a:t>
-            </a:r>
-            <a:r>
-              <a:rPr lang="en-US" dirty="0" smtClean="0"/>
-              <a:t> </a:t>
-            </a:r>
-            <a:r>
-              <a:rPr lang="en-US" dirty="0" err="1" smtClean="0"/>
-              <a:t>tắt</a:t>
-            </a:r>
-            <a:r>
-              <a:rPr lang="en-US" dirty="0" smtClean="0"/>
-              <a:t> </a:t>
-            </a:r>
-            <a:r>
-              <a:rPr lang="en-US" dirty="0" err="1" smtClean="0"/>
-              <a:t>nội</a:t>
-            </a:r>
-            <a:r>
-              <a:rPr lang="en-US" dirty="0" smtClean="0"/>
-              <a:t> dung</a:t>
-            </a:r>
-            <a:endParaRPr lang="en-US" dirty="0"/>
-          </a:p>
-        </p:txBody>
-      </p:sp>
-    </p:spTree>
-    <p:extLst>
-      <p:ext uri="{BB962C8B-B14F-4D97-AF65-F5344CB8AC3E}">
-        <p14:creationId xmlns:p14="http://schemas.microsoft.com/office/powerpoint/2010/main" val="190724703"/>
-      </p:ext>
-    </p:extLst>
-  </p:cSld>
-  <p:clrMapOvr>
-    <a:masterClrMapping/>
-  </p:clrMapOvr>
-  <p:timing>
-    <p:tnLst>
-      <p:par>
-        <p:cTn id="1" dur="indefinite" restart="never" nodeType="tmRoot"/>
-      </p:par>
-    </p:tnLst>
-  </p:timing>
-</p:sld>
-</file>
-
-<file path=ppt/slides/slide14.xml><?xml version="1.0" encoding="utf-8"?>
-<p:sld xmlns:a="http://schemas.openxmlformats.org/drawingml/2006/main" xmlns:r="http://schemas.openxmlformats.org/officeDocument/2006/relationships" xmlns:p="http://schemas.openxmlformats.org/presentationml/2006/main">
-  <p:cSld>
-    <p:spTree>
-      <p:nvGrpSpPr>
-        <p:cNvPr id="1" name=""/>
-        <p:cNvGrpSpPr/>
-        <p:nvPr/>
-      </p:nvGrpSpPr>
-      <p:grpSpPr>
-        <a:xfrm>
-          <a:off x="0" y="0"/>
-          <a:ext cx="0" cy="0"/>
-          <a:chOff x="0" y="0"/>
-          <a:chExt cx="0" cy="0"/>
-        </a:xfrm>
-      </p:grpSpPr>
-      <p:sp>
-        <p:nvSpPr>
-          <p:cNvPr id="2" name="Title 1"/>
-          <p:cNvSpPr>
-            <a:spLocks noGrp="1"/>
-          </p:cNvSpPr>
-          <p:nvPr>
-            <p:ph type="title"/>
-          </p:nvPr>
-        </p:nvSpPr>
-        <p:spPr/>
-        <p:txBody>
-          <a:bodyPr/>
-          <a:lstStyle/>
-          <a:p>
-            <a:r>
-              <a:rPr lang="en-US" dirty="0" err="1" smtClean="0"/>
-              <a:t>Ví</a:t>
-            </a:r>
-            <a:r>
-              <a:rPr lang="en-US" dirty="0" smtClean="0"/>
-              <a:t> </a:t>
-            </a:r>
-            <a:r>
-              <a:rPr lang="en-US" dirty="0" err="1" smtClean="0"/>
-              <a:t>dụ</a:t>
-            </a:r>
-            <a:r>
-              <a:rPr lang="en-US" dirty="0" smtClean="0"/>
-              <a:t> </a:t>
-            </a:r>
-            <a:r>
-              <a:rPr lang="en-US" dirty="0" err="1" smtClean="0"/>
-              <a:t>Thực</a:t>
-            </a:r>
-            <a:r>
-              <a:rPr lang="en-US" dirty="0" smtClean="0"/>
-              <a:t> </a:t>
-            </a:r>
-            <a:r>
-              <a:rPr lang="en-US" dirty="0" err="1" smtClean="0"/>
-              <a:t>Hành</a:t>
-            </a:r>
-            <a:endParaRPr lang="en-US" dirty="0"/>
-          </a:p>
-        </p:txBody>
-      </p:sp>
-      <p:sp>
-        <p:nvSpPr>
-          <p:cNvPr id="3" name="Content Placeholder 2"/>
-          <p:cNvSpPr>
-            <a:spLocks noGrp="1"/>
-          </p:cNvSpPr>
-          <p:nvPr>
-            <p:ph idx="1"/>
-          </p:nvPr>
-        </p:nvSpPr>
-        <p:spPr/>
-        <p:txBody>
-          <a:bodyPr/>
-          <a:lstStyle/>
-          <a:p>
-            <a:r>
-              <a:rPr lang="en-US" dirty="0" err="1" smtClean="0"/>
-              <a:t>Định</a:t>
-            </a:r>
-            <a:r>
-              <a:rPr lang="en-US" dirty="0" smtClean="0"/>
-              <a:t> </a:t>
-            </a:r>
-            <a:r>
-              <a:rPr lang="en-US" dirty="0" err="1" smtClean="0"/>
-              <a:t>dạng</a:t>
-            </a:r>
-            <a:r>
-              <a:rPr lang="en-US" dirty="0" smtClean="0"/>
-              <a:t> </a:t>
-            </a:r>
-            <a:r>
-              <a:rPr lang="en-US" dirty="0" err="1" smtClean="0"/>
-              <a:t>văn</a:t>
-            </a:r>
-            <a:r>
-              <a:rPr lang="en-US" dirty="0" smtClean="0"/>
-              <a:t> </a:t>
-            </a:r>
-            <a:r>
-              <a:rPr lang="en-US" dirty="0" err="1" smtClean="0"/>
-              <a:t>bản</a:t>
-            </a:r>
-            <a:r>
-              <a:rPr lang="en-US" dirty="0" smtClean="0"/>
-              <a:t>, video</a:t>
-            </a:r>
-          </a:p>
-          <a:p>
-            <a:pPr lvl="1"/>
-            <a:r>
-              <a:rPr lang="en-US" dirty="0" err="1" smtClean="0"/>
-              <a:t>Sử</a:t>
-            </a:r>
-            <a:r>
-              <a:rPr lang="en-US" dirty="0" smtClean="0"/>
-              <a:t> </a:t>
-            </a:r>
-            <a:r>
-              <a:rPr lang="en-US" dirty="0" err="1" smtClean="0"/>
-              <a:t>dụng</a:t>
-            </a:r>
-            <a:r>
-              <a:rPr lang="en-US" dirty="0" smtClean="0"/>
-              <a:t> </a:t>
-            </a:r>
-            <a:r>
-              <a:rPr lang="en-US" dirty="0" err="1" smtClean="0"/>
-              <a:t>thẻ</a:t>
-            </a:r>
-            <a:r>
-              <a:rPr lang="en-US" dirty="0" smtClean="0"/>
-              <a:t>: H1, p, a, </a:t>
-            </a:r>
-          </a:p>
-          <a:p>
-            <a:pPr lvl="1"/>
-            <a:r>
-              <a:rPr lang="en-US" dirty="0" err="1" smtClean="0"/>
-              <a:t>Chènh</a:t>
-            </a:r>
-            <a:r>
-              <a:rPr lang="en-US" dirty="0" smtClean="0"/>
-              <a:t> video, </a:t>
-            </a:r>
-            <a:r>
-              <a:rPr lang="en-US" dirty="0" err="1" smtClean="0"/>
-              <a:t>hình</a:t>
-            </a:r>
-            <a:r>
-              <a:rPr lang="en-US" dirty="0" smtClean="0"/>
-              <a:t> </a:t>
-            </a:r>
-            <a:r>
-              <a:rPr lang="en-US" dirty="0" err="1" smtClean="0"/>
-              <a:t>ảnh</a:t>
-            </a:r>
-            <a:r>
-              <a:rPr lang="en-US" dirty="0" smtClean="0"/>
-              <a:t>, link</a:t>
-            </a:r>
-          </a:p>
-          <a:p>
-            <a:r>
-              <a:rPr lang="en-US" dirty="0" err="1" smtClean="0"/>
-              <a:t>Định</a:t>
-            </a:r>
-            <a:r>
-              <a:rPr lang="en-US" dirty="0" smtClean="0"/>
-              <a:t> </a:t>
-            </a:r>
-            <a:r>
-              <a:rPr lang="en-US" dirty="0" err="1" smtClean="0"/>
-              <a:t>dạng</a:t>
-            </a:r>
-            <a:r>
-              <a:rPr lang="en-US" dirty="0" smtClean="0"/>
-              <a:t> </a:t>
-            </a:r>
-            <a:r>
-              <a:rPr lang="en-US" dirty="0" err="1" smtClean="0"/>
-              <a:t>văn</a:t>
-            </a:r>
-            <a:r>
-              <a:rPr lang="en-US" dirty="0" smtClean="0"/>
-              <a:t> </a:t>
-            </a:r>
-            <a:r>
-              <a:rPr lang="en-US" dirty="0" err="1" smtClean="0"/>
-              <a:t>bản</a:t>
-            </a:r>
-            <a:r>
-              <a:rPr lang="en-US" dirty="0" smtClean="0"/>
-              <a:t> </a:t>
-            </a:r>
-            <a:r>
-              <a:rPr lang="en-US" dirty="0" err="1" smtClean="0"/>
-              <a:t>theo</a:t>
-            </a:r>
-            <a:r>
-              <a:rPr lang="en-US" dirty="0" smtClean="0"/>
-              <a:t> CSS</a:t>
-            </a:r>
-            <a:endParaRPr lang="en-US" dirty="0"/>
-          </a:p>
-        </p:txBody>
-      </p:sp>
-    </p:spTree>
-    <p:extLst>
-      <p:ext uri="{BB962C8B-B14F-4D97-AF65-F5344CB8AC3E}">
-        <p14:creationId xmlns:p14="http://schemas.microsoft.com/office/powerpoint/2010/main" val="191451590"/>
-      </p:ext>
-    </p:extLst>
-  </p:cSld>
-  <p:clrMapOvr>
-    <a:masterClrMapping/>
-  </p:clrMapOvr>
-  <p:timing>
-    <p:tnLst>
-      <p:par>
-        <p:cTn id="1" dur="indefinite" restart="never" nodeType="tmRoot"/>
-      </p:par>
-    </p:tnLst>
-  </p:timing>
-</p:sld>
-</file>
-
-<file path=ppt/slides/slide15.xml><?xml version="1.0" encoding="utf-8"?>
-<p:sld xmlns:a="http://schemas.openxmlformats.org/drawingml/2006/main" xmlns:r="http://schemas.openxmlformats.org/officeDocument/2006/relationships" xmlns:p="http://schemas.openxmlformats.org/presentationml/2006/main">
-  <p:cSld>
-    <p:spTree>
-      <p:nvGrpSpPr>
-        <p:cNvPr id="1" name=""/>
-        <p:cNvGrpSpPr/>
-        <p:nvPr/>
-      </p:nvGrpSpPr>
-      <p:grpSpPr>
-        <a:xfrm>
-          <a:off x="0" y="0"/>
-          <a:ext cx="0" cy="0"/>
-          <a:chOff x="0" y="0"/>
-          <a:chExt cx="0" cy="0"/>
-        </a:xfrm>
-      </p:grpSpPr>
-      <p:sp>
-        <p:nvSpPr>
-          <p:cNvPr id="2" name="Title 1"/>
-          <p:cNvSpPr>
-            <a:spLocks noGrp="1"/>
-          </p:cNvSpPr>
-          <p:nvPr>
-            <p:ph type="title"/>
-          </p:nvPr>
-        </p:nvSpPr>
-        <p:spPr/>
-        <p:txBody>
-          <a:bodyPr/>
-          <a:lstStyle/>
-          <a:p>
-            <a:r>
-              <a:rPr lang="en-US" dirty="0" smtClean="0"/>
-              <a:t>Thanh you!</a:t>
-            </a:r>
-            <a:endParaRPr lang="en-US" dirty="0"/>
-          </a:p>
-        </p:txBody>
-      </p:sp>
-      <p:pic>
-        <p:nvPicPr>
-          <p:cNvPr id="4" name="Picture 2" descr="Káº¿t quáº£ hÃ¬nh áº£nh cho Q &amp; A"/>
-          <p:cNvPicPr>
-            <a:picLocks noGrp="1" noChangeAspect="1" noChangeArrowheads="1"/>
-          </p:cNvPicPr>
-          <p:nvPr>
-            <p:ph idx="1"/>
-          </p:nvPr>
-        </p:nvPicPr>
-        <p:blipFill>
-          <a:blip r:embed="rId2">
-            <a:extLst>
-              <a:ext uri="{28A0092B-C50C-407E-A947-70E740481C1C}">
-                <a14:useLocalDpi xmlns:a14="http://schemas.microsoft.com/office/drawing/2010/main" val="0"/>
-              </a:ext>
-            </a:extLst>
-          </a:blip>
-          <a:srcRect/>
-          <a:stretch>
-            <a:fillRect/>
-          </a:stretch>
-        </p:blipFill>
-        <p:spPr bwMode="auto">
-          <a:xfrm>
-            <a:off x="1714500" y="2463006"/>
-            <a:ext cx="5715000" cy="2800350"/>
-          </a:xfrm>
-          <a:prstGeom prst="rect">
-            <a:avLst/>
-          </a:prstGeom>
-          <a:noFill/>
-          <a:extLst>
-            <a:ext uri="{909E8E84-426E-40DD-AFC4-6F175D3DCCD1}">
-              <a14:hiddenFill xmlns:a14="http://schemas.microsoft.com/office/drawing/2010/main">
-                <a:solidFill>
-                  <a:srgbClr val="FFFFFF"/>
-                </a:solidFill>
-              </a14:hiddenFill>
-            </a:ext>
-          </a:extLst>
-        </p:spPr>
-      </p:pic>
-    </p:spTree>
-    <p:extLst>
-      <p:ext uri="{BB962C8B-B14F-4D97-AF65-F5344CB8AC3E}">
-        <p14:creationId xmlns:p14="http://schemas.microsoft.com/office/powerpoint/2010/main" val="1817811540"/>
-      </p:ext>
-    </p:extLst>
-  </p:cSld>
-  <p:clrMapOvr>
-    <a:masterClrMapping/>
-  </p:clrMapOvr>
-</p:sld>
-</file>
-
-<file path=ppt/slides/slide2.xml><?xml version="1.0" encoding="utf-8"?>
-<p:sld xmlns:a="http://schemas.openxmlformats.org/drawingml/2006/main" xmlns:r="http://schemas.openxmlformats.org/officeDocument/2006/relationships" xmlns:p="http://schemas.openxmlformats.org/presentationml/2006/main">
-  <p:cSld>
-    <p:spTree>
-      <p:nvGrpSpPr>
-        <p:cNvPr id="1" name=""/>
-        <p:cNvGrpSpPr/>
-        <p:nvPr/>
-      </p:nvGrpSpPr>
-      <p:grpSpPr>
-        <a:xfrm>
-          <a:off x="0" y="0"/>
-          <a:ext cx="0" cy="0"/>
-          <a:chOff x="0" y="0"/>
-          <a:chExt cx="0" cy="0"/>
-        </a:xfrm>
-      </p:grpSpPr>
-      <p:sp>
-        <p:nvSpPr>
-          <p:cNvPr id="2" name="Title 1"/>
-          <p:cNvSpPr>
-            <a:spLocks noGrp="1"/>
-          </p:cNvSpPr>
-          <p:nvPr>
-            <p:ph type="title"/>
-          </p:nvPr>
-        </p:nvSpPr>
-        <p:spPr/>
-        <p:txBody>
-          <a:bodyPr/>
-          <a:lstStyle/>
-          <a:p>
-            <a:r>
-              <a:rPr lang="en-US" dirty="0" smtClean="0"/>
-              <a:t>HTML </a:t>
-            </a:r>
-            <a:r>
-              <a:rPr lang="en-US" dirty="0" err="1" smtClean="0"/>
-              <a:t>là</a:t>
-            </a:r>
-            <a:r>
-              <a:rPr lang="en-US" dirty="0" smtClean="0"/>
-              <a:t> </a:t>
-            </a:r>
-            <a:r>
-              <a:rPr lang="en-US" dirty="0" err="1" smtClean="0"/>
-              <a:t>gì</a:t>
-            </a:r>
-            <a:endParaRPr lang="en-US" dirty="0"/>
-          </a:p>
-        </p:txBody>
-      </p:sp>
-      <p:sp>
-        <p:nvSpPr>
-          <p:cNvPr id="3" name="Content Placeholder 2"/>
-          <p:cNvSpPr>
-            <a:spLocks noGrp="1"/>
-          </p:cNvSpPr>
-          <p:nvPr>
-            <p:ph idx="1"/>
-          </p:nvPr>
-        </p:nvSpPr>
-        <p:spPr/>
-        <p:txBody>
-          <a:bodyPr/>
-          <a:lstStyle/>
-          <a:p>
-            <a:r>
-              <a:rPr lang="en-US" b="1" dirty="0" err="1"/>
-              <a:t>H</a:t>
-            </a:r>
-            <a:r>
-              <a:rPr lang="en-US" dirty="0" err="1"/>
-              <a:t>yper</a:t>
-            </a:r>
-            <a:r>
-              <a:rPr lang="en-US" b="1" dirty="0" err="1"/>
-              <a:t>T</a:t>
-            </a:r>
-            <a:r>
-              <a:rPr lang="en-US" dirty="0" err="1"/>
-              <a:t>ext</a:t>
-            </a:r>
-            <a:r>
-              <a:rPr lang="en-US" dirty="0"/>
-              <a:t> </a:t>
-            </a:r>
-            <a:r>
-              <a:rPr lang="en-US" b="1" dirty="0"/>
-              <a:t>M</a:t>
-            </a:r>
-            <a:r>
-              <a:rPr lang="en-US" dirty="0"/>
-              <a:t>arkup </a:t>
-            </a:r>
-            <a:r>
-              <a:rPr lang="en-US" b="1" dirty="0" smtClean="0"/>
-              <a:t>L</a:t>
-            </a:r>
-            <a:r>
-              <a:rPr lang="en-US" dirty="0" smtClean="0"/>
-              <a:t>anguage </a:t>
-            </a:r>
-            <a:r>
-              <a:rPr lang="en-US" dirty="0" smtClean="0"/>
-              <a:t>– </a:t>
-            </a:r>
-            <a:r>
-              <a:rPr lang="en-US" dirty="0" err="1" smtClean="0"/>
-              <a:t>Ngôn</a:t>
-            </a:r>
-            <a:r>
-              <a:rPr lang="en-US" dirty="0" smtClean="0"/>
-              <a:t> </a:t>
-            </a:r>
-            <a:r>
-              <a:rPr lang="en-US" dirty="0" err="1" smtClean="0"/>
-              <a:t>ngữ</a:t>
-            </a:r>
-            <a:r>
-              <a:rPr lang="en-US" dirty="0" smtClean="0"/>
-              <a:t> </a:t>
-            </a:r>
-            <a:r>
-              <a:rPr lang="en-US" dirty="0" err="1" smtClean="0"/>
-              <a:t>đánh</a:t>
-            </a:r>
-            <a:r>
-              <a:rPr lang="en-US" dirty="0" smtClean="0"/>
-              <a:t> </a:t>
-            </a:r>
-            <a:r>
-              <a:rPr lang="en-US" dirty="0" err="1" smtClean="0"/>
-              <a:t>dấu</a:t>
-            </a:r>
-            <a:r>
-              <a:rPr lang="en-US" dirty="0" smtClean="0"/>
-              <a:t> </a:t>
-            </a:r>
-            <a:r>
-              <a:rPr lang="en-US" dirty="0" err="1" smtClean="0"/>
-              <a:t>siêu</a:t>
-            </a:r>
-            <a:r>
-              <a:rPr lang="en-US" dirty="0" smtClean="0"/>
-              <a:t> </a:t>
-            </a:r>
-            <a:r>
-              <a:rPr lang="en-US" dirty="0" err="1" smtClean="0"/>
-              <a:t>văn</a:t>
-            </a:r>
-            <a:r>
-              <a:rPr lang="en-US" dirty="0" smtClean="0"/>
-              <a:t> </a:t>
-            </a:r>
-            <a:r>
-              <a:rPr lang="en-US" dirty="0" err="1" smtClean="0"/>
-              <a:t>bản</a:t>
-            </a:r>
-            <a:endParaRPr lang="en-US" dirty="0" smtClean="0"/>
-          </a:p>
-          <a:p>
-            <a:r>
-              <a:rPr lang="en-US" dirty="0" err="1" smtClean="0"/>
-              <a:t>Dùng</a:t>
-            </a:r>
-            <a:r>
-              <a:rPr lang="en-US" dirty="0" smtClean="0"/>
-              <a:t> </a:t>
-            </a:r>
-            <a:r>
-              <a:rPr lang="en-US" dirty="0" err="1" smtClean="0"/>
-              <a:t>để</a:t>
-            </a:r>
-            <a:r>
-              <a:rPr lang="en-US" dirty="0" smtClean="0"/>
-              <a:t> </a:t>
-            </a:r>
-            <a:r>
-              <a:rPr lang="en-US" dirty="0" err="1" smtClean="0"/>
-              <a:t>tạo</a:t>
-            </a:r>
-            <a:r>
-              <a:rPr lang="en-US" dirty="0" smtClean="0"/>
-              <a:t> </a:t>
-            </a:r>
-            <a:r>
-              <a:rPr lang="en-US" dirty="0" err="1" smtClean="0"/>
-              <a:t>ra</a:t>
-            </a:r>
-            <a:r>
-              <a:rPr lang="en-US" dirty="0" smtClean="0"/>
-              <a:t> web</a:t>
-            </a:r>
-          </a:p>
-          <a:p>
-            <a:r>
-              <a:rPr lang="vi-VN" dirty="0" smtClean="0"/>
-              <a:t>HTML </a:t>
-            </a:r>
-            <a:r>
-              <a:rPr lang="en-US" dirty="0" err="1" smtClean="0"/>
-              <a:t>tạo</a:t>
-            </a:r>
-            <a:r>
-              <a:rPr lang="en-US" dirty="0" smtClean="0"/>
-              <a:t> </a:t>
-            </a:r>
-            <a:r>
-              <a:rPr lang="en-US" dirty="0" err="1" smtClean="0"/>
-              <a:t>bởi</a:t>
-            </a:r>
-            <a:r>
-              <a:rPr lang="vi-VN" dirty="0"/>
-              <a:t> </a:t>
-            </a:r>
-            <a:r>
-              <a:rPr lang="vi-VN" dirty="0" smtClean="0"/>
-              <a:t>Tim Berners-Lee</a:t>
-            </a:r>
-            <a:endParaRPr lang="en-US" dirty="0" smtClean="0"/>
-          </a:p>
-          <a:p>
-            <a:r>
-              <a:rPr lang="en-US" dirty="0" smtClean="0"/>
-              <a:t>HTML CSS </a:t>
-            </a:r>
-            <a:r>
-              <a:rPr lang="en-US" dirty="0" err="1" smtClean="0"/>
-              <a:t>và</a:t>
-            </a:r>
-            <a:r>
-              <a:rPr lang="en-US" dirty="0" smtClean="0"/>
-              <a:t> JavaScript </a:t>
-            </a:r>
-            <a:r>
-              <a:rPr lang="en-US" dirty="0" err="1" smtClean="0"/>
-              <a:t>là</a:t>
-            </a:r>
-            <a:r>
-              <a:rPr lang="en-US" dirty="0" smtClean="0"/>
-              <a:t> </a:t>
-            </a:r>
-            <a:r>
-              <a:rPr lang="en-US" dirty="0" err="1" smtClean="0"/>
-              <a:t>bộ</a:t>
-            </a:r>
-            <a:r>
-              <a:rPr lang="en-US" dirty="0" smtClean="0"/>
-              <a:t> </a:t>
-            </a:r>
-            <a:r>
-              <a:rPr lang="en-US" dirty="0" err="1" smtClean="0"/>
-              <a:t>ba</a:t>
-            </a:r>
-            <a:r>
-              <a:rPr lang="en-US" dirty="0" smtClean="0"/>
-              <a:t> </a:t>
-            </a:r>
-            <a:r>
-              <a:rPr lang="en-US" dirty="0" err="1" smtClean="0"/>
-              <a:t>nên</a:t>
-            </a:r>
-            <a:r>
-              <a:rPr lang="en-US" dirty="0" smtClean="0"/>
-              <a:t> </a:t>
-            </a:r>
-            <a:r>
-              <a:rPr lang="en-US" dirty="0" err="1" smtClean="0"/>
-              <a:t>tảng</a:t>
-            </a:r>
-            <a:r>
-              <a:rPr lang="en-US" dirty="0" smtClean="0"/>
-              <a:t> </a:t>
-            </a:r>
-            <a:r>
-              <a:rPr lang="en-US" dirty="0" err="1" smtClean="0"/>
-              <a:t>kĩ</a:t>
-            </a:r>
-            <a:r>
-              <a:rPr lang="en-US" dirty="0" smtClean="0"/>
-              <a:t> </a:t>
-            </a:r>
-            <a:r>
-              <a:rPr lang="en-US" dirty="0" err="1" smtClean="0"/>
-              <a:t>thuật</a:t>
-            </a:r>
-            <a:r>
-              <a:rPr lang="en-US" dirty="0" smtClean="0"/>
-              <a:t> </a:t>
-            </a:r>
-            <a:r>
-              <a:rPr lang="en-US" dirty="0" err="1" smtClean="0"/>
-              <a:t>cho</a:t>
-            </a:r>
-            <a:r>
-              <a:rPr lang="en-US" dirty="0" smtClean="0"/>
-              <a:t> WWW</a:t>
-            </a:r>
-          </a:p>
-          <a:p>
-            <a:r>
-              <a:rPr lang="en-US" dirty="0" err="1" smtClean="0"/>
-              <a:t>Phiên</a:t>
-            </a:r>
-            <a:r>
-              <a:rPr lang="en-US" dirty="0" smtClean="0"/>
-              <a:t> </a:t>
-            </a:r>
-            <a:r>
-              <a:rPr lang="en-US" dirty="0" err="1" smtClean="0"/>
-              <a:t>bản</a:t>
-            </a:r>
-            <a:r>
-              <a:rPr lang="en-US" dirty="0" smtClean="0"/>
-              <a:t> </a:t>
-            </a:r>
-            <a:r>
-              <a:rPr lang="en-US" dirty="0" err="1" smtClean="0"/>
-              <a:t>chính</a:t>
-            </a:r>
-            <a:r>
-              <a:rPr lang="en-US" dirty="0" smtClean="0"/>
-              <a:t> </a:t>
-            </a:r>
-            <a:r>
-              <a:rPr lang="en-US" dirty="0" err="1" smtClean="0"/>
-              <a:t>thức</a:t>
-            </a:r>
-            <a:r>
-              <a:rPr lang="en-US" dirty="0" smtClean="0"/>
-              <a:t> </a:t>
-            </a:r>
-            <a:r>
-              <a:rPr lang="en-US" dirty="0" err="1" smtClean="0"/>
-              <a:t>hiện</a:t>
-            </a:r>
-            <a:r>
-              <a:rPr lang="en-US" dirty="0" smtClean="0"/>
-              <a:t> </a:t>
-            </a:r>
-            <a:r>
-              <a:rPr lang="en-US" dirty="0" err="1" smtClean="0"/>
-              <a:t>tại</a:t>
-            </a:r>
-            <a:r>
-              <a:rPr lang="en-US" dirty="0" smtClean="0"/>
-              <a:t> HTML5</a:t>
-            </a:r>
-          </a:p>
-        </p:txBody>
-      </p:sp>
-    </p:spTree>
-    <p:extLst>
-      <p:ext uri="{BB962C8B-B14F-4D97-AF65-F5344CB8AC3E}">
-        <p14:creationId xmlns:p14="http://schemas.microsoft.com/office/powerpoint/2010/main" val="1546713306"/>
-      </p:ext>
-    </p:extLst>
-  </p:cSld>
-  <p:clrMapOvr>
-    <a:masterClrMapping/>
-  </p:clrMapOvr>
-  <p:timing>
-    <p:tnLst>
-      <p:par>
-        <p:cTn id="1" dur="indefinite" restart="never" nodeType="tmRoot"/>
-      </p:par>
-    </p:tnLst>
-  </p:timing>
-</p:sld>
-</file>
-
-<file path=ppt/slides/slide3.xml><?xml version="1.0" encoding="utf-8"?>
-<p:sld xmlns:a="http://schemas.openxmlformats.org/drawingml/2006/main" xmlns:r="http://schemas.openxmlformats.org/officeDocument/2006/relationships" xmlns:p="http://schemas.openxmlformats.org/presentationml/2006/main">
-  <p:cSld>
-    <p:spTree>
-      <p:nvGrpSpPr>
-        <p:cNvPr id="1" name=""/>
-        <p:cNvGrpSpPr/>
-        <p:nvPr/>
-      </p:nvGrpSpPr>
-      <p:grpSpPr>
-        <a:xfrm>
-          <a:off x="0" y="0"/>
-          <a:ext cx="0" cy="0"/>
-          <a:chOff x="0" y="0"/>
-          <a:chExt cx="0" cy="0"/>
-        </a:xfrm>
-      </p:grpSpPr>
-      <p:sp>
-        <p:nvSpPr>
-          <p:cNvPr id="2" name="Title 1"/>
-          <p:cNvSpPr>
-            <a:spLocks noGrp="1"/>
-          </p:cNvSpPr>
-          <p:nvPr>
-            <p:ph type="title"/>
-          </p:nvPr>
-        </p:nvSpPr>
-        <p:spPr/>
-        <p:txBody>
-          <a:bodyPr/>
-          <a:lstStyle/>
-          <a:p>
-            <a:r>
-              <a:rPr lang="en-US" dirty="0" err="1" smtClean="0"/>
-              <a:t>Ví</a:t>
-            </a:r>
-            <a:r>
-              <a:rPr lang="en-US" dirty="0" smtClean="0"/>
-              <a:t> </a:t>
-            </a:r>
-            <a:r>
-              <a:rPr lang="en-US" dirty="0" err="1" smtClean="0"/>
-              <a:t>dụ</a:t>
-            </a:r>
-            <a:r>
-              <a:rPr lang="en-US" dirty="0" smtClean="0"/>
-              <a:t> HTML</a:t>
-            </a:r>
-            <a:endParaRPr lang="en-US" dirty="0"/>
-          </a:p>
-        </p:txBody>
-      </p:sp>
-      <p:pic>
-        <p:nvPicPr>
-          <p:cNvPr id="4" name="Content Placeholder 3"/>
-          <p:cNvPicPr>
-            <a:picLocks noGrp="1"/>
-          </p:cNvPicPr>
-          <p:nvPr>
-            <p:ph idx="1"/>
-          </p:nvPr>
-        </p:nvPicPr>
-        <p:blipFill>
-          <a:blip r:embed="rId2"/>
-          <a:stretch>
-            <a:fillRect/>
-          </a:stretch>
-        </p:blipFill>
-        <p:spPr>
-          <a:xfrm>
-            <a:off x="1981200" y="1447800"/>
-            <a:ext cx="5105400" cy="3505200"/>
-          </a:xfrm>
-          <a:prstGeom prst="rect">
-            <a:avLst/>
-          </a:prstGeom>
-        </p:spPr>
-      </p:pic>
-      <p:sp>
-        <p:nvSpPr>
-          <p:cNvPr id="5" name="TextBox 4"/>
-          <p:cNvSpPr txBox="1"/>
-          <p:nvPr/>
-        </p:nvSpPr>
-        <p:spPr>
-          <a:xfrm>
-            <a:off x="2438400" y="5345668"/>
-            <a:ext cx="3620158" cy="369332"/>
-          </a:xfrm>
-          <a:prstGeom prst="rect">
-            <a:avLst/>
-          </a:prstGeom>
-          <a:noFill/>
-        </p:spPr>
-        <p:txBody>
-          <a:bodyPr wrap="none" rtlCol="0">
-            <a:spAutoFit/>
-          </a:bodyPr>
-          <a:lstStyle/>
-          <a:p>
-            <a:r>
-              <a:rPr lang="en-US" dirty="0" smtClean="0"/>
-              <a:t>File HTML </a:t>
-            </a:r>
-            <a:r>
-              <a:rPr lang="en-US" dirty="0" err="1" smtClean="0"/>
-              <a:t>có</a:t>
-            </a:r>
-            <a:r>
-              <a:rPr lang="en-US" dirty="0" smtClean="0"/>
-              <a:t> </a:t>
-            </a:r>
-            <a:r>
-              <a:rPr lang="en-US" dirty="0" err="1" smtClean="0"/>
-              <a:t>đuôi</a:t>
-            </a:r>
-            <a:r>
-              <a:rPr lang="en-US" dirty="0" smtClean="0"/>
-              <a:t> </a:t>
-            </a:r>
-            <a:r>
-              <a:rPr lang="en-US" dirty="0" err="1" smtClean="0"/>
-              <a:t>là</a:t>
-            </a:r>
-            <a:r>
-              <a:rPr lang="en-US" dirty="0" smtClean="0"/>
-              <a:t> .html </a:t>
-            </a:r>
-            <a:r>
-              <a:rPr lang="en-US" dirty="0" err="1" smtClean="0"/>
-              <a:t>hoặc</a:t>
-            </a:r>
-            <a:r>
-              <a:rPr lang="en-US" dirty="0" smtClean="0"/>
-              <a:t> .</a:t>
-            </a:r>
-            <a:r>
-              <a:rPr lang="en-US" dirty="0" err="1" smtClean="0"/>
-              <a:t>htm</a:t>
-            </a:r>
-            <a:endParaRPr lang="en-US" dirty="0"/>
-          </a:p>
-        </p:txBody>
-      </p:sp>
-    </p:spTree>
-    <p:extLst>
-      <p:ext uri="{BB962C8B-B14F-4D97-AF65-F5344CB8AC3E}">
-        <p14:creationId xmlns:p14="http://schemas.microsoft.com/office/powerpoint/2010/main" val="499884556"/>
-      </p:ext>
-    </p:extLst>
-  </p:cSld>
-  <p:clrMapOvr>
-    <a:masterClrMapping/>
-  </p:clrMapOvr>
-  <p:timing>
-    <p:tnLst>
-      <p:par>
-        <p:cTn id="1" dur="indefinite" restart="never" nodeType="tmRoot"/>
-      </p:par>
-    </p:tnLst>
-  </p:timing>
-</p:sld>
-</file>
-
-<file path=ppt/slides/slide4.xml><?xml version="1.0" encoding="utf-8"?>
-<p:sld xmlns:a="http://schemas.openxmlformats.org/drawingml/2006/main" xmlns:r="http://schemas.openxmlformats.org/officeDocument/2006/relationships" xmlns:p="http://schemas.openxmlformats.org/presentationml/2006/main">
-  <p:cSld>
-    <p:spTree>
-      <p:nvGrpSpPr>
-        <p:cNvPr id="1" name=""/>
-        <p:cNvGrpSpPr/>
-        <p:nvPr/>
-      </p:nvGrpSpPr>
-      <p:grpSpPr>
-        <a:xfrm>
-          <a:off x="0" y="0"/>
-          <a:ext cx="0" cy="0"/>
-          <a:chOff x="0" y="0"/>
-          <a:chExt cx="0" cy="0"/>
-        </a:xfrm>
-      </p:grpSpPr>
-      <p:sp>
-        <p:nvSpPr>
-          <p:cNvPr id="2" name="Title 1"/>
-          <p:cNvSpPr>
-            <a:spLocks noGrp="1"/>
-          </p:cNvSpPr>
-          <p:nvPr>
-            <p:ph type="title"/>
-          </p:nvPr>
-        </p:nvSpPr>
-        <p:spPr/>
-        <p:txBody>
-          <a:bodyPr/>
-          <a:lstStyle/>
-          <a:p>
-            <a:r>
-              <a:rPr lang="en-US" dirty="0" err="1" smtClean="0"/>
-              <a:t>Phần</a:t>
-            </a:r>
-            <a:r>
-              <a:rPr lang="en-US" dirty="0" smtClean="0"/>
-              <a:t> </a:t>
-            </a:r>
-            <a:r>
-              <a:rPr lang="en-US" dirty="0" err="1" smtClean="0"/>
-              <a:t>chính</a:t>
-            </a:r>
-            <a:r>
-              <a:rPr lang="en-US" dirty="0" smtClean="0"/>
-              <a:t> </a:t>
-            </a:r>
-            <a:r>
-              <a:rPr lang="en-US" dirty="0" err="1" smtClean="0"/>
-              <a:t>của</a:t>
-            </a:r>
-            <a:r>
-              <a:rPr lang="en-US" dirty="0" smtClean="0"/>
-              <a:t> </a:t>
-            </a:r>
-            <a:r>
-              <a:rPr lang="en-US" dirty="0" err="1" smtClean="0"/>
-              <a:t>trang</a:t>
-            </a:r>
-            <a:r>
-              <a:rPr lang="en-US" dirty="0" smtClean="0"/>
-              <a:t> HTML</a:t>
-            </a:r>
-            <a:endParaRPr lang="en-US" dirty="0"/>
-          </a:p>
-        </p:txBody>
-      </p:sp>
-      <p:sp>
-        <p:nvSpPr>
-          <p:cNvPr id="3" name="Content Placeholder 2"/>
-          <p:cNvSpPr>
-            <a:spLocks noGrp="1"/>
-          </p:cNvSpPr>
-          <p:nvPr>
-            <p:ph idx="1"/>
-          </p:nvPr>
-        </p:nvSpPr>
-        <p:spPr/>
-        <p:txBody>
-          <a:bodyPr>
-            <a:normAutofit/>
-          </a:bodyPr>
-          <a:lstStyle/>
-          <a:p>
-            <a:r>
-              <a:rPr lang="en-US" dirty="0" err="1" smtClean="0"/>
-              <a:t>Phần</a:t>
-            </a:r>
-            <a:r>
-              <a:rPr lang="en-US" dirty="0" smtClean="0"/>
-              <a:t> &lt;head&gt;&lt;/head&gt;</a:t>
-            </a:r>
-          </a:p>
-          <a:p>
-            <a:pPr lvl="1"/>
-            <a:r>
-              <a:rPr lang="en-US" sz="3200" dirty="0" err="1" smtClean="0"/>
-              <a:t>Chứa</a:t>
-            </a:r>
-            <a:r>
-              <a:rPr lang="en-US" sz="3200" dirty="0" smtClean="0"/>
-              <a:t> </a:t>
-            </a:r>
-            <a:r>
-              <a:rPr lang="en-US" sz="3200" dirty="0" err="1" smtClean="0"/>
-              <a:t>các</a:t>
-            </a:r>
-            <a:r>
-              <a:rPr lang="en-US" sz="3200" dirty="0" smtClean="0"/>
-              <a:t> </a:t>
-            </a:r>
-            <a:r>
-              <a:rPr lang="en-US" sz="3200" dirty="0" err="1" smtClean="0"/>
-              <a:t>mô</a:t>
-            </a:r>
-            <a:r>
-              <a:rPr lang="en-US" sz="3200" dirty="0" smtClean="0"/>
-              <a:t> </a:t>
-            </a:r>
-            <a:r>
-              <a:rPr lang="en-US" sz="3200" dirty="0" err="1" smtClean="0"/>
-              <a:t>tả</a:t>
-            </a:r>
-            <a:r>
-              <a:rPr lang="en-US" sz="3200" dirty="0" smtClean="0"/>
-              <a:t> </a:t>
-            </a:r>
-            <a:r>
-              <a:rPr lang="en-US" sz="3200" dirty="0" err="1" smtClean="0"/>
-              <a:t>cho</a:t>
-            </a:r>
-            <a:r>
-              <a:rPr lang="en-US" sz="3200" dirty="0" smtClean="0"/>
-              <a:t> </a:t>
-            </a:r>
-            <a:r>
-              <a:rPr lang="en-US" sz="3200" dirty="0" err="1" smtClean="0"/>
-              <a:t>trang</a:t>
-            </a:r>
-            <a:endParaRPr lang="en-US" sz="3200" dirty="0" smtClean="0"/>
-          </a:p>
-          <a:p>
-            <a:r>
-              <a:rPr lang="en-US" dirty="0" err="1" smtClean="0"/>
-              <a:t>Phần</a:t>
-            </a:r>
-            <a:r>
-              <a:rPr lang="en-US" dirty="0" smtClean="0"/>
-              <a:t> &lt;body&gt;&lt;/body&gt;</a:t>
-            </a:r>
-          </a:p>
-          <a:p>
-            <a:pPr lvl="1"/>
-            <a:r>
-              <a:rPr lang="en-US" sz="3200" dirty="0" err="1" smtClean="0"/>
-              <a:t>Chứa</a:t>
-            </a:r>
-            <a:r>
-              <a:rPr lang="en-US" sz="3200" dirty="0" smtClean="0"/>
-              <a:t> </a:t>
-            </a:r>
-            <a:r>
-              <a:rPr lang="en-US" sz="3200" dirty="0" err="1" smtClean="0"/>
-              <a:t>nội</a:t>
-            </a:r>
-            <a:r>
-              <a:rPr lang="en-US" sz="3200" dirty="0" smtClean="0"/>
-              <a:t> dung </a:t>
-            </a:r>
-            <a:r>
-              <a:rPr lang="en-US" sz="3200" dirty="0" err="1" smtClean="0"/>
-              <a:t>trang</a:t>
-            </a:r>
-            <a:r>
-              <a:rPr lang="en-US" sz="3200" dirty="0" smtClean="0"/>
-              <a:t> web</a:t>
-            </a:r>
-          </a:p>
-        </p:txBody>
-      </p:sp>
-    </p:spTree>
-    <p:extLst>
-      <p:ext uri="{BB962C8B-B14F-4D97-AF65-F5344CB8AC3E}">
-        <p14:creationId xmlns:p14="http://schemas.microsoft.com/office/powerpoint/2010/main" val="3231930098"/>
-      </p:ext>
-    </p:extLst>
-  </p:cSld>
-  <p:clrMapOvr>
-    <a:masterClrMapping/>
-  </p:clrMapOvr>
-  <p:timing>
-    <p:tnLst>
-      <p:par>
-        <p:cTn id="1" dur="indefinite" restart="never" nodeType="tmRoot"/>
-      </p:par>
-    </p:tnLst>
-  </p:timing>
-</p:sld>
-</file>
-
-<file path=ppt/slides/slide5.xml><?xml version="1.0" encoding="utf-8"?>
-<p:sld xmlns:a="http://schemas.openxmlformats.org/drawingml/2006/main" xmlns:r="http://schemas.openxmlformats.org/officeDocument/2006/relationships" xmlns:p="http://schemas.openxmlformats.org/presentationml/2006/main">
-  <p:cSld>
-    <p:spTree>
-      <p:nvGrpSpPr>
-        <p:cNvPr id="1" name=""/>
-        <p:cNvGrpSpPr/>
-        <p:nvPr/>
-      </p:nvGrpSpPr>
-      <p:grpSpPr>
-        <a:xfrm>
-          <a:off x="0" y="0"/>
-          <a:ext cx="0" cy="0"/>
-          <a:chOff x="0" y="0"/>
-          <a:chExt cx="0" cy="0"/>
-        </a:xfrm>
-      </p:grpSpPr>
-      <p:sp>
-        <p:nvSpPr>
-          <p:cNvPr id="2" name="Title 1"/>
-          <p:cNvSpPr>
-            <a:spLocks noGrp="1"/>
-          </p:cNvSpPr>
-          <p:nvPr>
-            <p:ph type="title"/>
-          </p:nvPr>
-        </p:nvSpPr>
-        <p:spPr/>
-        <p:txBody>
-          <a:bodyPr/>
-          <a:lstStyle/>
-          <a:p>
-            <a:r>
-              <a:rPr lang="en-US" dirty="0" smtClean="0"/>
-              <a:t>Tag HTML</a:t>
-            </a:r>
-            <a:endParaRPr lang="en-US" dirty="0"/>
-          </a:p>
-        </p:txBody>
-      </p:sp>
-      <p:sp>
-        <p:nvSpPr>
-          <p:cNvPr id="3" name="Content Placeholder 2"/>
-          <p:cNvSpPr>
-            <a:spLocks noGrp="1"/>
-          </p:cNvSpPr>
-          <p:nvPr>
-            <p:ph idx="1"/>
-          </p:nvPr>
-        </p:nvSpPr>
-        <p:spPr/>
-        <p:txBody>
-          <a:bodyPr/>
-          <a:lstStyle/>
-          <a:p>
-            <a:r>
-              <a:rPr lang="en-US" dirty="0" err="1"/>
-              <a:t>Có</a:t>
-            </a:r>
-            <a:r>
-              <a:rPr lang="en-US" dirty="0"/>
-              <a:t> </a:t>
-            </a:r>
-            <a:r>
-              <a:rPr lang="en-US" dirty="0" err="1" smtClean="0"/>
-              <a:t>trên</a:t>
-            </a:r>
-            <a:r>
-              <a:rPr lang="en-US" dirty="0" smtClean="0"/>
-              <a:t> 120 </a:t>
-            </a:r>
-            <a:r>
-              <a:rPr lang="en-US" dirty="0" err="1" smtClean="0"/>
-              <a:t>thẻ</a:t>
-            </a:r>
-            <a:r>
-              <a:rPr lang="en-US" dirty="0" smtClean="0"/>
-              <a:t> </a:t>
-            </a:r>
-            <a:r>
-              <a:rPr lang="en-US" dirty="0"/>
-              <a:t>HTML</a:t>
-            </a:r>
-            <a:endParaRPr lang="en-US" dirty="0" smtClean="0"/>
-          </a:p>
-          <a:p>
-            <a:r>
-              <a:rPr lang="en-US" dirty="0" err="1" smtClean="0"/>
-              <a:t>Phân</a:t>
-            </a:r>
-            <a:r>
-              <a:rPr lang="en-US" dirty="0" smtClean="0"/>
-              <a:t> </a:t>
-            </a:r>
-            <a:r>
-              <a:rPr lang="en-US" dirty="0" err="1" smtClean="0"/>
-              <a:t>loại</a:t>
-            </a:r>
-            <a:r>
-              <a:rPr lang="en-US" dirty="0" smtClean="0"/>
-              <a:t> </a:t>
-            </a:r>
-            <a:r>
-              <a:rPr lang="en-US" dirty="0" err="1" smtClean="0"/>
-              <a:t>theo</a:t>
-            </a:r>
-            <a:r>
-              <a:rPr lang="en-US" dirty="0" smtClean="0"/>
-              <a:t> </a:t>
-            </a:r>
-            <a:r>
-              <a:rPr lang="en-US" dirty="0" err="1" smtClean="0"/>
-              <a:t>cấu</a:t>
-            </a:r>
-            <a:r>
-              <a:rPr lang="en-US" dirty="0" smtClean="0"/>
-              <a:t> </a:t>
-            </a:r>
-            <a:r>
-              <a:rPr lang="en-US" dirty="0" err="1" smtClean="0"/>
-              <a:t>trúc</a:t>
-            </a:r>
-            <a:endParaRPr lang="en-US" dirty="0" smtClean="0"/>
-          </a:p>
-          <a:p>
-            <a:pPr lvl="1"/>
-            <a:r>
-              <a:rPr lang="en-US" dirty="0" err="1" smtClean="0"/>
-              <a:t>Thẻ</a:t>
-            </a:r>
-            <a:r>
-              <a:rPr lang="en-US" dirty="0" smtClean="0"/>
-              <a:t> </a:t>
-            </a:r>
-            <a:r>
-              <a:rPr lang="en-US" dirty="0" err="1" smtClean="0"/>
-              <a:t>đóng</a:t>
-            </a:r>
-            <a:r>
-              <a:rPr lang="en-US" dirty="0" smtClean="0"/>
-              <a:t> </a:t>
-            </a:r>
-            <a:r>
-              <a:rPr lang="en-US" dirty="0" err="1" smtClean="0"/>
-              <a:t>mở</a:t>
-            </a:r>
-            <a:r>
-              <a:rPr lang="en-US" dirty="0" smtClean="0"/>
-              <a:t>: &lt;head&gt;&lt;/head&gt;, etc..</a:t>
-            </a:r>
-          </a:p>
-          <a:p>
-            <a:pPr lvl="1"/>
-            <a:r>
-              <a:rPr lang="en-US" dirty="0" err="1" smtClean="0"/>
-              <a:t>Không</a:t>
-            </a:r>
-            <a:r>
-              <a:rPr lang="en-US" dirty="0" smtClean="0"/>
-              <a:t> </a:t>
-            </a:r>
-            <a:r>
-              <a:rPr lang="en-US" dirty="0" err="1" smtClean="0"/>
-              <a:t>có</a:t>
-            </a:r>
-            <a:r>
-              <a:rPr lang="en-US" dirty="0" smtClean="0"/>
-              <a:t> </a:t>
-            </a:r>
-            <a:r>
-              <a:rPr lang="en-US" dirty="0" err="1" smtClean="0"/>
-              <a:t>thẻ</a:t>
-            </a:r>
-            <a:r>
-              <a:rPr lang="en-US" dirty="0" smtClean="0"/>
-              <a:t> </a:t>
-            </a:r>
-            <a:r>
-              <a:rPr lang="en-US" dirty="0" err="1" smtClean="0"/>
-              <a:t>đóng</a:t>
-            </a:r>
-            <a:r>
-              <a:rPr lang="en-US" dirty="0" smtClean="0"/>
-              <a:t>: &lt;</a:t>
-            </a:r>
-            <a:r>
-              <a:rPr lang="en-US" dirty="0" err="1" smtClean="0"/>
-              <a:t>img</a:t>
-            </a:r>
-            <a:r>
-              <a:rPr lang="en-US" dirty="0" smtClean="0"/>
-              <a:t> ../&gt;</a:t>
-            </a:r>
-          </a:p>
-          <a:p>
-            <a:r>
-              <a:rPr lang="en-US" dirty="0" err="1" smtClean="0"/>
-              <a:t>Phân</a:t>
-            </a:r>
-            <a:r>
-              <a:rPr lang="en-US" dirty="0" smtClean="0"/>
-              <a:t> </a:t>
-            </a:r>
-            <a:r>
-              <a:rPr lang="en-US" dirty="0" err="1" smtClean="0"/>
-              <a:t>theo</a:t>
-            </a:r>
-            <a:r>
-              <a:rPr lang="en-US" dirty="0" smtClean="0"/>
-              <a:t> </a:t>
-            </a:r>
-            <a:r>
-              <a:rPr lang="en-US" dirty="0" err="1" smtClean="0"/>
-              <a:t>mục</a:t>
-            </a:r>
-            <a:r>
-              <a:rPr lang="en-US" dirty="0" smtClean="0"/>
-              <a:t> </a:t>
-            </a:r>
-            <a:r>
-              <a:rPr lang="en-US" dirty="0" err="1" smtClean="0"/>
-              <a:t>đích</a:t>
-            </a:r>
-            <a:r>
-              <a:rPr lang="en-US" dirty="0" smtClean="0"/>
-              <a:t> </a:t>
-            </a:r>
-            <a:r>
-              <a:rPr lang="en-US" dirty="0" err="1" smtClean="0"/>
-              <a:t>sử</a:t>
-            </a:r>
-            <a:r>
-              <a:rPr lang="en-US" dirty="0" smtClean="0"/>
-              <a:t> </a:t>
-            </a:r>
-            <a:r>
-              <a:rPr lang="en-US" dirty="0" err="1" smtClean="0"/>
-              <a:t>dụng</a:t>
-            </a:r>
-            <a:endParaRPr lang="en-US" dirty="0" smtClean="0"/>
-          </a:p>
-          <a:p>
-            <a:pPr lvl="1"/>
-            <a:r>
-              <a:rPr lang="en-US" dirty="0" err="1" smtClean="0"/>
-              <a:t>Thẻ</a:t>
-            </a:r>
-            <a:r>
-              <a:rPr lang="en-US" dirty="0" smtClean="0"/>
-              <a:t> link</a:t>
-            </a:r>
-            <a:r>
-              <a:rPr lang="vi-VN" dirty="0" smtClean="0"/>
-              <a:t>: a</a:t>
-            </a:r>
-            <a:endParaRPr lang="en-US" dirty="0" smtClean="0"/>
-          </a:p>
-          <a:p>
-            <a:pPr lvl="1"/>
-            <a:r>
-              <a:rPr lang="en-US" dirty="0" err="1" smtClean="0"/>
-              <a:t>Thẻ</a:t>
-            </a:r>
-            <a:r>
-              <a:rPr lang="en-US" dirty="0" smtClean="0"/>
-              <a:t> </a:t>
-            </a:r>
-            <a:r>
-              <a:rPr lang="en-US" dirty="0" err="1" smtClean="0"/>
-              <a:t>hiển</a:t>
-            </a:r>
-            <a:r>
-              <a:rPr lang="en-US" dirty="0" smtClean="0"/>
-              <a:t> </a:t>
-            </a:r>
-            <a:r>
-              <a:rPr lang="en-US" dirty="0" err="1" smtClean="0"/>
-              <a:t>thị</a:t>
-            </a:r>
-            <a:r>
-              <a:rPr lang="en-US" dirty="0" smtClean="0"/>
-              <a:t> </a:t>
-            </a:r>
-            <a:r>
-              <a:rPr lang="en-US" dirty="0" err="1" smtClean="0"/>
-              <a:t>văn</a:t>
-            </a:r>
-            <a:r>
-              <a:rPr lang="en-US" dirty="0" smtClean="0"/>
-              <a:t> </a:t>
-            </a:r>
-            <a:r>
-              <a:rPr lang="en-US" dirty="0" err="1" smtClean="0"/>
-              <a:t>bản</a:t>
-            </a:r>
-            <a:r>
-              <a:rPr lang="vi-VN" dirty="0" smtClean="0"/>
-              <a:t>: p</a:t>
-            </a:r>
-            <a:endParaRPr lang="en-US" dirty="0" smtClean="0"/>
-          </a:p>
-          <a:p>
-            <a:pPr lvl="1"/>
-            <a:r>
-              <a:rPr lang="en-US" dirty="0" err="1" smtClean="0"/>
-              <a:t>Thẻ</a:t>
-            </a:r>
-            <a:r>
-              <a:rPr lang="en-US" dirty="0" smtClean="0"/>
-              <a:t> </a:t>
-            </a:r>
-            <a:r>
-              <a:rPr lang="en-US" dirty="0" err="1" smtClean="0"/>
-              <a:t>ảnh</a:t>
-            </a:r>
-            <a:r>
-              <a:rPr lang="en-US" dirty="0" smtClean="0"/>
-              <a:t>, video…</a:t>
-            </a:r>
-            <a:r>
-              <a:rPr lang="vi-VN" smtClean="0"/>
-              <a:t>: audio, video, source</a:t>
-            </a:r>
-            <a:endParaRPr lang="en-US" dirty="0" smtClean="0"/>
-          </a:p>
-        </p:txBody>
-      </p:sp>
-    </p:spTree>
-    <p:extLst>
-      <p:ext uri="{BB962C8B-B14F-4D97-AF65-F5344CB8AC3E}">
-        <p14:creationId xmlns:p14="http://schemas.microsoft.com/office/powerpoint/2010/main" val="1593624179"/>
-      </p:ext>
-    </p:extLst>
-  </p:cSld>
-  <p:clrMapOvr>
-    <a:masterClrMapping/>
-  </p:clrMapOvr>
-  <p:timing>
-    <p:tnLst>
-      <p:par>
-        <p:cTn id="1" dur="indefinite" restart="never" nodeType="tmRoot"/>
-      </p:par>
-    </p:tnLst>
-  </p:timing>
-</p:sld>
-</file>
-
-<file path=ppt/slides/slide6.xml><?xml version="1.0" encoding="utf-8"?>
-<p:sld xmlns:a="http://schemas.openxmlformats.org/drawingml/2006/main" xmlns:r="http://schemas.openxmlformats.org/officeDocument/2006/relationships" xmlns:p="http://schemas.openxmlformats.org/presentationml/2006/main">
-  <p:cSld>
-    <p:spTree>
-      <p:nvGrpSpPr>
-        <p:cNvPr id="1" name=""/>
-        <p:cNvGrpSpPr/>
-        <p:nvPr/>
-      </p:nvGrpSpPr>
-      <p:grpSpPr>
-        <a:xfrm>
-          <a:off x="0" y="0"/>
-          <a:ext cx="0" cy="0"/>
-          <a:chOff x="0" y="0"/>
-          <a:chExt cx="0" cy="0"/>
-        </a:xfrm>
-      </p:grpSpPr>
-      <p:sp>
-        <p:nvSpPr>
-          <p:cNvPr id="2" name="Title 1"/>
-          <p:cNvSpPr>
-            <a:spLocks noGrp="1"/>
-          </p:cNvSpPr>
-          <p:nvPr>
-            <p:ph type="title"/>
-          </p:nvPr>
-        </p:nvSpPr>
-        <p:spPr/>
-        <p:txBody>
-          <a:bodyPr>
-            <a:normAutofit/>
-          </a:bodyPr>
-          <a:lstStyle/>
-          <a:p>
-            <a:r>
-              <a:rPr lang="en-US" dirty="0" smtClean="0"/>
-              <a:t>CSS </a:t>
-            </a:r>
-            <a:r>
-              <a:rPr lang="en-US" dirty="0" err="1" smtClean="0"/>
-              <a:t>là</a:t>
-            </a:r>
-            <a:r>
-              <a:rPr lang="en-US" dirty="0" smtClean="0"/>
-              <a:t> </a:t>
-            </a:r>
-            <a:r>
-              <a:rPr lang="en-US" dirty="0" err="1" smtClean="0"/>
-              <a:t>gì</a:t>
-            </a:r>
-            <a:endParaRPr lang="en-US" dirty="0"/>
-          </a:p>
-        </p:txBody>
-      </p:sp>
-      <p:sp>
-        <p:nvSpPr>
-          <p:cNvPr id="3" name="Content Placeholder 2"/>
-          <p:cNvSpPr>
-            <a:spLocks noGrp="1"/>
-          </p:cNvSpPr>
-          <p:nvPr>
-            <p:ph idx="1"/>
-          </p:nvPr>
-        </p:nvSpPr>
-        <p:spPr/>
-        <p:txBody>
-          <a:bodyPr/>
-          <a:lstStyle/>
-          <a:p>
-            <a:r>
-              <a:rPr lang="en-US" b="1" dirty="0"/>
-              <a:t>CSS</a:t>
-            </a:r>
-            <a:r>
-              <a:rPr lang="en-US" dirty="0"/>
-              <a:t> </a:t>
-            </a:r>
-            <a:r>
-              <a:rPr lang="en-US" dirty="0" err="1"/>
-              <a:t>là</a:t>
-            </a:r>
-            <a:r>
-              <a:rPr lang="en-US" dirty="0"/>
-              <a:t> </a:t>
-            </a:r>
-            <a:r>
-              <a:rPr lang="en-US" dirty="0" err="1"/>
-              <a:t>chữ</a:t>
-            </a:r>
-            <a:r>
-              <a:rPr lang="en-US" dirty="0"/>
-              <a:t> </a:t>
-            </a:r>
-            <a:r>
-              <a:rPr lang="en-US" dirty="0" err="1"/>
-              <a:t>viết</a:t>
-            </a:r>
-            <a:r>
-              <a:rPr lang="en-US" dirty="0"/>
-              <a:t> </a:t>
-            </a:r>
-            <a:r>
-              <a:rPr lang="en-US" dirty="0" err="1"/>
-              <a:t>tắt</a:t>
-            </a:r>
-            <a:r>
-              <a:rPr lang="en-US" dirty="0"/>
-              <a:t> </a:t>
-            </a:r>
-            <a:r>
-              <a:rPr lang="en-US" dirty="0" err="1"/>
-              <a:t>của</a:t>
-            </a:r>
-            <a:r>
-              <a:rPr lang="en-US" dirty="0"/>
-              <a:t> Cascading Style </a:t>
-            </a:r>
-            <a:r>
-              <a:rPr lang="en-US" dirty="0" smtClean="0"/>
-              <a:t>Sheets</a:t>
-            </a:r>
-          </a:p>
-          <a:p>
-            <a:r>
-              <a:rPr lang="en-US" b="1" dirty="0"/>
-              <a:t>T</a:t>
-            </a:r>
-            <a:r>
-              <a:rPr lang="vi-VN" b="1" dirty="0" smtClean="0"/>
-              <a:t>ìm </a:t>
-            </a:r>
-            <a:r>
-              <a:rPr lang="vi-VN" b="1" dirty="0"/>
-              <a:t>và định dạng</a:t>
-            </a:r>
-            <a:r>
-              <a:rPr lang="vi-VN" dirty="0"/>
-              <a:t> lại các phần tử được tạo ra bởi các ngôn ngữ đánh dấu </a:t>
-            </a:r>
-            <a:r>
-              <a:rPr lang="vi-VN" dirty="0" smtClean="0"/>
-              <a:t>(</a:t>
-            </a:r>
-            <a:r>
-              <a:rPr lang="en-US" dirty="0" smtClean="0"/>
-              <a:t>HTML, XHTML</a:t>
-            </a:r>
-            <a:r>
-              <a:rPr lang="vi-VN" dirty="0" smtClean="0"/>
-              <a:t>)</a:t>
-            </a:r>
-            <a:r>
-              <a:rPr lang="en-US" dirty="0" smtClean="0"/>
-              <a:t>.</a:t>
-            </a:r>
-          </a:p>
-          <a:p>
-            <a:r>
-              <a:rPr lang="en-US" dirty="0" err="1" smtClean="0"/>
-              <a:t>Làm</a:t>
-            </a:r>
-            <a:r>
-              <a:rPr lang="en-US" dirty="0" smtClean="0"/>
-              <a:t> </a:t>
-            </a:r>
-            <a:r>
-              <a:rPr lang="en-US" dirty="0" err="1" smtClean="0"/>
-              <a:t>cho</a:t>
-            </a:r>
-            <a:r>
-              <a:rPr lang="en-US" dirty="0" smtClean="0"/>
-              <a:t> </a:t>
-            </a:r>
-            <a:r>
-              <a:rPr lang="en-US" dirty="0" err="1" smtClean="0"/>
-              <a:t>trang</a:t>
-            </a:r>
-            <a:r>
-              <a:rPr lang="en-US" dirty="0" smtClean="0"/>
-              <a:t> web </a:t>
-            </a:r>
-            <a:r>
-              <a:rPr lang="en-US" dirty="0" err="1" smtClean="0"/>
-              <a:t>đẹp</a:t>
-            </a:r>
-            <a:r>
-              <a:rPr lang="en-US" dirty="0" smtClean="0"/>
-              <a:t> </a:t>
-            </a:r>
-            <a:r>
-              <a:rPr lang="en-US" dirty="0" err="1" smtClean="0"/>
-              <a:t>hơn</a:t>
-            </a:r>
-            <a:endParaRPr lang="en-US" dirty="0"/>
-          </a:p>
-        </p:txBody>
-      </p:sp>
-    </p:spTree>
-    <p:extLst>
-      <p:ext uri="{BB962C8B-B14F-4D97-AF65-F5344CB8AC3E}">
-        <p14:creationId xmlns:p14="http://schemas.microsoft.com/office/powerpoint/2010/main" val="2465128142"/>
-      </p:ext>
-    </p:extLst>
-  </p:cSld>
-  <p:clrMapOvr>
-    <a:masterClrMapping/>
-  </p:clrMapOvr>
-  <p:timing>
-    <p:tnLst>
-      <p:par>
-        <p:cTn id="1" dur="indefinite" restart="never" nodeType="tmRoot"/>
-      </p:par>
-    </p:tnLst>
-  </p:timing>
-</p:sld>
-</file>
-
-<file path=ppt/slides/slide7.xml><?xml version="1.0" encoding="utf-8"?>
-<p:sld xmlns:a="http://schemas.openxmlformats.org/drawingml/2006/main" xmlns:r="http://schemas.openxmlformats.org/officeDocument/2006/relationships" xmlns:p="http://schemas.openxmlformats.org/presentationml/2006/main">
-  <p:cSld>
-    <p:spTree>
-      <p:nvGrpSpPr>
-        <p:cNvPr id="1" name=""/>
-        <p:cNvGrpSpPr/>
-        <p:nvPr/>
-      </p:nvGrpSpPr>
-      <p:grpSpPr>
-        <a:xfrm>
-          <a:off x="0" y="0"/>
-          <a:ext cx="0" cy="0"/>
-          <a:chOff x="0" y="0"/>
-          <a:chExt cx="0" cy="0"/>
-        </a:xfrm>
-      </p:grpSpPr>
-      <p:sp>
-        <p:nvSpPr>
-          <p:cNvPr id="2" name="Title 1"/>
-          <p:cNvSpPr>
-            <a:spLocks noGrp="1"/>
-          </p:cNvSpPr>
-          <p:nvPr>
-            <p:ph type="title"/>
-          </p:nvPr>
-        </p:nvSpPr>
-        <p:spPr/>
-        <p:txBody>
-          <a:bodyPr/>
-          <a:lstStyle/>
-          <a:p>
-            <a:r>
-              <a:rPr lang="en-US" dirty="0" err="1" smtClean="0"/>
-              <a:t>Nhúng</a:t>
-            </a:r>
-            <a:r>
-              <a:rPr lang="en-US" dirty="0" smtClean="0"/>
-              <a:t> CSS </a:t>
-            </a:r>
-            <a:r>
-              <a:rPr lang="en-US" dirty="0" err="1" smtClean="0"/>
-              <a:t>vào</a:t>
-            </a:r>
-            <a:r>
-              <a:rPr lang="en-US" dirty="0" smtClean="0"/>
-              <a:t> HTML</a:t>
-            </a:r>
-            <a:endParaRPr lang="en-US" dirty="0"/>
-          </a:p>
-        </p:txBody>
-      </p:sp>
-      <p:sp>
-        <p:nvSpPr>
-          <p:cNvPr id="3" name="Content Placeholder 2"/>
-          <p:cNvSpPr>
-            <a:spLocks noGrp="1"/>
-          </p:cNvSpPr>
-          <p:nvPr>
-            <p:ph idx="1"/>
-          </p:nvPr>
-        </p:nvSpPr>
-        <p:spPr/>
-        <p:txBody>
-          <a:bodyPr>
-            <a:normAutofit lnSpcReduction="10000"/>
-          </a:bodyPr>
-          <a:lstStyle/>
-          <a:p>
-            <a:r>
-              <a:rPr lang="en-US" dirty="0" err="1" smtClean="0"/>
-              <a:t>Bằng</a:t>
-            </a:r>
-            <a:r>
-              <a:rPr lang="en-US" dirty="0" smtClean="0"/>
-              <a:t> </a:t>
-            </a:r>
-            <a:r>
-              <a:rPr lang="en-US" dirty="0" err="1" smtClean="0"/>
-              <a:t>thuộc</a:t>
-            </a:r>
-            <a:r>
-              <a:rPr lang="en-US" dirty="0" smtClean="0"/>
-              <a:t> </a:t>
-            </a:r>
-            <a:r>
-              <a:rPr lang="en-US" dirty="0" err="1" smtClean="0"/>
-              <a:t>tính</a:t>
-            </a:r>
-            <a:r>
-              <a:rPr lang="en-US" dirty="0" smtClean="0"/>
-              <a:t> “style” </a:t>
-            </a:r>
-            <a:r>
-              <a:rPr lang="en-US" dirty="0" err="1" smtClean="0"/>
-              <a:t>của</a:t>
-            </a:r>
-            <a:r>
-              <a:rPr lang="en-US" dirty="0" smtClean="0"/>
-              <a:t> </a:t>
-            </a:r>
-            <a:r>
-              <a:rPr lang="en-US" dirty="0" err="1" smtClean="0"/>
-              <a:t>thẻ</a:t>
-            </a:r>
-            <a:endParaRPr lang="en-US" dirty="0" smtClean="0"/>
-          </a:p>
-          <a:p>
-            <a:pPr marL="457200" lvl="1" indent="0">
-              <a:buNone/>
-            </a:pPr>
-            <a:r>
-              <a:rPr lang="en-US" dirty="0" smtClean="0">
-                <a:solidFill>
-                  <a:srgbClr val="FF0000"/>
-                </a:solidFill>
-              </a:rPr>
-              <a:t>	&lt;</a:t>
-            </a:r>
-            <a:r>
-              <a:rPr lang="en-US" dirty="0">
-                <a:solidFill>
-                  <a:srgbClr val="FF0000"/>
-                </a:solidFill>
-              </a:rPr>
-              <a:t>p style="color: red;"&gt;</a:t>
-            </a:r>
-            <a:endParaRPr lang="en-US" dirty="0" smtClean="0">
-              <a:solidFill>
-                <a:srgbClr val="FF0000"/>
-              </a:solidFill>
-            </a:endParaRPr>
-          </a:p>
-          <a:p>
-            <a:r>
-              <a:rPr lang="en-US" dirty="0" err="1" smtClean="0"/>
-              <a:t>Nhúng</a:t>
-            </a:r>
-            <a:r>
-              <a:rPr lang="en-US" dirty="0" smtClean="0"/>
-              <a:t> </a:t>
-            </a:r>
-            <a:r>
-              <a:rPr lang="en-US" dirty="0" err="1" smtClean="0"/>
-              <a:t>bằng</a:t>
-            </a:r>
-            <a:r>
-              <a:rPr lang="en-US" dirty="0" smtClean="0"/>
-              <a:t> </a:t>
-            </a:r>
-            <a:r>
-              <a:rPr lang="en-US" dirty="0" err="1" smtClean="0"/>
-              <a:t>thẻ</a:t>
-            </a:r>
-            <a:r>
-              <a:rPr lang="en-US" dirty="0" smtClean="0"/>
-              <a:t> &lt;style &gt;&lt;/style&gt;</a:t>
-            </a:r>
-          </a:p>
-          <a:p>
-            <a:pPr marL="457200" lvl="1" indent="0">
-              <a:buNone/>
-            </a:pPr>
-            <a:r>
-              <a:rPr lang="en-US" dirty="0" smtClean="0">
-                <a:solidFill>
-                  <a:srgbClr val="FF0000"/>
-                </a:solidFill>
-              </a:rPr>
-              <a:t>	&lt;style&gt; </a:t>
-            </a:r>
-          </a:p>
-          <a:p>
-            <a:pPr marL="457200" lvl="1" indent="0">
-              <a:buNone/>
-            </a:pPr>
-            <a:r>
-              <a:rPr lang="en-US" dirty="0">
-                <a:solidFill>
-                  <a:srgbClr val="FF0000"/>
-                </a:solidFill>
-              </a:rPr>
-              <a:t>	</a:t>
-            </a:r>
-            <a:r>
-              <a:rPr lang="en-US" dirty="0" smtClean="0">
-                <a:solidFill>
-                  <a:srgbClr val="FF0000"/>
-                </a:solidFill>
-              </a:rPr>
-              <a:t>	p{</a:t>
-            </a:r>
-          </a:p>
-          <a:p>
-            <a:pPr marL="457200" lvl="1" indent="0">
-              <a:buNone/>
-            </a:pPr>
-            <a:r>
-              <a:rPr lang="en-US" dirty="0">
-                <a:solidFill>
-                  <a:srgbClr val="FF0000"/>
-                </a:solidFill>
-              </a:rPr>
-              <a:t>	</a:t>
-            </a:r>
-            <a:r>
-              <a:rPr lang="en-US" dirty="0" smtClean="0">
-                <a:solidFill>
-                  <a:srgbClr val="FF0000"/>
-                </a:solidFill>
-              </a:rPr>
-              <a:t>		color</a:t>
-            </a:r>
-            <a:r>
-              <a:rPr lang="en-US" dirty="0">
-                <a:solidFill>
-                  <a:srgbClr val="FF0000"/>
-                </a:solidFill>
-              </a:rPr>
-              <a:t>: red;</a:t>
-            </a:r>
-            <a:endParaRPr lang="en-US" dirty="0" smtClean="0">
-              <a:solidFill>
-                <a:srgbClr val="FF0000"/>
-              </a:solidFill>
-            </a:endParaRPr>
-          </a:p>
-          <a:p>
-            <a:pPr marL="457200" lvl="1" indent="0">
-              <a:buNone/>
-            </a:pPr>
-            <a:r>
-              <a:rPr lang="en-US" dirty="0">
-                <a:solidFill>
-                  <a:srgbClr val="FF0000"/>
-                </a:solidFill>
-              </a:rPr>
-              <a:t>	</a:t>
-            </a:r>
-            <a:r>
-              <a:rPr lang="en-US" dirty="0" smtClean="0">
-                <a:solidFill>
-                  <a:srgbClr val="FF0000"/>
-                </a:solidFill>
-              </a:rPr>
-              <a:t>	}</a:t>
-            </a:r>
-          </a:p>
-          <a:p>
-            <a:pPr marL="457200" lvl="1" indent="0">
-              <a:buNone/>
-            </a:pPr>
-            <a:r>
-              <a:rPr lang="en-US" dirty="0">
-                <a:solidFill>
-                  <a:srgbClr val="FF0000"/>
-                </a:solidFill>
-              </a:rPr>
-              <a:t>	</a:t>
-            </a:r>
-            <a:r>
-              <a:rPr lang="en-US" dirty="0" smtClean="0">
-                <a:solidFill>
-                  <a:srgbClr val="FF0000"/>
-                </a:solidFill>
-              </a:rPr>
-              <a:t>&lt;/style&gt;</a:t>
-            </a:r>
-          </a:p>
-          <a:p>
-            <a:r>
-              <a:rPr lang="en-US" dirty="0" err="1" smtClean="0"/>
-              <a:t>Nhúng</a:t>
-            </a:r>
-            <a:r>
-              <a:rPr lang="en-US" dirty="0" smtClean="0"/>
-              <a:t> </a:t>
-            </a:r>
-            <a:r>
-              <a:rPr lang="en-US" dirty="0" err="1" smtClean="0"/>
-              <a:t>bằng</a:t>
-            </a:r>
-            <a:r>
-              <a:rPr lang="en-US" dirty="0" smtClean="0"/>
-              <a:t> </a:t>
-            </a:r>
-            <a:r>
-              <a:rPr lang="en-US" dirty="0" err="1" smtClean="0"/>
-              <a:t>thẻ</a:t>
-            </a:r>
-            <a:r>
-              <a:rPr lang="en-US" dirty="0" smtClean="0"/>
-              <a:t> &lt;link&gt; </a:t>
-            </a:r>
-            <a:r>
-              <a:rPr lang="en-US" dirty="0" err="1" smtClean="0"/>
-              <a:t>trong</a:t>
-            </a:r>
-            <a:r>
-              <a:rPr lang="en-US" dirty="0" smtClean="0"/>
-              <a:t> &lt;head&gt;</a:t>
-            </a:r>
-          </a:p>
-          <a:p>
-            <a:endParaRPr lang="en-US" dirty="0"/>
-          </a:p>
-        </p:txBody>
-      </p:sp>
-    </p:spTree>
-    <p:extLst>
-      <p:ext uri="{BB962C8B-B14F-4D97-AF65-F5344CB8AC3E}">
-        <p14:creationId xmlns:p14="http://schemas.microsoft.com/office/powerpoint/2010/main" val="41873056"/>
-      </p:ext>
-    </p:extLst>
-  </p:cSld>
-  <p:clrMapOvr>
-    <a:masterClrMapping/>
-  </p:clrMapOvr>
-  <p:timing>
-    <p:tnLst>
-      <p:par>
-        <p:cTn id="1" dur="indefinite" restart="never" nodeType="tmRoot"/>
-      </p:par>
-    </p:tnLst>
-  </p:timing>
-</p:sld>
-</file>
-
-<file path=ppt/slides/slide8.xml><?xml version="1.0" encoding="utf-8"?>
-<p:sld xmlns:a="http://schemas.openxmlformats.org/drawingml/2006/main" xmlns:r="http://schemas.openxmlformats.org/officeDocument/2006/relationships" xmlns:p="http://schemas.openxmlformats.org/presentationml/2006/main">
-  <p:cSld>
-    <p:spTree>
-      <p:nvGrpSpPr>
-        <p:cNvPr id="1" name=""/>
-        <p:cNvGrpSpPr/>
-        <p:nvPr/>
-      </p:nvGrpSpPr>
-      <p:grpSpPr>
-        <a:xfrm>
-          <a:off x="0" y="0"/>
-          <a:ext cx="0" cy="0"/>
-          <a:chOff x="0" y="0"/>
-          <a:chExt cx="0" cy="0"/>
-        </a:xfrm>
-      </p:grpSpPr>
-      <p:sp>
-        <p:nvSpPr>
-          <p:cNvPr id="2" name="Title 1"/>
-          <p:cNvSpPr>
-            <a:spLocks noGrp="1"/>
-          </p:cNvSpPr>
-          <p:nvPr>
-            <p:ph type="title"/>
-          </p:nvPr>
-        </p:nvSpPr>
-        <p:spPr/>
-        <p:txBody>
-          <a:bodyPr/>
-          <a:lstStyle/>
-          <a:p>
-            <a:r>
-              <a:rPr lang="en-US" dirty="0" err="1" smtClean="0"/>
-              <a:t>Cách</a:t>
-            </a:r>
-            <a:r>
-              <a:rPr lang="en-US" dirty="0" smtClean="0"/>
-              <a:t> </a:t>
-            </a:r>
-            <a:r>
-              <a:rPr lang="en-US" dirty="0" err="1" smtClean="0"/>
-              <a:t>viết</a:t>
-            </a:r>
-            <a:r>
-              <a:rPr lang="en-US" dirty="0" smtClean="0"/>
-              <a:t> CSS</a:t>
-            </a:r>
-            <a:endParaRPr lang="en-US" dirty="0"/>
-          </a:p>
-        </p:txBody>
-      </p:sp>
-      <p:sp>
-        <p:nvSpPr>
-          <p:cNvPr id="3" name="Content Placeholder 2"/>
-          <p:cNvSpPr>
-            <a:spLocks noGrp="1"/>
-          </p:cNvSpPr>
-          <p:nvPr>
-            <p:ph idx="1"/>
-          </p:nvPr>
-        </p:nvSpPr>
-        <p:spPr/>
-        <p:txBody>
-          <a:bodyPr>
-            <a:normAutofit/>
-          </a:bodyPr>
-          <a:lstStyle/>
-          <a:p>
-            <a:r>
-              <a:rPr lang="en-US" dirty="0" err="1" smtClean="0"/>
-              <a:t>Cách</a:t>
-            </a:r>
-            <a:r>
-              <a:rPr lang="en-US" dirty="0" smtClean="0"/>
-              <a:t> </a:t>
-            </a:r>
-            <a:r>
-              <a:rPr lang="en-US" dirty="0" err="1" smtClean="0"/>
-              <a:t>viết</a:t>
-            </a:r>
-            <a:endParaRPr lang="en-US" dirty="0" smtClean="0"/>
-          </a:p>
-          <a:p>
-            <a:pPr marL="400050" lvl="1" indent="0">
-              <a:buNone/>
-            </a:pPr>
-            <a:r>
-              <a:rPr lang="en-US" dirty="0" err="1" smtClean="0"/>
-              <a:t>Vùng</a:t>
-            </a:r>
-            <a:r>
-              <a:rPr lang="en-US" dirty="0" smtClean="0"/>
-              <a:t> </a:t>
-            </a:r>
-            <a:r>
-              <a:rPr lang="en-US" dirty="0" err="1" smtClean="0"/>
-              <a:t>chọn</a:t>
-            </a:r>
-            <a:r>
-              <a:rPr lang="en-US" dirty="0" smtClean="0"/>
-              <a:t>{</a:t>
-            </a:r>
-          </a:p>
-          <a:p>
-            <a:pPr marL="857250" lvl="2" indent="0">
-              <a:buNone/>
-            </a:pPr>
-            <a:r>
-              <a:rPr lang="en-US" dirty="0" err="1" smtClean="0"/>
-              <a:t>Thuộc</a:t>
-            </a:r>
-            <a:r>
-              <a:rPr lang="en-US" dirty="0" smtClean="0"/>
-              <a:t> </a:t>
-            </a:r>
-            <a:r>
-              <a:rPr lang="en-US" dirty="0" err="1" smtClean="0"/>
-              <a:t>tính</a:t>
-            </a:r>
-            <a:r>
-              <a:rPr lang="en-US" dirty="0" smtClean="0"/>
-              <a:t>: </a:t>
-            </a:r>
-            <a:r>
-              <a:rPr lang="en-US" dirty="0" err="1" smtClean="0"/>
-              <a:t>giá</a:t>
-            </a:r>
-            <a:r>
-              <a:rPr lang="en-US" dirty="0" smtClean="0"/>
-              <a:t> </a:t>
-            </a:r>
-            <a:r>
-              <a:rPr lang="en-US" dirty="0" err="1" smtClean="0"/>
-              <a:t>trị</a:t>
-            </a:r>
-            <a:r>
-              <a:rPr lang="en-US" dirty="0"/>
-              <a:t>;</a:t>
-            </a:r>
-            <a:endParaRPr lang="en-US" dirty="0" smtClean="0"/>
-          </a:p>
-          <a:p>
-            <a:pPr marL="857250" lvl="2" indent="0">
-              <a:buNone/>
-            </a:pPr>
-            <a:r>
-              <a:rPr lang="en-US" dirty="0" err="1" smtClean="0"/>
-              <a:t>Thuộc</a:t>
-            </a:r>
-            <a:r>
-              <a:rPr lang="en-US" dirty="0" smtClean="0"/>
-              <a:t> </a:t>
-            </a:r>
-            <a:r>
-              <a:rPr lang="en-US" dirty="0" err="1" smtClean="0"/>
-              <a:t>tính</a:t>
-            </a:r>
-            <a:r>
-              <a:rPr lang="en-US" dirty="0" smtClean="0"/>
-              <a:t>: </a:t>
-            </a:r>
-            <a:r>
-              <a:rPr lang="en-US" dirty="0" err="1" smtClean="0"/>
-              <a:t>giá</a:t>
-            </a:r>
-            <a:r>
-              <a:rPr lang="en-US" dirty="0" smtClean="0"/>
-              <a:t> </a:t>
-            </a:r>
-            <a:r>
-              <a:rPr lang="en-US" dirty="0" err="1" smtClean="0"/>
-              <a:t>trị</a:t>
-            </a:r>
-            <a:r>
-              <a:rPr lang="en-US" dirty="0" smtClean="0"/>
-              <a:t>;</a:t>
-            </a:r>
-            <a:endParaRPr lang="en-US" dirty="0"/>
-          </a:p>
-          <a:p>
-            <a:pPr marL="400050" lvl="1" indent="0">
-              <a:buNone/>
-            </a:pPr>
-            <a:r>
-              <a:rPr lang="en-US" dirty="0" smtClean="0"/>
-              <a:t>}</a:t>
-            </a:r>
-          </a:p>
-          <a:p>
-            <a:r>
-              <a:rPr lang="en-US" dirty="0" err="1" smtClean="0"/>
-              <a:t>Vùng</a:t>
-            </a:r>
-            <a:r>
-              <a:rPr lang="en-US" dirty="0" smtClean="0"/>
-              <a:t> </a:t>
-            </a:r>
-            <a:r>
-              <a:rPr lang="en-US" dirty="0" err="1" smtClean="0"/>
-              <a:t>chọn</a:t>
-            </a:r>
-            <a:r>
-              <a:rPr lang="en-US" dirty="0" smtClean="0"/>
-              <a:t>: </a:t>
-            </a:r>
-            <a:r>
-              <a:rPr lang="en-US" dirty="0" err="1" smtClean="0"/>
-              <a:t>tên</a:t>
-            </a:r>
-            <a:r>
-              <a:rPr lang="en-US" dirty="0" smtClean="0"/>
-              <a:t> </a:t>
-            </a:r>
-            <a:r>
-              <a:rPr lang="en-US" dirty="0" err="1" smtClean="0"/>
-              <a:t>loại</a:t>
-            </a:r>
-            <a:r>
-              <a:rPr lang="en-US" dirty="0" smtClean="0"/>
-              <a:t> </a:t>
-            </a:r>
-            <a:r>
-              <a:rPr lang="en-US" dirty="0" err="1" smtClean="0"/>
-              <a:t>thẻ</a:t>
-            </a:r>
-            <a:r>
-              <a:rPr lang="en-US" dirty="0" smtClean="0"/>
-              <a:t>, id, class,..</a:t>
-            </a:r>
-          </a:p>
-          <a:p>
-            <a:r>
-              <a:rPr lang="en-US" dirty="0" smtClean="0"/>
-              <a:t>Id, class </a:t>
-            </a:r>
-            <a:r>
-              <a:rPr lang="en-US" dirty="0" err="1" smtClean="0"/>
-              <a:t>là</a:t>
-            </a:r>
-            <a:r>
-              <a:rPr lang="en-US" dirty="0" smtClean="0"/>
-              <a:t> </a:t>
-            </a:r>
-            <a:r>
-              <a:rPr lang="en-US" dirty="0" err="1" smtClean="0"/>
-              <a:t>thuộc</a:t>
-            </a:r>
-            <a:r>
-              <a:rPr lang="en-US" dirty="0" smtClean="0"/>
-              <a:t> </a:t>
-            </a:r>
-            <a:r>
-              <a:rPr lang="en-US" dirty="0" err="1" smtClean="0"/>
-              <a:t>tính</a:t>
-            </a:r>
-            <a:r>
-              <a:rPr lang="en-US" dirty="0" smtClean="0"/>
-              <a:t> </a:t>
-            </a:r>
-            <a:r>
-              <a:rPr lang="en-US" dirty="0" err="1" smtClean="0"/>
-              <a:t>chung</a:t>
-            </a:r>
-            <a:r>
-              <a:rPr lang="en-US" dirty="0" smtClean="0"/>
-              <a:t> </a:t>
-            </a:r>
-            <a:r>
-              <a:rPr lang="en-US" dirty="0" err="1" smtClean="0"/>
-              <a:t>của</a:t>
-            </a:r>
-            <a:r>
-              <a:rPr lang="en-US" dirty="0" smtClean="0"/>
-              <a:t> </a:t>
-            </a:r>
-            <a:r>
-              <a:rPr lang="en-US" dirty="0" err="1" smtClean="0"/>
-              <a:t>thẻ</a:t>
-            </a:r>
-            <a:r>
-              <a:rPr lang="en-US" dirty="0" smtClean="0"/>
-              <a:t> HTML</a:t>
-            </a:r>
-            <a:endParaRPr lang="en-US" dirty="0"/>
-          </a:p>
-        </p:txBody>
-      </p:sp>
-    </p:spTree>
-    <p:extLst>
-      <p:ext uri="{BB962C8B-B14F-4D97-AF65-F5344CB8AC3E}">
-        <p14:creationId xmlns:p14="http://schemas.microsoft.com/office/powerpoint/2010/main" val="1438285487"/>
-      </p:ext>
-    </p:extLst>
-  </p:cSld>
-  <p:clrMapOvr>
-    <a:masterClrMapping/>
-  </p:clrMapOvr>
-  <p:timing>
-    <p:tnLst>
-      <p:par>
-        <p:cTn id="1" dur="indefinite" restart="never" nodeType="tmRoot"/>
-      </p:par>
-    </p:tnLst>
-  </p:timing>
-</p:sld>
-</file>
-
-<file path=ppt/slides/slide9.xml><?xml version="1.0" encoding="utf-8"?>
 <p:sld xmlns:a="http://schemas.openxmlformats.org/drawingml/2006/main" xmlns:r="http://schemas.openxmlformats.org/officeDocument/2006/relationships" xmlns:p="http://schemas.openxmlformats.org/presentationml/2006/main">
   <p:cSld>
     <p:spTree>
@@ -7238,6 +3861,3612 @@
 </p:sld>
 </file>
 
+<file path=ppt/slides/slide11.xml><?xml version="1.0" encoding="utf-8"?>
+<p:sld xmlns:a="http://schemas.openxmlformats.org/drawingml/2006/main" xmlns:r="http://schemas.openxmlformats.org/officeDocument/2006/relationships" xmlns:p="http://schemas.openxmlformats.org/presentationml/2006/main">
+  <p:cSld>
+    <p:spTree>
+      <p:nvGrpSpPr>
+        <p:cNvPr id="1" name=""/>
+        <p:cNvGrpSpPr/>
+        <p:nvPr/>
+      </p:nvGrpSpPr>
+      <p:grpSpPr>
+        <a:xfrm>
+          <a:off x="0" y="0"/>
+          <a:ext cx="0" cy="0"/>
+          <a:chOff x="0" y="0"/>
+          <a:chExt cx="0" cy="0"/>
+        </a:xfrm>
+      </p:grpSpPr>
+      <p:sp>
+        <p:nvSpPr>
+          <p:cNvPr id="2" name="Title 1"/>
+          <p:cNvSpPr>
+            <a:spLocks noGrp="1"/>
+          </p:cNvSpPr>
+          <p:nvPr>
+            <p:ph type="title"/>
+          </p:nvPr>
+        </p:nvSpPr>
+        <p:spPr/>
+        <p:txBody>
+          <a:bodyPr/>
+          <a:lstStyle/>
+          <a:p>
+            <a:r>
+              <a:rPr lang="en-US" dirty="0" err="1" smtClean="0"/>
+              <a:t>Vùng</a:t>
+            </a:r>
+            <a:r>
+              <a:rPr lang="en-US" dirty="0" smtClean="0"/>
+              <a:t> </a:t>
+            </a:r>
+            <a:r>
+              <a:rPr lang="en-US" dirty="0" err="1" smtClean="0"/>
+              <a:t>chọn</a:t>
+            </a:r>
+            <a:endParaRPr lang="en-GB" dirty="0"/>
+          </a:p>
+        </p:txBody>
+      </p:sp>
+      <p:sp>
+        <p:nvSpPr>
+          <p:cNvPr id="3" name="Content Placeholder 2"/>
+          <p:cNvSpPr>
+            <a:spLocks noGrp="1"/>
+          </p:cNvSpPr>
+          <p:nvPr>
+            <p:ph idx="1"/>
+          </p:nvPr>
+        </p:nvSpPr>
+        <p:spPr/>
+        <p:txBody>
+          <a:bodyPr/>
+          <a:lstStyle/>
+          <a:p>
+            <a:r>
+              <a:rPr lang="en-US" dirty="0" err="1" smtClean="0"/>
+              <a:t>Vùng</a:t>
+            </a:r>
+            <a:r>
+              <a:rPr lang="en-US" dirty="0" smtClean="0"/>
+              <a:t> </a:t>
+            </a:r>
+            <a:r>
+              <a:rPr lang="en-US" dirty="0" err="1" smtClean="0"/>
+              <a:t>chọn</a:t>
+            </a:r>
+            <a:r>
+              <a:rPr lang="en-US" dirty="0" smtClean="0"/>
+              <a:t> </a:t>
+            </a:r>
+            <a:r>
+              <a:rPr lang="en-US" dirty="0" err="1" smtClean="0"/>
+              <a:t>là</a:t>
+            </a:r>
+            <a:r>
+              <a:rPr lang="en-US" dirty="0" smtClean="0"/>
+              <a:t> </a:t>
+            </a:r>
+            <a:r>
+              <a:rPr lang="en-US" dirty="0" err="1" smtClean="0"/>
+              <a:t>vùng</a:t>
+            </a:r>
+            <a:r>
+              <a:rPr lang="en-US" dirty="0" smtClean="0"/>
+              <a:t> </a:t>
+            </a:r>
+            <a:r>
+              <a:rPr lang="en-US" dirty="0" err="1" smtClean="0"/>
+              <a:t>trên</a:t>
+            </a:r>
+            <a:r>
+              <a:rPr lang="en-US" dirty="0" smtClean="0"/>
+              <a:t> </a:t>
+            </a:r>
+            <a:r>
+              <a:rPr lang="en-US" dirty="0" err="1" smtClean="0"/>
+              <a:t>giao</a:t>
+            </a:r>
+            <a:r>
+              <a:rPr lang="en-US" dirty="0" smtClean="0"/>
+              <a:t> </a:t>
+            </a:r>
+            <a:r>
+              <a:rPr lang="en-US" dirty="0" err="1" smtClean="0"/>
+              <a:t>diện</a:t>
+            </a:r>
+            <a:endParaRPr lang="en-US" dirty="0" smtClean="0"/>
+          </a:p>
+          <a:p>
+            <a:r>
+              <a:rPr lang="en-US" dirty="0" err="1" smtClean="0"/>
+              <a:t>Mục</a:t>
+            </a:r>
+            <a:r>
+              <a:rPr lang="en-US" dirty="0" smtClean="0"/>
+              <a:t> </a:t>
+            </a:r>
+            <a:r>
+              <a:rPr lang="en-US" dirty="0" err="1" smtClean="0"/>
+              <a:t>đích</a:t>
+            </a:r>
+            <a:r>
+              <a:rPr lang="en-US" dirty="0" smtClean="0"/>
+              <a:t> </a:t>
+            </a:r>
+            <a:r>
+              <a:rPr lang="en-US" dirty="0" err="1" smtClean="0"/>
+              <a:t>chọn</a:t>
+            </a:r>
+            <a:r>
+              <a:rPr lang="en-US" dirty="0" smtClean="0"/>
+              <a:t> </a:t>
+            </a:r>
+            <a:r>
+              <a:rPr lang="en-US" dirty="0" err="1" smtClean="0"/>
+              <a:t>để</a:t>
+            </a:r>
+            <a:r>
+              <a:rPr lang="en-US" dirty="0" smtClean="0"/>
+              <a:t> </a:t>
+            </a:r>
+            <a:r>
+              <a:rPr lang="en-US" dirty="0" err="1" smtClean="0"/>
+              <a:t>thay</a:t>
+            </a:r>
+            <a:r>
+              <a:rPr lang="en-US" dirty="0" smtClean="0"/>
+              <a:t> </a:t>
+            </a:r>
+            <a:r>
+              <a:rPr lang="en-US" dirty="0" err="1" smtClean="0"/>
+              <a:t>đổi</a:t>
+            </a:r>
+            <a:r>
+              <a:rPr lang="en-US" dirty="0" smtClean="0"/>
+              <a:t> </a:t>
+            </a:r>
+            <a:r>
+              <a:rPr lang="en-US" dirty="0" err="1" smtClean="0"/>
+              <a:t>hiển</a:t>
+            </a:r>
+            <a:r>
+              <a:rPr lang="en-US" dirty="0" smtClean="0"/>
+              <a:t> </a:t>
+            </a:r>
+            <a:r>
+              <a:rPr lang="en-US" dirty="0" err="1" smtClean="0"/>
+              <a:t>thị</a:t>
+            </a:r>
+            <a:endParaRPr lang="en-US" dirty="0" smtClean="0"/>
+          </a:p>
+          <a:p>
+            <a:r>
+              <a:rPr lang="en-US" dirty="0" err="1" smtClean="0"/>
+              <a:t>Đại</a:t>
+            </a:r>
+            <a:r>
+              <a:rPr lang="en-US" dirty="0" smtClean="0"/>
+              <a:t> </a:t>
+            </a:r>
+            <a:r>
+              <a:rPr lang="en-US" dirty="0" err="1" smtClean="0"/>
+              <a:t>diện</a:t>
+            </a:r>
+            <a:r>
+              <a:rPr lang="en-US" dirty="0" smtClean="0"/>
+              <a:t> </a:t>
+            </a:r>
+            <a:r>
+              <a:rPr lang="en-US" dirty="0" err="1" smtClean="0"/>
+              <a:t>là</a:t>
+            </a:r>
+            <a:r>
+              <a:rPr lang="en-US" dirty="0" smtClean="0"/>
+              <a:t> </a:t>
+            </a:r>
+            <a:r>
+              <a:rPr lang="en-US" dirty="0" err="1" smtClean="0"/>
+              <a:t>một</a:t>
+            </a:r>
+            <a:r>
+              <a:rPr lang="en-US" dirty="0" smtClean="0"/>
+              <a:t> </a:t>
+            </a:r>
+            <a:r>
+              <a:rPr lang="en-US" dirty="0" err="1" smtClean="0"/>
+              <a:t>thẻ</a:t>
+            </a:r>
+            <a:r>
+              <a:rPr lang="en-US" dirty="0" smtClean="0"/>
+              <a:t> HTML </a:t>
+            </a:r>
+            <a:r>
+              <a:rPr lang="en-US" dirty="0" err="1" smtClean="0"/>
+              <a:t>trong</a:t>
+            </a:r>
+            <a:r>
+              <a:rPr lang="en-US" dirty="0" smtClean="0"/>
+              <a:t> </a:t>
+            </a:r>
+            <a:r>
+              <a:rPr lang="en-US" dirty="0" err="1" smtClean="0"/>
+              <a:t>mã</a:t>
+            </a:r>
+            <a:r>
+              <a:rPr lang="en-US" dirty="0" smtClean="0"/>
+              <a:t> HTML</a:t>
+            </a:r>
+            <a:endParaRPr lang="en-GB" dirty="0"/>
+          </a:p>
+        </p:txBody>
+      </p:sp>
+      <p:pic>
+        <p:nvPicPr>
+          <p:cNvPr id="1026" name="Picture 2"/>
+          <p:cNvPicPr>
+            <a:picLocks noChangeAspect="1" noChangeArrowheads="1"/>
+          </p:cNvPicPr>
+          <p:nvPr/>
+        </p:nvPicPr>
+        <p:blipFill>
+          <a:blip r:embed="rId2">
+            <a:extLst>
+              <a:ext uri="{28A0092B-C50C-407E-A947-70E740481C1C}">
+                <a14:useLocalDpi xmlns:a14="http://schemas.microsoft.com/office/drawing/2010/main" val="0"/>
+              </a:ext>
+            </a:extLst>
+          </a:blip>
+          <a:srcRect/>
+          <a:stretch>
+            <a:fillRect/>
+          </a:stretch>
+        </p:blipFill>
+        <p:spPr bwMode="auto">
+          <a:xfrm>
+            <a:off x="3131527" y="3962400"/>
+            <a:ext cx="2857500" cy="2038350"/>
+          </a:xfrm>
+          <a:prstGeom prst="rect">
+            <a:avLst/>
+          </a:prstGeom>
+          <a:noFill/>
+          <a:ln>
+            <a:noFill/>
+          </a:ln>
+          <a:effectLst/>
+          <a:extLst>
+            <a:ext uri="{909E8E84-426E-40DD-AFC4-6F175D3DCCD1}">
+              <a14:hiddenFill xmlns:a14="http://schemas.microsoft.com/office/drawing/2010/main">
+                <a:solidFill>
+                  <a:schemeClr val="accent1"/>
+                </a:solidFill>
+              </a14:hiddenFill>
+            </a:ext>
+            <a:ext uri="{91240B29-F687-4F45-9708-019B960494DF}">
+              <a14:hiddenLine xmlns:a14="http://schemas.microsoft.com/office/drawing/2010/main" w="9525">
+                <a:solidFill>
+                  <a:schemeClr val="tx1"/>
+                </a:solidFill>
+                <a:miter lim="800000"/>
+                <a:headEnd/>
+                <a:tailEnd/>
+              </a14:hiddenLine>
+            </a:ext>
+            <a:ext uri="{AF507438-7753-43E0-B8FC-AC1667EBCBE1}">
+              <a14:hiddenEffects xmlns:a14="http://schemas.microsoft.com/office/drawing/2010/main">
+                <a:effectLst>
+                  <a:outerShdw dist="35921" dir="2700000" algn="ctr" rotWithShape="0">
+                    <a:schemeClr val="bg2"/>
+                  </a:outerShdw>
+                </a:effectLst>
+              </a14:hiddenEffects>
+            </a:ext>
+          </a:extLst>
+        </p:spPr>
+      </p:pic>
+    </p:spTree>
+    <p:extLst>
+      <p:ext uri="{BB962C8B-B14F-4D97-AF65-F5344CB8AC3E}">
+        <p14:creationId xmlns:p14="http://schemas.microsoft.com/office/powerpoint/2010/main" val="2170771939"/>
+      </p:ext>
+    </p:extLst>
+  </p:cSld>
+  <p:clrMapOvr>
+    <a:masterClrMapping/>
+  </p:clrMapOvr>
+  <p:timing>
+    <p:tnLst>
+      <p:par>
+        <p:cTn id="1" dur="indefinite" restart="never" nodeType="tmRoot"/>
+      </p:par>
+    </p:tnLst>
+  </p:timing>
+</p:sld>
+</file>
+
+<file path=ppt/slides/slide12.xml><?xml version="1.0" encoding="utf-8"?>
+<p:sld xmlns:a="http://schemas.openxmlformats.org/drawingml/2006/main" xmlns:r="http://schemas.openxmlformats.org/officeDocument/2006/relationships" xmlns:p="http://schemas.openxmlformats.org/presentationml/2006/main">
+  <p:cSld>
+    <p:spTree>
+      <p:nvGrpSpPr>
+        <p:cNvPr id="1" name=""/>
+        <p:cNvGrpSpPr/>
+        <p:nvPr/>
+      </p:nvGrpSpPr>
+      <p:grpSpPr>
+        <a:xfrm>
+          <a:off x="0" y="0"/>
+          <a:ext cx="0" cy="0"/>
+          <a:chOff x="0" y="0"/>
+          <a:chExt cx="0" cy="0"/>
+        </a:xfrm>
+      </p:grpSpPr>
+      <p:sp>
+        <p:nvSpPr>
+          <p:cNvPr id="2" name="Title 1"/>
+          <p:cNvSpPr>
+            <a:spLocks noGrp="1"/>
+          </p:cNvSpPr>
+          <p:nvPr>
+            <p:ph type="title"/>
+          </p:nvPr>
+        </p:nvSpPr>
+        <p:spPr/>
+        <p:txBody>
+          <a:bodyPr/>
+          <a:lstStyle/>
+          <a:p>
+            <a:r>
+              <a:rPr lang="en-US" dirty="0" err="1" smtClean="0"/>
+              <a:t>Thuộc</a:t>
+            </a:r>
+            <a:r>
+              <a:rPr lang="en-US" dirty="0" smtClean="0"/>
+              <a:t> </a:t>
+            </a:r>
+            <a:r>
+              <a:rPr lang="en-US" dirty="0" err="1" smtClean="0"/>
+              <a:t>tính-Gía</a:t>
+            </a:r>
+            <a:r>
+              <a:rPr lang="en-US" dirty="0" smtClean="0"/>
+              <a:t> </a:t>
+            </a:r>
+            <a:r>
+              <a:rPr lang="en-US" dirty="0" err="1" smtClean="0"/>
+              <a:t>trị</a:t>
+            </a:r>
+            <a:endParaRPr lang="en-GB" dirty="0"/>
+          </a:p>
+        </p:txBody>
+      </p:sp>
+      <p:sp>
+        <p:nvSpPr>
+          <p:cNvPr id="3" name="Content Placeholder 2"/>
+          <p:cNvSpPr>
+            <a:spLocks noGrp="1"/>
+          </p:cNvSpPr>
+          <p:nvPr>
+            <p:ph idx="1"/>
+          </p:nvPr>
+        </p:nvSpPr>
+        <p:spPr/>
+        <p:txBody>
+          <a:bodyPr/>
+          <a:lstStyle/>
+          <a:p>
+            <a:r>
+              <a:rPr lang="en-US" dirty="0" err="1" smtClean="0"/>
+              <a:t>Là</a:t>
+            </a:r>
+            <a:r>
+              <a:rPr lang="en-US" dirty="0" smtClean="0"/>
+              <a:t> </a:t>
+            </a:r>
+            <a:r>
+              <a:rPr lang="en-US" dirty="0" err="1" smtClean="0"/>
+              <a:t>những</a:t>
+            </a:r>
+            <a:r>
+              <a:rPr lang="en-US" dirty="0" smtClean="0"/>
+              <a:t> </a:t>
+            </a:r>
+            <a:r>
+              <a:rPr lang="en-US" dirty="0" err="1" smtClean="0"/>
+              <a:t>đặc</a:t>
+            </a:r>
+            <a:r>
+              <a:rPr lang="en-US" dirty="0" smtClean="0"/>
+              <a:t> </a:t>
+            </a:r>
+            <a:r>
+              <a:rPr lang="en-US" dirty="0" err="1" smtClean="0"/>
+              <a:t>trưng</a:t>
+            </a:r>
+            <a:r>
+              <a:rPr lang="en-US" dirty="0" smtClean="0"/>
+              <a:t> </a:t>
+            </a:r>
+            <a:r>
+              <a:rPr lang="en-US" dirty="0" err="1" smtClean="0"/>
+              <a:t>của</a:t>
+            </a:r>
+            <a:r>
+              <a:rPr lang="en-US" dirty="0" smtClean="0"/>
+              <a:t> </a:t>
+            </a:r>
+            <a:r>
+              <a:rPr lang="en-US" dirty="0" err="1" smtClean="0"/>
+              <a:t>vùng</a:t>
+            </a:r>
+            <a:r>
+              <a:rPr lang="en-US" dirty="0" smtClean="0"/>
+              <a:t> </a:t>
+            </a:r>
+            <a:r>
+              <a:rPr lang="en-US" dirty="0" err="1" smtClean="0"/>
+              <a:t>chọn</a:t>
+            </a:r>
+            <a:endParaRPr lang="en-US" dirty="0" smtClean="0"/>
+          </a:p>
+          <a:p>
+            <a:pPr lvl="1"/>
+            <a:r>
+              <a:rPr lang="en-US" dirty="0" err="1" smtClean="0"/>
+              <a:t>Màu</a:t>
+            </a:r>
+            <a:r>
+              <a:rPr lang="en-US" dirty="0"/>
+              <a:t> </a:t>
+            </a:r>
+            <a:r>
+              <a:rPr lang="en-US" dirty="0" err="1" smtClean="0"/>
+              <a:t>chữ</a:t>
+            </a:r>
+            <a:r>
+              <a:rPr lang="en-US" dirty="0" smtClean="0"/>
+              <a:t>: color,</a:t>
+            </a:r>
+          </a:p>
+          <a:p>
+            <a:pPr lvl="1"/>
+            <a:r>
+              <a:rPr lang="en-US" dirty="0" err="1" smtClean="0"/>
+              <a:t>Cỡ</a:t>
+            </a:r>
+            <a:r>
+              <a:rPr lang="en-US" dirty="0" smtClean="0"/>
+              <a:t> </a:t>
+            </a:r>
+            <a:r>
+              <a:rPr lang="en-US" dirty="0" err="1" smtClean="0"/>
+              <a:t>chữ</a:t>
+            </a:r>
+            <a:r>
+              <a:rPr lang="en-US" dirty="0" smtClean="0"/>
+              <a:t>: font-size</a:t>
+            </a:r>
+            <a:endParaRPr lang="en-US" dirty="0"/>
+          </a:p>
+          <a:p>
+            <a:pPr lvl="1"/>
+            <a:r>
+              <a:rPr lang="en-US" dirty="0" err="1" smtClean="0"/>
+              <a:t>Màu</a:t>
+            </a:r>
+            <a:r>
+              <a:rPr lang="en-US" dirty="0" smtClean="0"/>
+              <a:t> </a:t>
+            </a:r>
+            <a:r>
+              <a:rPr lang="en-US" dirty="0" err="1" smtClean="0"/>
+              <a:t>nền</a:t>
+            </a:r>
+            <a:r>
+              <a:rPr lang="en-US" dirty="0" smtClean="0"/>
+              <a:t>: background-color</a:t>
+            </a:r>
+          </a:p>
+          <a:p>
+            <a:r>
+              <a:rPr lang="en-US" dirty="0" err="1" smtClean="0"/>
+              <a:t>Gía</a:t>
+            </a:r>
+            <a:r>
+              <a:rPr lang="en-US" dirty="0" smtClean="0"/>
+              <a:t> </a:t>
+            </a:r>
+            <a:r>
+              <a:rPr lang="en-US" dirty="0" err="1" smtClean="0"/>
+              <a:t>trị</a:t>
+            </a:r>
+            <a:endParaRPr lang="en-US" dirty="0" smtClean="0"/>
+          </a:p>
+          <a:p>
+            <a:pPr lvl="1"/>
+            <a:r>
+              <a:rPr lang="en-US" dirty="0" err="1" smtClean="0"/>
+              <a:t>Là</a:t>
+            </a:r>
+            <a:r>
+              <a:rPr lang="en-US" dirty="0" smtClean="0"/>
+              <a:t> </a:t>
+            </a:r>
+            <a:r>
+              <a:rPr lang="en-US" dirty="0" err="1" smtClean="0"/>
+              <a:t>giá</a:t>
+            </a:r>
+            <a:r>
+              <a:rPr lang="en-US" dirty="0" smtClean="0"/>
+              <a:t> </a:t>
+            </a:r>
+            <a:r>
+              <a:rPr lang="en-US" dirty="0" err="1" smtClean="0"/>
+              <a:t>trị</a:t>
+            </a:r>
+            <a:r>
+              <a:rPr lang="en-US" dirty="0" smtClean="0"/>
+              <a:t> </a:t>
+            </a:r>
+            <a:r>
+              <a:rPr lang="en-US" dirty="0" err="1" smtClean="0"/>
+              <a:t>được</a:t>
+            </a:r>
+            <a:r>
+              <a:rPr lang="en-US" dirty="0" smtClean="0"/>
+              <a:t> </a:t>
+            </a:r>
+            <a:r>
+              <a:rPr lang="en-US" dirty="0" err="1" smtClean="0"/>
+              <a:t>gán</a:t>
+            </a:r>
+            <a:r>
+              <a:rPr lang="en-US" dirty="0" smtClean="0"/>
+              <a:t> </a:t>
+            </a:r>
+            <a:r>
+              <a:rPr lang="en-US" dirty="0" err="1" smtClean="0"/>
+              <a:t>cho</a:t>
+            </a:r>
+            <a:r>
+              <a:rPr lang="en-US" dirty="0" smtClean="0"/>
+              <a:t> </a:t>
+            </a:r>
+            <a:r>
+              <a:rPr lang="en-US" dirty="0" err="1" smtClean="0"/>
+              <a:t>thuộc</a:t>
+            </a:r>
+            <a:r>
+              <a:rPr lang="en-US" dirty="0" smtClean="0"/>
+              <a:t> </a:t>
+            </a:r>
+            <a:r>
+              <a:rPr lang="en-US" dirty="0" err="1" smtClean="0"/>
+              <a:t>tính</a:t>
+            </a:r>
+            <a:endParaRPr lang="en-US" dirty="0" smtClean="0"/>
+          </a:p>
+          <a:p>
+            <a:pPr lvl="1"/>
+            <a:r>
+              <a:rPr lang="en-US" dirty="0" err="1" smtClean="0"/>
+              <a:t>Có</a:t>
+            </a:r>
+            <a:r>
+              <a:rPr lang="en-US" dirty="0" smtClean="0"/>
+              <a:t> </a:t>
+            </a:r>
+            <a:r>
+              <a:rPr lang="en-US" dirty="0" err="1" smtClean="0"/>
+              <a:t>một</a:t>
+            </a:r>
+            <a:r>
+              <a:rPr lang="en-US" dirty="0" smtClean="0"/>
+              <a:t> </a:t>
+            </a:r>
+            <a:r>
+              <a:rPr lang="en-US" dirty="0" err="1" smtClean="0"/>
+              <a:t>số</a:t>
+            </a:r>
+            <a:r>
+              <a:rPr lang="en-US" dirty="0" smtClean="0"/>
+              <a:t> </a:t>
+            </a:r>
+            <a:r>
+              <a:rPr lang="en-US" dirty="0" err="1" smtClean="0"/>
+              <a:t>thẻ</a:t>
+            </a:r>
+            <a:r>
+              <a:rPr lang="en-US" dirty="0" smtClean="0"/>
+              <a:t> HTML </a:t>
+            </a:r>
+            <a:r>
+              <a:rPr lang="en-US" dirty="0" err="1" smtClean="0"/>
+              <a:t>có</a:t>
+            </a:r>
+            <a:r>
+              <a:rPr lang="en-US" dirty="0" smtClean="0"/>
+              <a:t> </a:t>
+            </a:r>
+            <a:r>
+              <a:rPr lang="en-US" dirty="0" err="1" smtClean="0"/>
+              <a:t>thuộc</a:t>
+            </a:r>
+            <a:r>
+              <a:rPr lang="en-US" dirty="0" smtClean="0"/>
+              <a:t> </a:t>
+            </a:r>
+            <a:r>
+              <a:rPr lang="en-US" dirty="0" err="1" smtClean="0"/>
+              <a:t>tính</a:t>
+            </a:r>
+            <a:r>
+              <a:rPr lang="en-US" dirty="0" smtClean="0"/>
+              <a:t> </a:t>
+            </a:r>
+            <a:r>
+              <a:rPr lang="en-US" dirty="0" err="1" smtClean="0"/>
+              <a:t>có</a:t>
+            </a:r>
+            <a:r>
+              <a:rPr lang="en-US" dirty="0" smtClean="0"/>
+              <a:t> </a:t>
+            </a:r>
+            <a:r>
+              <a:rPr lang="en-US" dirty="0" err="1" smtClean="0"/>
+              <a:t>giá</a:t>
+            </a:r>
+            <a:r>
+              <a:rPr lang="en-US" dirty="0" smtClean="0"/>
+              <a:t> </a:t>
+            </a:r>
+            <a:r>
+              <a:rPr lang="en-US" dirty="0" err="1" smtClean="0"/>
+              <a:t>trị</a:t>
+            </a:r>
+            <a:r>
+              <a:rPr lang="en-US" dirty="0" smtClean="0"/>
+              <a:t> </a:t>
+            </a:r>
+            <a:r>
+              <a:rPr lang="en-US" dirty="0" err="1" smtClean="0"/>
+              <a:t>có</a:t>
+            </a:r>
+            <a:r>
+              <a:rPr lang="en-US" dirty="0" smtClean="0"/>
+              <a:t> </a:t>
+            </a:r>
+            <a:r>
+              <a:rPr lang="en-US" dirty="0" err="1" smtClean="0"/>
+              <a:t>sẵn</a:t>
+            </a:r>
+            <a:endParaRPr lang="en-GB" dirty="0"/>
+          </a:p>
+        </p:txBody>
+      </p:sp>
+    </p:spTree>
+    <p:extLst>
+      <p:ext uri="{BB962C8B-B14F-4D97-AF65-F5344CB8AC3E}">
+        <p14:creationId xmlns:p14="http://schemas.microsoft.com/office/powerpoint/2010/main" val="851848876"/>
+      </p:ext>
+    </p:extLst>
+  </p:cSld>
+  <p:clrMapOvr>
+    <a:masterClrMapping/>
+  </p:clrMapOvr>
+  <p:timing>
+    <p:tnLst>
+      <p:par>
+        <p:cTn id="1" dur="indefinite" restart="never" nodeType="tmRoot"/>
+      </p:par>
+    </p:tnLst>
+  </p:timing>
+</p:sld>
+</file>
+
+<file path=ppt/slides/slide13.xml><?xml version="1.0" encoding="utf-8"?>
+<p:sld xmlns:a="http://schemas.openxmlformats.org/drawingml/2006/main" xmlns:r="http://schemas.openxmlformats.org/officeDocument/2006/relationships" xmlns:p="http://schemas.openxmlformats.org/presentationml/2006/main">
+  <p:cSld>
+    <p:spTree>
+      <p:nvGrpSpPr>
+        <p:cNvPr id="1" name=""/>
+        <p:cNvGrpSpPr/>
+        <p:nvPr/>
+      </p:nvGrpSpPr>
+      <p:grpSpPr>
+        <a:xfrm>
+          <a:off x="0" y="0"/>
+          <a:ext cx="0" cy="0"/>
+          <a:chOff x="0" y="0"/>
+          <a:chExt cx="0" cy="0"/>
+        </a:xfrm>
+      </p:grpSpPr>
+      <p:sp>
+        <p:nvSpPr>
+          <p:cNvPr id="3" name="Content Placeholder 2"/>
+          <p:cNvSpPr>
+            <a:spLocks noGrp="1"/>
+          </p:cNvSpPr>
+          <p:nvPr>
+            <p:ph idx="1"/>
+          </p:nvPr>
+        </p:nvSpPr>
+        <p:spPr>
+          <a:xfrm>
+            <a:off x="533400" y="2514600"/>
+            <a:ext cx="8229600" cy="1447800"/>
+          </a:xfrm>
+        </p:spPr>
+        <p:txBody>
+          <a:bodyPr/>
+          <a:lstStyle/>
+          <a:p>
+            <a:pPr marL="0" indent="0">
+              <a:buNone/>
+            </a:pPr>
+            <a:r>
+              <a:rPr lang="en-US" dirty="0" err="1" smtClean="0"/>
+              <a:t>Để</a:t>
+            </a:r>
+            <a:r>
+              <a:rPr lang="en-US" dirty="0" smtClean="0"/>
+              <a:t> </a:t>
+            </a:r>
+            <a:r>
+              <a:rPr lang="en-US" dirty="0" err="1" smtClean="0"/>
+              <a:t>viết</a:t>
+            </a:r>
+            <a:r>
+              <a:rPr lang="en-US" dirty="0" smtClean="0"/>
+              <a:t> </a:t>
+            </a:r>
+            <a:r>
+              <a:rPr lang="en-US" dirty="0" err="1" smtClean="0"/>
+              <a:t>mã</a:t>
+            </a:r>
+            <a:r>
+              <a:rPr lang="en-US" dirty="0" smtClean="0"/>
+              <a:t> CSS ta </a:t>
+            </a:r>
+            <a:r>
+              <a:rPr lang="en-US" dirty="0" err="1" smtClean="0"/>
+              <a:t>chỉ</a:t>
+            </a:r>
+            <a:r>
+              <a:rPr lang="en-US" dirty="0" smtClean="0"/>
+              <a:t> </a:t>
+            </a:r>
+            <a:r>
+              <a:rPr lang="en-US" dirty="0" err="1" smtClean="0"/>
+              <a:t>cần</a:t>
+            </a:r>
+            <a:r>
+              <a:rPr lang="en-US" dirty="0" smtClean="0"/>
+              <a:t> </a:t>
+            </a:r>
+            <a:r>
+              <a:rPr lang="en-US" dirty="0" err="1" smtClean="0"/>
+              <a:t>biết</a:t>
+            </a:r>
+            <a:r>
+              <a:rPr lang="en-US" dirty="0" smtClean="0"/>
+              <a:t> </a:t>
+            </a:r>
+            <a:r>
+              <a:rPr lang="en-US" dirty="0" err="1" smtClean="0"/>
+              <a:t>chọn</a:t>
+            </a:r>
+            <a:r>
+              <a:rPr lang="en-US" dirty="0" smtClean="0"/>
+              <a:t> </a:t>
+            </a:r>
+            <a:r>
+              <a:rPr lang="en-US" dirty="0" err="1" smtClean="0"/>
+              <a:t>thẻ</a:t>
+            </a:r>
+            <a:r>
+              <a:rPr lang="en-US" dirty="0" smtClean="0"/>
+              <a:t> </a:t>
+            </a:r>
+            <a:r>
+              <a:rPr lang="en-US" dirty="0" err="1" smtClean="0"/>
+              <a:t>và</a:t>
+            </a:r>
+            <a:r>
+              <a:rPr lang="en-US" dirty="0" smtClean="0"/>
+              <a:t> </a:t>
+            </a:r>
+            <a:r>
+              <a:rPr lang="en-US" dirty="0" err="1" smtClean="0"/>
+              <a:t>tác</a:t>
+            </a:r>
+            <a:r>
+              <a:rPr lang="en-US" dirty="0" smtClean="0"/>
+              <a:t> </a:t>
+            </a:r>
+            <a:r>
+              <a:rPr lang="en-US" dirty="0" err="1" smtClean="0"/>
+              <a:t>động</a:t>
+            </a:r>
+            <a:r>
+              <a:rPr lang="en-US" dirty="0" smtClean="0"/>
+              <a:t> </a:t>
+            </a:r>
+            <a:r>
+              <a:rPr lang="en-US" dirty="0" err="1" smtClean="0"/>
+              <a:t>lên</a:t>
+            </a:r>
+            <a:r>
+              <a:rPr lang="en-US" dirty="0" smtClean="0"/>
+              <a:t> </a:t>
+            </a:r>
+            <a:r>
+              <a:rPr lang="en-US" dirty="0" err="1" smtClean="0"/>
+              <a:t>nó</a:t>
+            </a:r>
+            <a:endParaRPr lang="en-GB" dirty="0"/>
+          </a:p>
+        </p:txBody>
+      </p:sp>
+      <p:pic>
+        <p:nvPicPr>
+          <p:cNvPr id="1026" name="Picture 2"/>
+          <p:cNvPicPr>
+            <a:picLocks noChangeAspect="1" noChangeArrowheads="1"/>
+          </p:cNvPicPr>
+          <p:nvPr/>
+        </p:nvPicPr>
+        <p:blipFill>
+          <a:blip r:embed="rId2">
+            <a:extLst>
+              <a:ext uri="{28A0092B-C50C-407E-A947-70E740481C1C}">
+                <a14:useLocalDpi xmlns:a14="http://schemas.microsoft.com/office/drawing/2010/main" val="0"/>
+              </a:ext>
+            </a:extLst>
+          </a:blip>
+          <a:srcRect/>
+          <a:stretch>
+            <a:fillRect/>
+          </a:stretch>
+        </p:blipFill>
+        <p:spPr bwMode="auto">
+          <a:xfrm>
+            <a:off x="1371600" y="4000500"/>
+            <a:ext cx="6762750" cy="1143000"/>
+          </a:xfrm>
+          <a:prstGeom prst="rect">
+            <a:avLst/>
+          </a:prstGeom>
+          <a:ln/>
+        </p:spPr>
+        <p:style>
+          <a:lnRef idx="2">
+            <a:schemeClr val="accent3"/>
+          </a:lnRef>
+          <a:fillRef idx="1">
+            <a:schemeClr val="lt1"/>
+          </a:fillRef>
+          <a:effectRef idx="0">
+            <a:schemeClr val="accent3"/>
+          </a:effectRef>
+          <a:fontRef idx="minor">
+            <a:schemeClr val="dk1"/>
+          </a:fontRef>
+        </p:style>
+      </p:pic>
+    </p:spTree>
+    <p:extLst>
+      <p:ext uri="{BB962C8B-B14F-4D97-AF65-F5344CB8AC3E}">
+        <p14:creationId xmlns:p14="http://schemas.microsoft.com/office/powerpoint/2010/main" val="987343559"/>
+      </p:ext>
+    </p:extLst>
+  </p:cSld>
+  <p:clrMapOvr>
+    <a:masterClrMapping/>
+  </p:clrMapOvr>
+  <p:timing>
+    <p:tnLst>
+      <p:par>
+        <p:cTn id="1" dur="indefinite" restart="never" nodeType="tmRoot"/>
+      </p:par>
+    </p:tnLst>
+  </p:timing>
+</p:sld>
+</file>
+
+<file path=ppt/slides/slide14.xml><?xml version="1.0" encoding="utf-8"?>
+<p:sld xmlns:a="http://schemas.openxmlformats.org/drawingml/2006/main" xmlns:r="http://schemas.openxmlformats.org/officeDocument/2006/relationships" xmlns:p="http://schemas.openxmlformats.org/presentationml/2006/main">
+  <p:cSld>
+    <p:spTree>
+      <p:nvGrpSpPr>
+        <p:cNvPr id="1" name=""/>
+        <p:cNvGrpSpPr/>
+        <p:nvPr/>
+      </p:nvGrpSpPr>
+      <p:grpSpPr>
+        <a:xfrm>
+          <a:off x="0" y="0"/>
+          <a:ext cx="0" cy="0"/>
+          <a:chOff x="0" y="0"/>
+          <a:chExt cx="0" cy="0"/>
+        </a:xfrm>
+      </p:grpSpPr>
+      <p:sp>
+        <p:nvSpPr>
+          <p:cNvPr id="5" name="Content Placeholder 4"/>
+          <p:cNvSpPr>
+            <a:spLocks noGrp="1"/>
+          </p:cNvSpPr>
+          <p:nvPr>
+            <p:ph idx="1"/>
+          </p:nvPr>
+        </p:nvSpPr>
+        <p:spPr/>
+        <p:txBody>
+          <a:bodyPr/>
+          <a:lstStyle/>
+          <a:p>
+            <a:r>
+              <a:rPr lang="en-US" dirty="0" smtClean="0"/>
+              <a:t>HTML </a:t>
+            </a:r>
+            <a:r>
+              <a:rPr lang="en-US" dirty="0" err="1" smtClean="0"/>
+              <a:t>là</a:t>
+            </a:r>
+            <a:r>
+              <a:rPr lang="en-US" dirty="0" smtClean="0"/>
+              <a:t> </a:t>
+            </a:r>
+            <a:r>
+              <a:rPr lang="en-US" dirty="0" err="1" smtClean="0"/>
+              <a:t>gì</a:t>
+            </a:r>
+            <a:endParaRPr lang="en-US" dirty="0" smtClean="0"/>
+          </a:p>
+          <a:p>
+            <a:r>
+              <a:rPr lang="en-US" dirty="0" err="1" smtClean="0"/>
+              <a:t>Cách</a:t>
+            </a:r>
+            <a:r>
+              <a:rPr lang="en-US" dirty="0" smtClean="0"/>
+              <a:t> </a:t>
+            </a:r>
+            <a:r>
+              <a:rPr lang="en-US" dirty="0" err="1" smtClean="0"/>
+              <a:t>viết</a:t>
+            </a:r>
+            <a:r>
+              <a:rPr lang="en-US" dirty="0" smtClean="0"/>
+              <a:t> HTML</a:t>
+            </a:r>
+          </a:p>
+          <a:p>
+            <a:r>
+              <a:rPr lang="en-US" dirty="0" smtClean="0"/>
+              <a:t>CSS </a:t>
+            </a:r>
+            <a:r>
+              <a:rPr lang="en-US" dirty="0" err="1" smtClean="0"/>
+              <a:t>là</a:t>
+            </a:r>
+            <a:r>
+              <a:rPr lang="en-US" dirty="0" smtClean="0"/>
+              <a:t> </a:t>
+            </a:r>
+            <a:r>
+              <a:rPr lang="en-US" dirty="0" err="1" smtClean="0"/>
+              <a:t>gì</a:t>
+            </a:r>
+            <a:endParaRPr lang="en-US" dirty="0" smtClean="0"/>
+          </a:p>
+          <a:p>
+            <a:r>
+              <a:rPr lang="en-US" dirty="0" err="1" smtClean="0"/>
+              <a:t>Cách</a:t>
+            </a:r>
+            <a:r>
+              <a:rPr lang="en-US" dirty="0" smtClean="0"/>
+              <a:t> </a:t>
+            </a:r>
+            <a:r>
+              <a:rPr lang="en-US" dirty="0" err="1" smtClean="0"/>
+              <a:t>viết</a:t>
+            </a:r>
+            <a:r>
+              <a:rPr lang="en-US" dirty="0" smtClean="0"/>
+              <a:t> </a:t>
+            </a:r>
+            <a:r>
+              <a:rPr lang="en-US" dirty="0" err="1" smtClean="0"/>
+              <a:t>nhúng</a:t>
+            </a:r>
+            <a:r>
+              <a:rPr lang="en-US" dirty="0" smtClean="0"/>
+              <a:t> CSS </a:t>
+            </a:r>
+            <a:r>
+              <a:rPr lang="en-US" dirty="0" err="1" smtClean="0"/>
+              <a:t>vào</a:t>
+            </a:r>
+            <a:r>
+              <a:rPr lang="en-US" dirty="0" smtClean="0"/>
+              <a:t> HTML</a:t>
+            </a:r>
+          </a:p>
+          <a:p>
+            <a:r>
+              <a:rPr lang="en-US" dirty="0" err="1" smtClean="0"/>
+              <a:t>Cách</a:t>
+            </a:r>
+            <a:r>
+              <a:rPr lang="en-US" dirty="0" smtClean="0"/>
+              <a:t> </a:t>
+            </a:r>
+            <a:r>
+              <a:rPr lang="en-US" dirty="0" err="1" smtClean="0"/>
+              <a:t>chọn</a:t>
+            </a:r>
+            <a:r>
+              <a:rPr lang="en-US" dirty="0" smtClean="0"/>
+              <a:t> </a:t>
+            </a:r>
+            <a:r>
+              <a:rPr lang="en-US" dirty="0" err="1" smtClean="0"/>
+              <a:t>và</a:t>
+            </a:r>
+            <a:r>
+              <a:rPr lang="en-US" dirty="0" smtClean="0"/>
+              <a:t> </a:t>
+            </a:r>
+            <a:r>
+              <a:rPr lang="en-US" dirty="0" err="1" smtClean="0"/>
+              <a:t>tác</a:t>
+            </a:r>
+            <a:r>
+              <a:rPr lang="en-US" dirty="0" smtClean="0"/>
+              <a:t> </a:t>
+            </a:r>
+            <a:r>
+              <a:rPr lang="en-US" dirty="0" err="1" smtClean="0"/>
+              <a:t>động</a:t>
+            </a:r>
+            <a:r>
+              <a:rPr lang="en-US" dirty="0" smtClean="0"/>
+              <a:t> </a:t>
+            </a:r>
+            <a:r>
+              <a:rPr lang="en-US" dirty="0" err="1" smtClean="0"/>
+              <a:t>thuộc</a:t>
+            </a:r>
+            <a:r>
+              <a:rPr lang="en-US" dirty="0" smtClean="0"/>
+              <a:t> </a:t>
+            </a:r>
+            <a:r>
+              <a:rPr lang="en-US" dirty="0" err="1" smtClean="0"/>
+              <a:t>tính</a:t>
+            </a:r>
+            <a:endParaRPr lang="en-US" dirty="0"/>
+          </a:p>
+        </p:txBody>
+      </p:sp>
+      <p:sp>
+        <p:nvSpPr>
+          <p:cNvPr id="6" name="Title 5"/>
+          <p:cNvSpPr>
+            <a:spLocks noGrp="1"/>
+          </p:cNvSpPr>
+          <p:nvPr>
+            <p:ph type="title"/>
+          </p:nvPr>
+        </p:nvSpPr>
+        <p:spPr/>
+        <p:txBody>
+          <a:bodyPr/>
+          <a:lstStyle/>
+          <a:p>
+            <a:r>
+              <a:rPr lang="en-US" dirty="0" err="1" smtClean="0"/>
+              <a:t>Tóm</a:t>
+            </a:r>
+            <a:r>
+              <a:rPr lang="en-US" dirty="0" smtClean="0"/>
+              <a:t> </a:t>
+            </a:r>
+            <a:r>
+              <a:rPr lang="en-US" dirty="0" err="1" smtClean="0"/>
+              <a:t>tắt</a:t>
+            </a:r>
+            <a:r>
+              <a:rPr lang="en-US" dirty="0" smtClean="0"/>
+              <a:t> </a:t>
+            </a:r>
+            <a:r>
+              <a:rPr lang="en-US" dirty="0" err="1" smtClean="0"/>
+              <a:t>nội</a:t>
+            </a:r>
+            <a:r>
+              <a:rPr lang="en-US" dirty="0" smtClean="0"/>
+              <a:t> dung</a:t>
+            </a:r>
+            <a:endParaRPr lang="en-US" dirty="0"/>
+          </a:p>
+        </p:txBody>
+      </p:sp>
+    </p:spTree>
+    <p:extLst>
+      <p:ext uri="{BB962C8B-B14F-4D97-AF65-F5344CB8AC3E}">
+        <p14:creationId xmlns:p14="http://schemas.microsoft.com/office/powerpoint/2010/main" val="190724703"/>
+      </p:ext>
+    </p:extLst>
+  </p:cSld>
+  <p:clrMapOvr>
+    <a:masterClrMapping/>
+  </p:clrMapOvr>
+  <p:timing>
+    <p:tnLst>
+      <p:par>
+        <p:cTn id="1" dur="indefinite" restart="never" nodeType="tmRoot"/>
+      </p:par>
+    </p:tnLst>
+  </p:timing>
+</p:sld>
+</file>
+
+<file path=ppt/slides/slide15.xml><?xml version="1.0" encoding="utf-8"?>
+<p:sld xmlns:a="http://schemas.openxmlformats.org/drawingml/2006/main" xmlns:r="http://schemas.openxmlformats.org/officeDocument/2006/relationships" xmlns:p="http://schemas.openxmlformats.org/presentationml/2006/main">
+  <p:cSld>
+    <p:spTree>
+      <p:nvGrpSpPr>
+        <p:cNvPr id="1" name=""/>
+        <p:cNvGrpSpPr/>
+        <p:nvPr/>
+      </p:nvGrpSpPr>
+      <p:grpSpPr>
+        <a:xfrm>
+          <a:off x="0" y="0"/>
+          <a:ext cx="0" cy="0"/>
+          <a:chOff x="0" y="0"/>
+          <a:chExt cx="0" cy="0"/>
+        </a:xfrm>
+      </p:grpSpPr>
+      <p:sp>
+        <p:nvSpPr>
+          <p:cNvPr id="2" name="Title 1"/>
+          <p:cNvSpPr>
+            <a:spLocks noGrp="1"/>
+          </p:cNvSpPr>
+          <p:nvPr>
+            <p:ph type="title"/>
+          </p:nvPr>
+        </p:nvSpPr>
+        <p:spPr/>
+        <p:txBody>
+          <a:bodyPr/>
+          <a:lstStyle/>
+          <a:p>
+            <a:r>
+              <a:rPr lang="en-US" dirty="0" err="1" smtClean="0"/>
+              <a:t>Ví</a:t>
+            </a:r>
+            <a:r>
+              <a:rPr lang="en-US" dirty="0" smtClean="0"/>
+              <a:t> </a:t>
+            </a:r>
+            <a:r>
+              <a:rPr lang="en-US" dirty="0" err="1" smtClean="0"/>
+              <a:t>dụ</a:t>
+            </a:r>
+            <a:r>
+              <a:rPr lang="en-US" dirty="0" smtClean="0"/>
+              <a:t> </a:t>
+            </a:r>
+            <a:r>
+              <a:rPr lang="en-US" dirty="0" err="1" smtClean="0"/>
+              <a:t>Thực</a:t>
+            </a:r>
+            <a:r>
+              <a:rPr lang="en-US" dirty="0" smtClean="0"/>
+              <a:t> </a:t>
+            </a:r>
+            <a:r>
+              <a:rPr lang="en-US" dirty="0" err="1" smtClean="0"/>
+              <a:t>Hành</a:t>
+            </a:r>
+            <a:endParaRPr lang="en-US" dirty="0"/>
+          </a:p>
+        </p:txBody>
+      </p:sp>
+      <p:sp>
+        <p:nvSpPr>
+          <p:cNvPr id="3" name="Content Placeholder 2"/>
+          <p:cNvSpPr>
+            <a:spLocks noGrp="1"/>
+          </p:cNvSpPr>
+          <p:nvPr>
+            <p:ph idx="1"/>
+          </p:nvPr>
+        </p:nvSpPr>
+        <p:spPr/>
+        <p:txBody>
+          <a:bodyPr/>
+          <a:lstStyle/>
+          <a:p>
+            <a:r>
+              <a:rPr lang="en-US" dirty="0" err="1" smtClean="0"/>
+              <a:t>Định</a:t>
+            </a:r>
+            <a:r>
+              <a:rPr lang="en-US" dirty="0" smtClean="0"/>
+              <a:t> </a:t>
+            </a:r>
+            <a:r>
+              <a:rPr lang="en-US" dirty="0" err="1" smtClean="0"/>
+              <a:t>dạng</a:t>
+            </a:r>
+            <a:r>
+              <a:rPr lang="en-US" dirty="0" smtClean="0"/>
+              <a:t> </a:t>
+            </a:r>
+            <a:r>
+              <a:rPr lang="en-US" dirty="0" err="1" smtClean="0"/>
+              <a:t>văn</a:t>
+            </a:r>
+            <a:r>
+              <a:rPr lang="en-US" dirty="0" smtClean="0"/>
+              <a:t> </a:t>
+            </a:r>
+            <a:r>
+              <a:rPr lang="en-US" dirty="0" err="1" smtClean="0"/>
+              <a:t>bản</a:t>
+            </a:r>
+            <a:r>
+              <a:rPr lang="en-US" dirty="0" smtClean="0"/>
+              <a:t>, video</a:t>
+            </a:r>
+          </a:p>
+          <a:p>
+            <a:pPr lvl="1"/>
+            <a:r>
+              <a:rPr lang="en-US" dirty="0" err="1" smtClean="0"/>
+              <a:t>Sử</a:t>
+            </a:r>
+            <a:r>
+              <a:rPr lang="en-US" dirty="0" smtClean="0"/>
+              <a:t> </a:t>
+            </a:r>
+            <a:r>
+              <a:rPr lang="en-US" dirty="0" err="1" smtClean="0"/>
+              <a:t>dụng</a:t>
+            </a:r>
+            <a:r>
+              <a:rPr lang="en-US" dirty="0" smtClean="0"/>
+              <a:t> </a:t>
+            </a:r>
+            <a:r>
+              <a:rPr lang="en-US" dirty="0" err="1" smtClean="0"/>
+              <a:t>thẻ</a:t>
+            </a:r>
+            <a:r>
+              <a:rPr lang="en-US" dirty="0" smtClean="0"/>
+              <a:t>: H1, p, a, </a:t>
+            </a:r>
+          </a:p>
+          <a:p>
+            <a:pPr lvl="1"/>
+            <a:r>
+              <a:rPr lang="en-US" dirty="0" err="1" smtClean="0"/>
+              <a:t>Chènh</a:t>
+            </a:r>
+            <a:r>
+              <a:rPr lang="en-US" dirty="0" smtClean="0"/>
+              <a:t> video, </a:t>
+            </a:r>
+            <a:r>
+              <a:rPr lang="en-US" dirty="0" err="1" smtClean="0"/>
+              <a:t>hình</a:t>
+            </a:r>
+            <a:r>
+              <a:rPr lang="en-US" dirty="0" smtClean="0"/>
+              <a:t> </a:t>
+            </a:r>
+            <a:r>
+              <a:rPr lang="en-US" dirty="0" err="1" smtClean="0"/>
+              <a:t>ảnh</a:t>
+            </a:r>
+            <a:r>
+              <a:rPr lang="en-US" dirty="0" smtClean="0"/>
+              <a:t>, link</a:t>
+            </a:r>
+          </a:p>
+          <a:p>
+            <a:r>
+              <a:rPr lang="en-US" dirty="0" err="1" smtClean="0"/>
+              <a:t>Định</a:t>
+            </a:r>
+            <a:r>
+              <a:rPr lang="en-US" dirty="0" smtClean="0"/>
+              <a:t> </a:t>
+            </a:r>
+            <a:r>
+              <a:rPr lang="en-US" dirty="0" err="1" smtClean="0"/>
+              <a:t>dạng</a:t>
+            </a:r>
+            <a:r>
+              <a:rPr lang="en-US" dirty="0" smtClean="0"/>
+              <a:t> </a:t>
+            </a:r>
+            <a:r>
+              <a:rPr lang="en-US" dirty="0" err="1" smtClean="0"/>
+              <a:t>văn</a:t>
+            </a:r>
+            <a:r>
+              <a:rPr lang="en-US" dirty="0" smtClean="0"/>
+              <a:t> </a:t>
+            </a:r>
+            <a:r>
+              <a:rPr lang="en-US" dirty="0" err="1" smtClean="0"/>
+              <a:t>bản</a:t>
+            </a:r>
+            <a:r>
+              <a:rPr lang="en-US" dirty="0" smtClean="0"/>
+              <a:t> </a:t>
+            </a:r>
+            <a:r>
+              <a:rPr lang="en-US" dirty="0" err="1" smtClean="0"/>
+              <a:t>theo</a:t>
+            </a:r>
+            <a:r>
+              <a:rPr lang="en-US" dirty="0" smtClean="0"/>
+              <a:t> CSS</a:t>
+            </a:r>
+            <a:endParaRPr lang="en-US" dirty="0"/>
+          </a:p>
+        </p:txBody>
+      </p:sp>
+    </p:spTree>
+    <p:extLst>
+      <p:ext uri="{BB962C8B-B14F-4D97-AF65-F5344CB8AC3E}">
+        <p14:creationId xmlns:p14="http://schemas.microsoft.com/office/powerpoint/2010/main" val="191451590"/>
+      </p:ext>
+    </p:extLst>
+  </p:cSld>
+  <p:clrMapOvr>
+    <a:masterClrMapping/>
+  </p:clrMapOvr>
+  <p:timing>
+    <p:tnLst>
+      <p:par>
+        <p:cTn id="1" dur="indefinite" restart="never" nodeType="tmRoot"/>
+      </p:par>
+    </p:tnLst>
+  </p:timing>
+</p:sld>
+</file>
+
+<file path=ppt/slides/slide16.xml><?xml version="1.0" encoding="utf-8"?>
+<p:sld xmlns:a="http://schemas.openxmlformats.org/drawingml/2006/main" xmlns:r="http://schemas.openxmlformats.org/officeDocument/2006/relationships" xmlns:p="http://schemas.openxmlformats.org/presentationml/2006/main">
+  <p:cSld>
+    <p:spTree>
+      <p:nvGrpSpPr>
+        <p:cNvPr id="1" name=""/>
+        <p:cNvGrpSpPr/>
+        <p:nvPr/>
+      </p:nvGrpSpPr>
+      <p:grpSpPr>
+        <a:xfrm>
+          <a:off x="0" y="0"/>
+          <a:ext cx="0" cy="0"/>
+          <a:chOff x="0" y="0"/>
+          <a:chExt cx="0" cy="0"/>
+        </a:xfrm>
+      </p:grpSpPr>
+      <p:sp>
+        <p:nvSpPr>
+          <p:cNvPr id="2" name="Title 1"/>
+          <p:cNvSpPr>
+            <a:spLocks noGrp="1"/>
+          </p:cNvSpPr>
+          <p:nvPr>
+            <p:ph type="title"/>
+          </p:nvPr>
+        </p:nvSpPr>
+        <p:spPr/>
+        <p:txBody>
+          <a:bodyPr/>
+          <a:lstStyle/>
+          <a:p>
+            <a:r>
+              <a:rPr lang="en-US" dirty="0" smtClean="0"/>
+              <a:t>Thanh you!</a:t>
+            </a:r>
+            <a:endParaRPr lang="en-US" dirty="0"/>
+          </a:p>
+        </p:txBody>
+      </p:sp>
+      <p:pic>
+        <p:nvPicPr>
+          <p:cNvPr id="4" name="Picture 2" descr="Káº¿t quáº£ hÃ¬nh áº£nh cho Q &amp; A"/>
+          <p:cNvPicPr>
+            <a:picLocks noGrp="1" noChangeAspect="1" noChangeArrowheads="1"/>
+          </p:cNvPicPr>
+          <p:nvPr>
+            <p:ph idx="1"/>
+          </p:nvPr>
+        </p:nvPicPr>
+        <p:blipFill>
+          <a:blip r:embed="rId2">
+            <a:extLst>
+              <a:ext uri="{28A0092B-C50C-407E-A947-70E740481C1C}">
+                <a14:useLocalDpi xmlns:a14="http://schemas.microsoft.com/office/drawing/2010/main" val="0"/>
+              </a:ext>
+            </a:extLst>
+          </a:blip>
+          <a:srcRect/>
+          <a:stretch>
+            <a:fillRect/>
+          </a:stretch>
+        </p:blipFill>
+        <p:spPr bwMode="auto">
+          <a:xfrm>
+            <a:off x="1714500" y="2463006"/>
+            <a:ext cx="5715000" cy="2800350"/>
+          </a:xfrm>
+          <a:prstGeom prst="rect">
+            <a:avLst/>
+          </a:prstGeom>
+          <a:noFill/>
+          <a:extLst>
+            <a:ext uri="{909E8E84-426E-40DD-AFC4-6F175D3DCCD1}">
+              <a14:hiddenFill xmlns:a14="http://schemas.microsoft.com/office/drawing/2010/main">
+                <a:solidFill>
+                  <a:srgbClr val="FFFFFF"/>
+                </a:solidFill>
+              </a14:hiddenFill>
+            </a:ext>
+          </a:extLst>
+        </p:spPr>
+      </p:pic>
+    </p:spTree>
+    <p:extLst>
+      <p:ext uri="{BB962C8B-B14F-4D97-AF65-F5344CB8AC3E}">
+        <p14:creationId xmlns:p14="http://schemas.microsoft.com/office/powerpoint/2010/main" val="1817811540"/>
+      </p:ext>
+    </p:extLst>
+  </p:cSld>
+  <p:clrMapOvr>
+    <a:masterClrMapping/>
+  </p:clrMapOvr>
+</p:sld>
+</file>
+
+<file path=ppt/slides/slide2.xml><?xml version="1.0" encoding="utf-8"?>
+<p:sld xmlns:a="http://schemas.openxmlformats.org/drawingml/2006/main" xmlns:r="http://schemas.openxmlformats.org/officeDocument/2006/relationships" xmlns:p="http://schemas.openxmlformats.org/presentationml/2006/main">
+  <p:cSld>
+    <p:spTree>
+      <p:nvGrpSpPr>
+        <p:cNvPr id="1" name=""/>
+        <p:cNvGrpSpPr/>
+        <p:nvPr/>
+      </p:nvGrpSpPr>
+      <p:grpSpPr>
+        <a:xfrm>
+          <a:off x="0" y="0"/>
+          <a:ext cx="0" cy="0"/>
+          <a:chOff x="0" y="0"/>
+          <a:chExt cx="0" cy="0"/>
+        </a:xfrm>
+      </p:grpSpPr>
+      <p:sp>
+        <p:nvSpPr>
+          <p:cNvPr id="2" name="Title 1"/>
+          <p:cNvSpPr>
+            <a:spLocks noGrp="1"/>
+          </p:cNvSpPr>
+          <p:nvPr>
+            <p:ph type="title"/>
+          </p:nvPr>
+        </p:nvSpPr>
+        <p:spPr/>
+        <p:txBody>
+          <a:bodyPr/>
+          <a:lstStyle/>
+          <a:p>
+            <a:r>
+              <a:rPr lang="en-US" dirty="0" smtClean="0"/>
+              <a:t>HTML </a:t>
+            </a:r>
+            <a:r>
+              <a:rPr lang="en-US" dirty="0" err="1" smtClean="0"/>
+              <a:t>là</a:t>
+            </a:r>
+            <a:r>
+              <a:rPr lang="en-US" dirty="0" smtClean="0"/>
+              <a:t> </a:t>
+            </a:r>
+            <a:r>
+              <a:rPr lang="en-US" dirty="0" err="1" smtClean="0"/>
+              <a:t>gì</a:t>
+            </a:r>
+            <a:endParaRPr lang="en-US" dirty="0"/>
+          </a:p>
+        </p:txBody>
+      </p:sp>
+      <p:sp>
+        <p:nvSpPr>
+          <p:cNvPr id="3" name="Content Placeholder 2"/>
+          <p:cNvSpPr>
+            <a:spLocks noGrp="1"/>
+          </p:cNvSpPr>
+          <p:nvPr>
+            <p:ph idx="1"/>
+          </p:nvPr>
+        </p:nvSpPr>
+        <p:spPr/>
+        <p:txBody>
+          <a:bodyPr/>
+          <a:lstStyle/>
+          <a:p>
+            <a:r>
+              <a:rPr lang="en-US" b="1" dirty="0" err="1"/>
+              <a:t>H</a:t>
+            </a:r>
+            <a:r>
+              <a:rPr lang="en-US" dirty="0" err="1"/>
+              <a:t>yper</a:t>
+            </a:r>
+            <a:r>
+              <a:rPr lang="en-US" b="1" dirty="0" err="1"/>
+              <a:t>T</a:t>
+            </a:r>
+            <a:r>
+              <a:rPr lang="en-US" dirty="0" err="1"/>
+              <a:t>ext</a:t>
+            </a:r>
+            <a:r>
+              <a:rPr lang="en-US" dirty="0"/>
+              <a:t> </a:t>
+            </a:r>
+            <a:r>
+              <a:rPr lang="en-US" b="1" dirty="0"/>
+              <a:t>M</a:t>
+            </a:r>
+            <a:r>
+              <a:rPr lang="en-US" dirty="0"/>
+              <a:t>arkup </a:t>
+            </a:r>
+            <a:r>
+              <a:rPr lang="en-US" b="1" dirty="0" smtClean="0"/>
+              <a:t>L</a:t>
+            </a:r>
+            <a:r>
+              <a:rPr lang="en-US" dirty="0" smtClean="0"/>
+              <a:t>anguage – </a:t>
+            </a:r>
+            <a:r>
+              <a:rPr lang="en-US" dirty="0" err="1" smtClean="0"/>
+              <a:t>Ngôn</a:t>
+            </a:r>
+            <a:r>
+              <a:rPr lang="en-US" dirty="0" smtClean="0"/>
+              <a:t> </a:t>
+            </a:r>
+            <a:r>
+              <a:rPr lang="en-US" dirty="0" err="1" smtClean="0"/>
+              <a:t>ngữ</a:t>
+            </a:r>
+            <a:r>
+              <a:rPr lang="en-US" dirty="0" smtClean="0"/>
+              <a:t> </a:t>
+            </a:r>
+            <a:r>
+              <a:rPr lang="en-US" dirty="0" err="1" smtClean="0"/>
+              <a:t>đánh</a:t>
+            </a:r>
+            <a:r>
+              <a:rPr lang="en-US" dirty="0" smtClean="0"/>
+              <a:t> </a:t>
+            </a:r>
+            <a:r>
+              <a:rPr lang="en-US" dirty="0" err="1" smtClean="0"/>
+              <a:t>dấu</a:t>
+            </a:r>
+            <a:r>
+              <a:rPr lang="en-US" dirty="0" smtClean="0"/>
+              <a:t> </a:t>
+            </a:r>
+            <a:r>
+              <a:rPr lang="en-US" dirty="0" err="1" smtClean="0"/>
+              <a:t>siêu</a:t>
+            </a:r>
+            <a:r>
+              <a:rPr lang="en-US" dirty="0" smtClean="0"/>
+              <a:t> </a:t>
+            </a:r>
+            <a:r>
+              <a:rPr lang="en-US" dirty="0" err="1" smtClean="0"/>
+              <a:t>văn</a:t>
+            </a:r>
+            <a:r>
+              <a:rPr lang="en-US" dirty="0" smtClean="0"/>
+              <a:t> </a:t>
+            </a:r>
+            <a:r>
+              <a:rPr lang="en-US" dirty="0" err="1" smtClean="0"/>
+              <a:t>bản</a:t>
+            </a:r>
+            <a:endParaRPr lang="en-US" dirty="0" smtClean="0"/>
+          </a:p>
+          <a:p>
+            <a:r>
+              <a:rPr lang="en-US" dirty="0" err="1" smtClean="0"/>
+              <a:t>Dùng</a:t>
+            </a:r>
+            <a:r>
+              <a:rPr lang="en-US" dirty="0" smtClean="0"/>
+              <a:t> </a:t>
+            </a:r>
+            <a:r>
+              <a:rPr lang="en-US" dirty="0" err="1" smtClean="0"/>
+              <a:t>để</a:t>
+            </a:r>
+            <a:r>
+              <a:rPr lang="en-US" dirty="0" smtClean="0"/>
+              <a:t> </a:t>
+            </a:r>
+            <a:r>
+              <a:rPr lang="en-US" dirty="0" err="1" smtClean="0"/>
+              <a:t>tạo</a:t>
+            </a:r>
+            <a:r>
+              <a:rPr lang="en-US" dirty="0" smtClean="0"/>
+              <a:t> </a:t>
+            </a:r>
+            <a:r>
+              <a:rPr lang="en-US" dirty="0" err="1" smtClean="0"/>
+              <a:t>ra</a:t>
+            </a:r>
+            <a:r>
+              <a:rPr lang="en-US" dirty="0" smtClean="0"/>
+              <a:t> web</a:t>
+            </a:r>
+          </a:p>
+          <a:p>
+            <a:r>
+              <a:rPr lang="vi-VN" dirty="0" smtClean="0"/>
+              <a:t>HTML </a:t>
+            </a:r>
+            <a:r>
+              <a:rPr lang="en-US" dirty="0" err="1" smtClean="0"/>
+              <a:t>tạo</a:t>
+            </a:r>
+            <a:r>
+              <a:rPr lang="en-US" dirty="0" smtClean="0"/>
+              <a:t> </a:t>
+            </a:r>
+            <a:r>
+              <a:rPr lang="en-US" dirty="0" err="1" smtClean="0"/>
+              <a:t>bởi</a:t>
+            </a:r>
+            <a:r>
+              <a:rPr lang="vi-VN" dirty="0"/>
+              <a:t> </a:t>
+            </a:r>
+            <a:r>
+              <a:rPr lang="vi-VN" dirty="0" smtClean="0"/>
+              <a:t>Tim Berners-Lee</a:t>
+            </a:r>
+            <a:endParaRPr lang="en-US" dirty="0" smtClean="0"/>
+          </a:p>
+          <a:p>
+            <a:r>
+              <a:rPr lang="en-US" dirty="0" smtClean="0"/>
+              <a:t>HTML CSS </a:t>
+            </a:r>
+            <a:r>
+              <a:rPr lang="en-US" dirty="0" err="1" smtClean="0"/>
+              <a:t>và</a:t>
+            </a:r>
+            <a:r>
+              <a:rPr lang="en-US" dirty="0" smtClean="0"/>
+              <a:t> JavaScript </a:t>
+            </a:r>
+            <a:r>
+              <a:rPr lang="en-US" dirty="0" err="1" smtClean="0"/>
+              <a:t>là</a:t>
+            </a:r>
+            <a:r>
+              <a:rPr lang="en-US" dirty="0" smtClean="0"/>
+              <a:t> </a:t>
+            </a:r>
+            <a:r>
+              <a:rPr lang="en-US" dirty="0" err="1" smtClean="0"/>
+              <a:t>bộ</a:t>
+            </a:r>
+            <a:r>
+              <a:rPr lang="en-US" dirty="0" smtClean="0"/>
+              <a:t> </a:t>
+            </a:r>
+            <a:r>
+              <a:rPr lang="en-US" dirty="0" err="1" smtClean="0"/>
+              <a:t>ba</a:t>
+            </a:r>
+            <a:r>
+              <a:rPr lang="en-US" dirty="0" smtClean="0"/>
+              <a:t> </a:t>
+            </a:r>
+            <a:r>
+              <a:rPr lang="en-US" dirty="0" err="1" smtClean="0"/>
+              <a:t>nên</a:t>
+            </a:r>
+            <a:r>
+              <a:rPr lang="en-US" dirty="0" smtClean="0"/>
+              <a:t> </a:t>
+            </a:r>
+            <a:r>
+              <a:rPr lang="en-US" dirty="0" err="1" smtClean="0"/>
+              <a:t>tảng</a:t>
+            </a:r>
+            <a:r>
+              <a:rPr lang="en-US" dirty="0" smtClean="0"/>
+              <a:t> </a:t>
+            </a:r>
+            <a:r>
+              <a:rPr lang="en-US" dirty="0" err="1" smtClean="0"/>
+              <a:t>kĩ</a:t>
+            </a:r>
+            <a:r>
+              <a:rPr lang="en-US" dirty="0" smtClean="0"/>
+              <a:t> </a:t>
+            </a:r>
+            <a:r>
+              <a:rPr lang="en-US" dirty="0" err="1" smtClean="0"/>
+              <a:t>thuật</a:t>
+            </a:r>
+            <a:r>
+              <a:rPr lang="en-US" dirty="0" smtClean="0"/>
+              <a:t> </a:t>
+            </a:r>
+            <a:r>
+              <a:rPr lang="en-US" dirty="0" err="1" smtClean="0"/>
+              <a:t>cho</a:t>
+            </a:r>
+            <a:r>
+              <a:rPr lang="en-US" dirty="0" smtClean="0"/>
+              <a:t> WWW</a:t>
+            </a:r>
+          </a:p>
+          <a:p>
+            <a:r>
+              <a:rPr lang="en-US" dirty="0" err="1" smtClean="0"/>
+              <a:t>Phiên</a:t>
+            </a:r>
+            <a:r>
+              <a:rPr lang="en-US" dirty="0" smtClean="0"/>
+              <a:t> </a:t>
+            </a:r>
+            <a:r>
+              <a:rPr lang="en-US" dirty="0" err="1" smtClean="0"/>
+              <a:t>bản</a:t>
+            </a:r>
+            <a:r>
+              <a:rPr lang="en-US" dirty="0" smtClean="0"/>
+              <a:t> </a:t>
+            </a:r>
+            <a:r>
+              <a:rPr lang="en-US" dirty="0" err="1" smtClean="0"/>
+              <a:t>chính</a:t>
+            </a:r>
+            <a:r>
+              <a:rPr lang="en-US" dirty="0" smtClean="0"/>
+              <a:t> </a:t>
+            </a:r>
+            <a:r>
+              <a:rPr lang="en-US" dirty="0" err="1" smtClean="0"/>
+              <a:t>thức</a:t>
+            </a:r>
+            <a:r>
+              <a:rPr lang="en-US" dirty="0" smtClean="0"/>
+              <a:t> </a:t>
+            </a:r>
+            <a:r>
+              <a:rPr lang="en-US" dirty="0" err="1" smtClean="0"/>
+              <a:t>hiện</a:t>
+            </a:r>
+            <a:r>
+              <a:rPr lang="en-US" dirty="0" smtClean="0"/>
+              <a:t> </a:t>
+            </a:r>
+            <a:r>
+              <a:rPr lang="en-US" dirty="0" err="1" smtClean="0"/>
+              <a:t>tại</a:t>
+            </a:r>
+            <a:r>
+              <a:rPr lang="en-US" dirty="0" smtClean="0"/>
+              <a:t> HTML5</a:t>
+            </a:r>
+          </a:p>
+        </p:txBody>
+      </p:sp>
+    </p:spTree>
+    <p:extLst>
+      <p:ext uri="{BB962C8B-B14F-4D97-AF65-F5344CB8AC3E}">
+        <p14:creationId xmlns:p14="http://schemas.microsoft.com/office/powerpoint/2010/main" val="1546713306"/>
+      </p:ext>
+    </p:extLst>
+  </p:cSld>
+  <p:clrMapOvr>
+    <a:masterClrMapping/>
+  </p:clrMapOvr>
+  <p:timing>
+    <p:tnLst>
+      <p:par>
+        <p:cTn id="1" dur="indefinite" restart="never" nodeType="tmRoot"/>
+      </p:par>
+    </p:tnLst>
+  </p:timing>
+</p:sld>
+</file>
+
+<file path=ppt/slides/slide3.xml><?xml version="1.0" encoding="utf-8"?>
+<p:sld xmlns:a="http://schemas.openxmlformats.org/drawingml/2006/main" xmlns:r="http://schemas.openxmlformats.org/officeDocument/2006/relationships" xmlns:p="http://schemas.openxmlformats.org/presentationml/2006/main">
+  <p:cSld>
+    <p:spTree>
+      <p:nvGrpSpPr>
+        <p:cNvPr id="1" name=""/>
+        <p:cNvGrpSpPr/>
+        <p:nvPr/>
+      </p:nvGrpSpPr>
+      <p:grpSpPr>
+        <a:xfrm>
+          <a:off x="0" y="0"/>
+          <a:ext cx="0" cy="0"/>
+          <a:chOff x="0" y="0"/>
+          <a:chExt cx="0" cy="0"/>
+        </a:xfrm>
+      </p:grpSpPr>
+      <p:sp>
+        <p:nvSpPr>
+          <p:cNvPr id="2" name="Title 1"/>
+          <p:cNvSpPr>
+            <a:spLocks noGrp="1"/>
+          </p:cNvSpPr>
+          <p:nvPr>
+            <p:ph type="title"/>
+          </p:nvPr>
+        </p:nvSpPr>
+        <p:spPr/>
+        <p:txBody>
+          <a:bodyPr/>
+          <a:lstStyle/>
+          <a:p>
+            <a:r>
+              <a:rPr lang="en-US" dirty="0" err="1" smtClean="0"/>
+              <a:t>Ví</a:t>
+            </a:r>
+            <a:r>
+              <a:rPr lang="en-US" dirty="0" smtClean="0"/>
+              <a:t> </a:t>
+            </a:r>
+            <a:r>
+              <a:rPr lang="en-US" dirty="0" err="1" smtClean="0"/>
+              <a:t>dụ</a:t>
+            </a:r>
+            <a:r>
+              <a:rPr lang="en-US" dirty="0" smtClean="0"/>
+              <a:t> HTML</a:t>
+            </a:r>
+            <a:endParaRPr lang="en-US" dirty="0"/>
+          </a:p>
+        </p:txBody>
+      </p:sp>
+      <p:pic>
+        <p:nvPicPr>
+          <p:cNvPr id="4" name="Content Placeholder 3"/>
+          <p:cNvPicPr>
+            <a:picLocks noGrp="1"/>
+          </p:cNvPicPr>
+          <p:nvPr>
+            <p:ph idx="1"/>
+          </p:nvPr>
+        </p:nvPicPr>
+        <p:blipFill>
+          <a:blip r:embed="rId2"/>
+          <a:stretch>
+            <a:fillRect/>
+          </a:stretch>
+        </p:blipFill>
+        <p:spPr>
+          <a:xfrm>
+            <a:off x="1981200" y="1447800"/>
+            <a:ext cx="5105400" cy="3505200"/>
+          </a:xfrm>
+          <a:prstGeom prst="rect">
+            <a:avLst/>
+          </a:prstGeom>
+        </p:spPr>
+      </p:pic>
+      <p:sp>
+        <p:nvSpPr>
+          <p:cNvPr id="5" name="TextBox 4"/>
+          <p:cNvSpPr txBox="1"/>
+          <p:nvPr/>
+        </p:nvSpPr>
+        <p:spPr>
+          <a:xfrm>
+            <a:off x="2438400" y="5345668"/>
+            <a:ext cx="3620158" cy="369332"/>
+          </a:xfrm>
+          <a:prstGeom prst="rect">
+            <a:avLst/>
+          </a:prstGeom>
+          <a:noFill/>
+        </p:spPr>
+        <p:txBody>
+          <a:bodyPr wrap="none" rtlCol="0">
+            <a:spAutoFit/>
+          </a:bodyPr>
+          <a:lstStyle/>
+          <a:p>
+            <a:r>
+              <a:rPr lang="en-US" dirty="0" smtClean="0"/>
+              <a:t>File HTML </a:t>
+            </a:r>
+            <a:r>
+              <a:rPr lang="en-US" dirty="0" err="1" smtClean="0"/>
+              <a:t>có</a:t>
+            </a:r>
+            <a:r>
+              <a:rPr lang="en-US" dirty="0" smtClean="0"/>
+              <a:t> </a:t>
+            </a:r>
+            <a:r>
+              <a:rPr lang="en-US" dirty="0" err="1" smtClean="0"/>
+              <a:t>đuôi</a:t>
+            </a:r>
+            <a:r>
+              <a:rPr lang="en-US" dirty="0" smtClean="0"/>
+              <a:t> </a:t>
+            </a:r>
+            <a:r>
+              <a:rPr lang="en-US" dirty="0" err="1" smtClean="0"/>
+              <a:t>là</a:t>
+            </a:r>
+            <a:r>
+              <a:rPr lang="en-US" dirty="0" smtClean="0"/>
+              <a:t> .html </a:t>
+            </a:r>
+            <a:r>
+              <a:rPr lang="en-US" dirty="0" err="1" smtClean="0"/>
+              <a:t>hoặc</a:t>
+            </a:r>
+            <a:r>
+              <a:rPr lang="en-US" dirty="0" smtClean="0"/>
+              <a:t> .</a:t>
+            </a:r>
+            <a:r>
+              <a:rPr lang="en-US" dirty="0" err="1" smtClean="0"/>
+              <a:t>htm</a:t>
+            </a:r>
+            <a:endParaRPr lang="en-US" dirty="0"/>
+          </a:p>
+        </p:txBody>
+      </p:sp>
+    </p:spTree>
+    <p:extLst>
+      <p:ext uri="{BB962C8B-B14F-4D97-AF65-F5344CB8AC3E}">
+        <p14:creationId xmlns:p14="http://schemas.microsoft.com/office/powerpoint/2010/main" val="499884556"/>
+      </p:ext>
+    </p:extLst>
+  </p:cSld>
+  <p:clrMapOvr>
+    <a:masterClrMapping/>
+  </p:clrMapOvr>
+  <p:timing>
+    <p:tnLst>
+      <p:par>
+        <p:cTn id="1" dur="indefinite" restart="never" nodeType="tmRoot"/>
+      </p:par>
+    </p:tnLst>
+  </p:timing>
+</p:sld>
+</file>
+
+<file path=ppt/slides/slide4.xml><?xml version="1.0" encoding="utf-8"?>
+<p:sld xmlns:a="http://schemas.openxmlformats.org/drawingml/2006/main" xmlns:r="http://schemas.openxmlformats.org/officeDocument/2006/relationships" xmlns:p="http://schemas.openxmlformats.org/presentationml/2006/main">
+  <p:cSld>
+    <p:spTree>
+      <p:nvGrpSpPr>
+        <p:cNvPr id="1" name=""/>
+        <p:cNvGrpSpPr/>
+        <p:nvPr/>
+      </p:nvGrpSpPr>
+      <p:grpSpPr>
+        <a:xfrm>
+          <a:off x="0" y="0"/>
+          <a:ext cx="0" cy="0"/>
+          <a:chOff x="0" y="0"/>
+          <a:chExt cx="0" cy="0"/>
+        </a:xfrm>
+      </p:grpSpPr>
+      <p:sp>
+        <p:nvSpPr>
+          <p:cNvPr id="2" name="Title 1"/>
+          <p:cNvSpPr>
+            <a:spLocks noGrp="1"/>
+          </p:cNvSpPr>
+          <p:nvPr>
+            <p:ph type="title"/>
+          </p:nvPr>
+        </p:nvSpPr>
+        <p:spPr/>
+        <p:txBody>
+          <a:bodyPr/>
+          <a:lstStyle/>
+          <a:p>
+            <a:r>
+              <a:rPr lang="en-US" dirty="0" err="1" smtClean="0"/>
+              <a:t>Phần</a:t>
+            </a:r>
+            <a:r>
+              <a:rPr lang="en-US" dirty="0" smtClean="0"/>
+              <a:t> </a:t>
+            </a:r>
+            <a:r>
+              <a:rPr lang="en-US" dirty="0" err="1" smtClean="0"/>
+              <a:t>chính</a:t>
+            </a:r>
+            <a:r>
+              <a:rPr lang="en-US" dirty="0" smtClean="0"/>
+              <a:t> </a:t>
+            </a:r>
+            <a:r>
+              <a:rPr lang="en-US" dirty="0" err="1" smtClean="0"/>
+              <a:t>của</a:t>
+            </a:r>
+            <a:r>
+              <a:rPr lang="en-US" dirty="0" smtClean="0"/>
+              <a:t> </a:t>
+            </a:r>
+            <a:r>
+              <a:rPr lang="en-US" dirty="0" err="1" smtClean="0"/>
+              <a:t>trang</a:t>
+            </a:r>
+            <a:r>
+              <a:rPr lang="en-US" dirty="0" smtClean="0"/>
+              <a:t> HTML</a:t>
+            </a:r>
+            <a:endParaRPr lang="en-US" dirty="0"/>
+          </a:p>
+        </p:txBody>
+      </p:sp>
+      <p:sp>
+        <p:nvSpPr>
+          <p:cNvPr id="3" name="Content Placeholder 2"/>
+          <p:cNvSpPr>
+            <a:spLocks noGrp="1"/>
+          </p:cNvSpPr>
+          <p:nvPr>
+            <p:ph idx="1"/>
+          </p:nvPr>
+        </p:nvSpPr>
+        <p:spPr/>
+        <p:txBody>
+          <a:bodyPr>
+            <a:normAutofit/>
+          </a:bodyPr>
+          <a:lstStyle/>
+          <a:p>
+            <a:r>
+              <a:rPr lang="en-US" dirty="0" err="1" smtClean="0"/>
+              <a:t>Phần</a:t>
+            </a:r>
+            <a:r>
+              <a:rPr lang="en-US" dirty="0" smtClean="0"/>
+              <a:t> &lt;head&gt;&lt;/head&gt;</a:t>
+            </a:r>
+          </a:p>
+          <a:p>
+            <a:pPr lvl="1"/>
+            <a:r>
+              <a:rPr lang="en-US" sz="3200" dirty="0" err="1" smtClean="0"/>
+              <a:t>Chứa</a:t>
+            </a:r>
+            <a:r>
+              <a:rPr lang="en-US" sz="3200" dirty="0" smtClean="0"/>
+              <a:t> </a:t>
+            </a:r>
+            <a:r>
+              <a:rPr lang="en-US" sz="3200" dirty="0" err="1" smtClean="0"/>
+              <a:t>các</a:t>
+            </a:r>
+            <a:r>
+              <a:rPr lang="en-US" sz="3200" dirty="0" smtClean="0"/>
+              <a:t> </a:t>
+            </a:r>
+            <a:r>
+              <a:rPr lang="en-US" sz="3200" dirty="0" err="1" smtClean="0"/>
+              <a:t>mô</a:t>
+            </a:r>
+            <a:r>
+              <a:rPr lang="en-US" sz="3200" dirty="0" smtClean="0"/>
+              <a:t> </a:t>
+            </a:r>
+            <a:r>
+              <a:rPr lang="en-US" sz="3200" dirty="0" err="1" smtClean="0"/>
+              <a:t>tả</a:t>
+            </a:r>
+            <a:r>
+              <a:rPr lang="en-US" sz="3200" dirty="0" smtClean="0"/>
+              <a:t> </a:t>
+            </a:r>
+            <a:r>
+              <a:rPr lang="en-US" sz="3200" dirty="0" err="1" smtClean="0"/>
+              <a:t>cho</a:t>
+            </a:r>
+            <a:r>
+              <a:rPr lang="en-US" sz="3200" dirty="0" smtClean="0"/>
+              <a:t> </a:t>
+            </a:r>
+            <a:r>
+              <a:rPr lang="en-US" sz="3200" dirty="0" err="1" smtClean="0"/>
+              <a:t>trang</a:t>
+            </a:r>
+            <a:endParaRPr lang="en-US" sz="3200" dirty="0" smtClean="0"/>
+          </a:p>
+          <a:p>
+            <a:r>
+              <a:rPr lang="en-US" dirty="0" err="1" smtClean="0"/>
+              <a:t>Phần</a:t>
+            </a:r>
+            <a:r>
+              <a:rPr lang="en-US" dirty="0" smtClean="0"/>
+              <a:t> &lt;body&gt;&lt;/body&gt;</a:t>
+            </a:r>
+          </a:p>
+          <a:p>
+            <a:pPr lvl="1"/>
+            <a:r>
+              <a:rPr lang="en-US" sz="3200" dirty="0" err="1" smtClean="0"/>
+              <a:t>Chứa</a:t>
+            </a:r>
+            <a:r>
+              <a:rPr lang="en-US" sz="3200" dirty="0" smtClean="0"/>
+              <a:t> </a:t>
+            </a:r>
+            <a:r>
+              <a:rPr lang="en-US" sz="3200" dirty="0" err="1" smtClean="0"/>
+              <a:t>nội</a:t>
+            </a:r>
+            <a:r>
+              <a:rPr lang="en-US" sz="3200" dirty="0" smtClean="0"/>
+              <a:t> dung </a:t>
+            </a:r>
+            <a:r>
+              <a:rPr lang="en-US" sz="3200" dirty="0" err="1" smtClean="0"/>
+              <a:t>trang</a:t>
+            </a:r>
+            <a:r>
+              <a:rPr lang="en-US" sz="3200" dirty="0" smtClean="0"/>
+              <a:t> web</a:t>
+            </a:r>
+          </a:p>
+        </p:txBody>
+      </p:sp>
+    </p:spTree>
+    <p:extLst>
+      <p:ext uri="{BB962C8B-B14F-4D97-AF65-F5344CB8AC3E}">
+        <p14:creationId xmlns:p14="http://schemas.microsoft.com/office/powerpoint/2010/main" val="3231930098"/>
+      </p:ext>
+    </p:extLst>
+  </p:cSld>
+  <p:clrMapOvr>
+    <a:masterClrMapping/>
+  </p:clrMapOvr>
+  <p:timing>
+    <p:tnLst>
+      <p:par>
+        <p:cTn id="1" dur="indefinite" restart="never" nodeType="tmRoot"/>
+      </p:par>
+    </p:tnLst>
+  </p:timing>
+</p:sld>
+</file>
+
+<file path=ppt/slides/slide5.xml><?xml version="1.0" encoding="utf-8"?>
+<p:sld xmlns:a="http://schemas.openxmlformats.org/drawingml/2006/main" xmlns:r="http://schemas.openxmlformats.org/officeDocument/2006/relationships" xmlns:p="http://schemas.openxmlformats.org/presentationml/2006/main">
+  <p:cSld>
+    <p:spTree>
+      <p:nvGrpSpPr>
+        <p:cNvPr id="1" name=""/>
+        <p:cNvGrpSpPr/>
+        <p:nvPr/>
+      </p:nvGrpSpPr>
+      <p:grpSpPr>
+        <a:xfrm>
+          <a:off x="0" y="0"/>
+          <a:ext cx="0" cy="0"/>
+          <a:chOff x="0" y="0"/>
+          <a:chExt cx="0" cy="0"/>
+        </a:xfrm>
+      </p:grpSpPr>
+      <p:sp>
+        <p:nvSpPr>
+          <p:cNvPr id="2" name="Title 1"/>
+          <p:cNvSpPr>
+            <a:spLocks noGrp="1"/>
+          </p:cNvSpPr>
+          <p:nvPr>
+            <p:ph type="title"/>
+          </p:nvPr>
+        </p:nvSpPr>
+        <p:spPr/>
+        <p:txBody>
+          <a:bodyPr/>
+          <a:lstStyle/>
+          <a:p>
+            <a:r>
+              <a:rPr lang="en-US" dirty="0" smtClean="0"/>
+              <a:t>Tag HTML</a:t>
+            </a:r>
+            <a:endParaRPr lang="en-US" dirty="0"/>
+          </a:p>
+        </p:txBody>
+      </p:sp>
+      <p:sp>
+        <p:nvSpPr>
+          <p:cNvPr id="3" name="Content Placeholder 2"/>
+          <p:cNvSpPr>
+            <a:spLocks noGrp="1"/>
+          </p:cNvSpPr>
+          <p:nvPr>
+            <p:ph idx="1"/>
+          </p:nvPr>
+        </p:nvSpPr>
+        <p:spPr/>
+        <p:txBody>
+          <a:bodyPr/>
+          <a:lstStyle/>
+          <a:p>
+            <a:r>
+              <a:rPr lang="en-US" dirty="0" err="1"/>
+              <a:t>Có</a:t>
+            </a:r>
+            <a:r>
+              <a:rPr lang="en-US" dirty="0"/>
+              <a:t> </a:t>
+            </a:r>
+            <a:r>
+              <a:rPr lang="en-US" dirty="0" err="1" smtClean="0"/>
+              <a:t>trên</a:t>
+            </a:r>
+            <a:r>
+              <a:rPr lang="en-US" dirty="0" smtClean="0"/>
+              <a:t> 120 </a:t>
+            </a:r>
+            <a:r>
+              <a:rPr lang="en-US" dirty="0" err="1" smtClean="0"/>
+              <a:t>thẻ</a:t>
+            </a:r>
+            <a:r>
+              <a:rPr lang="en-US" dirty="0" smtClean="0"/>
+              <a:t> </a:t>
+            </a:r>
+            <a:r>
+              <a:rPr lang="en-US" dirty="0"/>
+              <a:t>HTML</a:t>
+            </a:r>
+            <a:endParaRPr lang="en-US" dirty="0" smtClean="0"/>
+          </a:p>
+          <a:p>
+            <a:r>
+              <a:rPr lang="en-US" dirty="0" err="1" smtClean="0"/>
+              <a:t>Phân</a:t>
+            </a:r>
+            <a:r>
+              <a:rPr lang="en-US" dirty="0" smtClean="0"/>
+              <a:t> </a:t>
+            </a:r>
+            <a:r>
+              <a:rPr lang="en-US" dirty="0" err="1" smtClean="0"/>
+              <a:t>loại</a:t>
+            </a:r>
+            <a:r>
+              <a:rPr lang="en-US" dirty="0" smtClean="0"/>
+              <a:t> </a:t>
+            </a:r>
+            <a:r>
+              <a:rPr lang="en-US" dirty="0" err="1" smtClean="0"/>
+              <a:t>theo</a:t>
+            </a:r>
+            <a:r>
+              <a:rPr lang="en-US" dirty="0" smtClean="0"/>
+              <a:t> </a:t>
+            </a:r>
+            <a:r>
+              <a:rPr lang="en-US" dirty="0" err="1" smtClean="0"/>
+              <a:t>cấu</a:t>
+            </a:r>
+            <a:r>
+              <a:rPr lang="en-US" dirty="0" smtClean="0"/>
+              <a:t> </a:t>
+            </a:r>
+            <a:r>
+              <a:rPr lang="en-US" dirty="0" err="1" smtClean="0"/>
+              <a:t>trúc</a:t>
+            </a:r>
+            <a:endParaRPr lang="en-US" dirty="0" smtClean="0"/>
+          </a:p>
+          <a:p>
+            <a:pPr lvl="1"/>
+            <a:r>
+              <a:rPr lang="en-US" dirty="0" err="1" smtClean="0"/>
+              <a:t>Thẻ</a:t>
+            </a:r>
+            <a:r>
+              <a:rPr lang="en-US" dirty="0" smtClean="0"/>
+              <a:t> </a:t>
+            </a:r>
+            <a:r>
+              <a:rPr lang="en-US" dirty="0" err="1" smtClean="0"/>
+              <a:t>đóng</a:t>
+            </a:r>
+            <a:r>
+              <a:rPr lang="en-US" dirty="0" smtClean="0"/>
+              <a:t> </a:t>
+            </a:r>
+            <a:r>
+              <a:rPr lang="en-US" dirty="0" err="1" smtClean="0"/>
+              <a:t>mở</a:t>
+            </a:r>
+            <a:r>
+              <a:rPr lang="en-US" dirty="0" smtClean="0"/>
+              <a:t>: &lt;head&gt;&lt;/head&gt;, etc..</a:t>
+            </a:r>
+          </a:p>
+          <a:p>
+            <a:pPr lvl="1"/>
+            <a:r>
+              <a:rPr lang="en-US" dirty="0" err="1" smtClean="0"/>
+              <a:t>Không</a:t>
+            </a:r>
+            <a:r>
+              <a:rPr lang="en-US" dirty="0" smtClean="0"/>
+              <a:t> </a:t>
+            </a:r>
+            <a:r>
+              <a:rPr lang="en-US" dirty="0" err="1" smtClean="0"/>
+              <a:t>có</a:t>
+            </a:r>
+            <a:r>
+              <a:rPr lang="en-US" dirty="0" smtClean="0"/>
+              <a:t> </a:t>
+            </a:r>
+            <a:r>
+              <a:rPr lang="en-US" dirty="0" err="1" smtClean="0"/>
+              <a:t>thẻ</a:t>
+            </a:r>
+            <a:r>
+              <a:rPr lang="en-US" dirty="0" smtClean="0"/>
+              <a:t> </a:t>
+            </a:r>
+            <a:r>
+              <a:rPr lang="en-US" dirty="0" err="1" smtClean="0"/>
+              <a:t>đóng</a:t>
+            </a:r>
+            <a:r>
+              <a:rPr lang="en-US" dirty="0" smtClean="0"/>
+              <a:t>: &lt;</a:t>
+            </a:r>
+            <a:r>
+              <a:rPr lang="en-US" dirty="0" err="1" smtClean="0"/>
+              <a:t>img</a:t>
+            </a:r>
+            <a:r>
+              <a:rPr lang="en-US" dirty="0" smtClean="0"/>
+              <a:t> ../&gt;</a:t>
+            </a:r>
+          </a:p>
+          <a:p>
+            <a:r>
+              <a:rPr lang="en-US" dirty="0" err="1" smtClean="0"/>
+              <a:t>Phân</a:t>
+            </a:r>
+            <a:r>
+              <a:rPr lang="en-US" dirty="0" smtClean="0"/>
+              <a:t> </a:t>
+            </a:r>
+            <a:r>
+              <a:rPr lang="en-US" dirty="0" err="1" smtClean="0"/>
+              <a:t>theo</a:t>
+            </a:r>
+            <a:r>
+              <a:rPr lang="en-US" dirty="0" smtClean="0"/>
+              <a:t> </a:t>
+            </a:r>
+            <a:r>
+              <a:rPr lang="en-US" dirty="0" err="1" smtClean="0"/>
+              <a:t>mục</a:t>
+            </a:r>
+            <a:r>
+              <a:rPr lang="en-US" dirty="0" smtClean="0"/>
+              <a:t> </a:t>
+            </a:r>
+            <a:r>
+              <a:rPr lang="en-US" dirty="0" err="1" smtClean="0"/>
+              <a:t>đích</a:t>
+            </a:r>
+            <a:r>
+              <a:rPr lang="en-US" dirty="0" smtClean="0"/>
+              <a:t> </a:t>
+            </a:r>
+            <a:r>
+              <a:rPr lang="en-US" dirty="0" err="1" smtClean="0"/>
+              <a:t>sử</a:t>
+            </a:r>
+            <a:r>
+              <a:rPr lang="en-US" dirty="0" smtClean="0"/>
+              <a:t> </a:t>
+            </a:r>
+            <a:r>
+              <a:rPr lang="en-US" dirty="0" err="1" smtClean="0"/>
+              <a:t>dụng</a:t>
+            </a:r>
+            <a:endParaRPr lang="en-US" dirty="0" smtClean="0"/>
+          </a:p>
+          <a:p>
+            <a:pPr lvl="1"/>
+            <a:r>
+              <a:rPr lang="en-US" dirty="0" err="1" smtClean="0"/>
+              <a:t>Thẻ</a:t>
+            </a:r>
+            <a:r>
+              <a:rPr lang="en-US" dirty="0" smtClean="0"/>
+              <a:t> link</a:t>
+            </a:r>
+            <a:r>
+              <a:rPr lang="vi-VN" dirty="0" smtClean="0"/>
+              <a:t>: a</a:t>
+            </a:r>
+            <a:endParaRPr lang="en-US" dirty="0" smtClean="0"/>
+          </a:p>
+          <a:p>
+            <a:pPr lvl="1"/>
+            <a:r>
+              <a:rPr lang="en-US" dirty="0" err="1" smtClean="0"/>
+              <a:t>Thẻ</a:t>
+            </a:r>
+            <a:r>
+              <a:rPr lang="en-US" dirty="0" smtClean="0"/>
+              <a:t> </a:t>
+            </a:r>
+            <a:r>
+              <a:rPr lang="en-US" dirty="0" err="1" smtClean="0"/>
+              <a:t>hiển</a:t>
+            </a:r>
+            <a:r>
+              <a:rPr lang="en-US" dirty="0" smtClean="0"/>
+              <a:t> </a:t>
+            </a:r>
+            <a:r>
+              <a:rPr lang="en-US" dirty="0" err="1" smtClean="0"/>
+              <a:t>thị</a:t>
+            </a:r>
+            <a:r>
+              <a:rPr lang="en-US" dirty="0" smtClean="0"/>
+              <a:t> </a:t>
+            </a:r>
+            <a:r>
+              <a:rPr lang="en-US" dirty="0" err="1" smtClean="0"/>
+              <a:t>văn</a:t>
+            </a:r>
+            <a:r>
+              <a:rPr lang="en-US" dirty="0" smtClean="0"/>
+              <a:t> </a:t>
+            </a:r>
+            <a:r>
+              <a:rPr lang="en-US" dirty="0" err="1" smtClean="0"/>
+              <a:t>bản</a:t>
+            </a:r>
+            <a:r>
+              <a:rPr lang="vi-VN" dirty="0" smtClean="0"/>
+              <a:t>: p</a:t>
+            </a:r>
+            <a:endParaRPr lang="en-US" dirty="0" smtClean="0"/>
+          </a:p>
+          <a:p>
+            <a:pPr lvl="1"/>
+            <a:r>
+              <a:rPr lang="en-US" dirty="0" err="1" smtClean="0"/>
+              <a:t>Thẻ</a:t>
+            </a:r>
+            <a:r>
+              <a:rPr lang="en-US" dirty="0" smtClean="0"/>
+              <a:t> </a:t>
+            </a:r>
+            <a:r>
+              <a:rPr lang="en-US" dirty="0" err="1" smtClean="0"/>
+              <a:t>ảnh</a:t>
+            </a:r>
+            <a:r>
+              <a:rPr lang="en-US" dirty="0" smtClean="0"/>
+              <a:t>, video…</a:t>
+            </a:r>
+            <a:r>
+              <a:rPr lang="vi-VN" smtClean="0"/>
+              <a:t>: audio, video, source</a:t>
+            </a:r>
+            <a:endParaRPr lang="en-US" dirty="0" smtClean="0"/>
+          </a:p>
+        </p:txBody>
+      </p:sp>
+    </p:spTree>
+    <p:extLst>
+      <p:ext uri="{BB962C8B-B14F-4D97-AF65-F5344CB8AC3E}">
+        <p14:creationId xmlns:p14="http://schemas.microsoft.com/office/powerpoint/2010/main" val="1593624179"/>
+      </p:ext>
+    </p:extLst>
+  </p:cSld>
+  <p:clrMapOvr>
+    <a:masterClrMapping/>
+  </p:clrMapOvr>
+  <p:timing>
+    <p:tnLst>
+      <p:par>
+        <p:cTn id="1" dur="indefinite" restart="never" nodeType="tmRoot"/>
+      </p:par>
+    </p:tnLst>
+  </p:timing>
+</p:sld>
+</file>
+
+<file path=ppt/slides/slide6.xml><?xml version="1.0" encoding="utf-8"?>
+<p:sld xmlns:a="http://schemas.openxmlformats.org/drawingml/2006/main" xmlns:r="http://schemas.openxmlformats.org/officeDocument/2006/relationships" xmlns:p="http://schemas.openxmlformats.org/presentationml/2006/main">
+  <p:cSld>
+    <p:spTree>
+      <p:nvGrpSpPr>
+        <p:cNvPr id="1" name=""/>
+        <p:cNvGrpSpPr/>
+        <p:nvPr/>
+      </p:nvGrpSpPr>
+      <p:grpSpPr>
+        <a:xfrm>
+          <a:off x="0" y="0"/>
+          <a:ext cx="0" cy="0"/>
+          <a:chOff x="0" y="0"/>
+          <a:chExt cx="0" cy="0"/>
+        </a:xfrm>
+      </p:grpSpPr>
+      <p:sp>
+        <p:nvSpPr>
+          <p:cNvPr id="2" name="Title 1"/>
+          <p:cNvSpPr>
+            <a:spLocks noGrp="1"/>
+          </p:cNvSpPr>
+          <p:nvPr>
+            <p:ph type="title"/>
+          </p:nvPr>
+        </p:nvSpPr>
+        <p:spPr/>
+        <p:txBody>
+          <a:bodyPr/>
+          <a:lstStyle/>
+          <a:p>
+            <a:r>
+              <a:rPr lang="en-US" dirty="0" err="1" smtClean="0"/>
+              <a:t>Ví</a:t>
+            </a:r>
+            <a:r>
+              <a:rPr lang="en-US" dirty="0" smtClean="0"/>
+              <a:t> </a:t>
+            </a:r>
+            <a:r>
+              <a:rPr lang="en-US" dirty="0" err="1" smtClean="0"/>
+              <a:t>dụ</a:t>
+            </a:r>
+            <a:r>
+              <a:rPr lang="en-US" dirty="0" smtClean="0"/>
+              <a:t> </a:t>
+            </a:r>
+            <a:r>
+              <a:rPr lang="en-US" dirty="0" err="1" smtClean="0"/>
+              <a:t>thực</a:t>
+            </a:r>
+            <a:r>
+              <a:rPr lang="en-US" dirty="0" smtClean="0"/>
+              <a:t> </a:t>
+            </a:r>
+            <a:r>
+              <a:rPr lang="en-US" dirty="0" err="1" smtClean="0"/>
+              <a:t>hành</a:t>
+            </a:r>
+            <a:endParaRPr lang="en-GB" dirty="0"/>
+          </a:p>
+        </p:txBody>
+      </p:sp>
+      <p:sp>
+        <p:nvSpPr>
+          <p:cNvPr id="3" name="Content Placeholder 2"/>
+          <p:cNvSpPr>
+            <a:spLocks noGrp="1"/>
+          </p:cNvSpPr>
+          <p:nvPr>
+            <p:ph idx="1"/>
+          </p:nvPr>
+        </p:nvSpPr>
+        <p:spPr/>
+        <p:txBody>
+          <a:bodyPr/>
+          <a:lstStyle/>
+          <a:p>
+            <a:r>
+              <a:rPr lang="en-US" dirty="0" err="1" smtClean="0"/>
+              <a:t>Thẻ</a:t>
+            </a:r>
+            <a:r>
+              <a:rPr lang="en-US" dirty="0" smtClean="0"/>
+              <a:t> link: a</a:t>
+            </a:r>
+          </a:p>
+          <a:p>
+            <a:r>
+              <a:rPr lang="en-US" dirty="0" err="1" smtClean="0"/>
+              <a:t>Thẻ</a:t>
+            </a:r>
+            <a:r>
+              <a:rPr lang="en-US" dirty="0" smtClean="0"/>
+              <a:t> </a:t>
+            </a:r>
+            <a:r>
+              <a:rPr lang="en-US" dirty="0" err="1" smtClean="0"/>
+              <a:t>cho</a:t>
+            </a:r>
+            <a:r>
+              <a:rPr lang="en-US" dirty="0" smtClean="0"/>
+              <a:t> </a:t>
+            </a:r>
+            <a:r>
+              <a:rPr lang="en-US" dirty="0" err="1" smtClean="0"/>
+              <a:t>văn</a:t>
+            </a:r>
+            <a:r>
+              <a:rPr lang="en-US" dirty="0" smtClean="0"/>
+              <a:t> </a:t>
+            </a:r>
+            <a:r>
+              <a:rPr lang="en-US" dirty="0" err="1" smtClean="0"/>
+              <a:t>bản</a:t>
+            </a:r>
+            <a:r>
+              <a:rPr lang="en-US" dirty="0" smtClean="0"/>
+              <a:t>: p, h1,h2,…</a:t>
+            </a:r>
+          </a:p>
+          <a:p>
+            <a:r>
+              <a:rPr lang="en-US" dirty="0" err="1" smtClean="0"/>
+              <a:t>Thẻ</a:t>
+            </a:r>
+            <a:r>
+              <a:rPr lang="en-US" dirty="0" smtClean="0"/>
+              <a:t> </a:t>
+            </a:r>
+            <a:r>
+              <a:rPr lang="en-US" dirty="0" err="1" smtClean="0"/>
+              <a:t>cho</a:t>
+            </a:r>
+            <a:r>
+              <a:rPr lang="en-US" dirty="0" smtClean="0"/>
+              <a:t> video: source, audio, video</a:t>
+            </a:r>
+          </a:p>
+          <a:p>
+            <a:r>
+              <a:rPr lang="en-US" dirty="0" err="1" smtClean="0"/>
+              <a:t>Thẻ</a:t>
+            </a:r>
+            <a:r>
+              <a:rPr lang="en-US" dirty="0" smtClean="0"/>
+              <a:t> </a:t>
+            </a:r>
+            <a:r>
+              <a:rPr lang="en-US" dirty="0" err="1" smtClean="0"/>
+              <a:t>ảnh</a:t>
+            </a:r>
+            <a:r>
+              <a:rPr lang="en-US" dirty="0" smtClean="0"/>
+              <a:t>: </a:t>
+            </a:r>
+            <a:r>
+              <a:rPr lang="en-US" dirty="0" err="1" smtClean="0"/>
+              <a:t>img</a:t>
+            </a:r>
+            <a:endParaRPr lang="en-US" dirty="0" smtClean="0"/>
+          </a:p>
+          <a:p>
+            <a:pPr marL="0" indent="0">
+              <a:buNone/>
+            </a:pPr>
+            <a:endParaRPr lang="en-US" dirty="0" smtClean="0"/>
+          </a:p>
+          <a:p>
+            <a:pPr marL="0" indent="0">
+              <a:buNone/>
+            </a:pPr>
+            <a:endParaRPr lang="en-GB" dirty="0"/>
+          </a:p>
+        </p:txBody>
+      </p:sp>
+    </p:spTree>
+    <p:extLst>
+      <p:ext uri="{BB962C8B-B14F-4D97-AF65-F5344CB8AC3E}">
+        <p14:creationId xmlns:p14="http://schemas.microsoft.com/office/powerpoint/2010/main" val="651562126"/>
+      </p:ext>
+    </p:extLst>
+  </p:cSld>
+  <p:clrMapOvr>
+    <a:masterClrMapping/>
+  </p:clrMapOvr>
+</p:sld>
+</file>
+
+<file path=ppt/slides/slide7.xml><?xml version="1.0" encoding="utf-8"?>
+<p:sld xmlns:a="http://schemas.openxmlformats.org/drawingml/2006/main" xmlns:r="http://schemas.openxmlformats.org/officeDocument/2006/relationships" xmlns:p="http://schemas.openxmlformats.org/presentationml/2006/main">
+  <p:cSld>
+    <p:spTree>
+      <p:nvGrpSpPr>
+        <p:cNvPr id="1" name=""/>
+        <p:cNvGrpSpPr/>
+        <p:nvPr/>
+      </p:nvGrpSpPr>
+      <p:grpSpPr>
+        <a:xfrm>
+          <a:off x="0" y="0"/>
+          <a:ext cx="0" cy="0"/>
+          <a:chOff x="0" y="0"/>
+          <a:chExt cx="0" cy="0"/>
+        </a:xfrm>
+      </p:grpSpPr>
+      <p:sp>
+        <p:nvSpPr>
+          <p:cNvPr id="2" name="Title 1"/>
+          <p:cNvSpPr>
+            <a:spLocks noGrp="1"/>
+          </p:cNvSpPr>
+          <p:nvPr>
+            <p:ph type="title"/>
+          </p:nvPr>
+        </p:nvSpPr>
+        <p:spPr/>
+        <p:txBody>
+          <a:bodyPr>
+            <a:normAutofit/>
+          </a:bodyPr>
+          <a:lstStyle/>
+          <a:p>
+            <a:r>
+              <a:rPr lang="en-US" dirty="0" smtClean="0"/>
+              <a:t>CSS </a:t>
+            </a:r>
+            <a:r>
+              <a:rPr lang="en-US" dirty="0" err="1" smtClean="0"/>
+              <a:t>là</a:t>
+            </a:r>
+            <a:r>
+              <a:rPr lang="en-US" dirty="0" smtClean="0"/>
+              <a:t> </a:t>
+            </a:r>
+            <a:r>
+              <a:rPr lang="en-US" dirty="0" err="1" smtClean="0"/>
+              <a:t>gì</a:t>
+            </a:r>
+            <a:endParaRPr lang="en-US" dirty="0"/>
+          </a:p>
+        </p:txBody>
+      </p:sp>
+      <p:sp>
+        <p:nvSpPr>
+          <p:cNvPr id="3" name="Content Placeholder 2"/>
+          <p:cNvSpPr>
+            <a:spLocks noGrp="1"/>
+          </p:cNvSpPr>
+          <p:nvPr>
+            <p:ph idx="1"/>
+          </p:nvPr>
+        </p:nvSpPr>
+        <p:spPr/>
+        <p:txBody>
+          <a:bodyPr/>
+          <a:lstStyle/>
+          <a:p>
+            <a:r>
+              <a:rPr lang="en-US" b="1" dirty="0"/>
+              <a:t>CSS</a:t>
+            </a:r>
+            <a:r>
+              <a:rPr lang="en-US" dirty="0"/>
+              <a:t> </a:t>
+            </a:r>
+            <a:r>
+              <a:rPr lang="en-US" dirty="0" err="1"/>
+              <a:t>là</a:t>
+            </a:r>
+            <a:r>
+              <a:rPr lang="en-US" dirty="0"/>
+              <a:t> </a:t>
+            </a:r>
+            <a:r>
+              <a:rPr lang="en-US" dirty="0" err="1"/>
+              <a:t>chữ</a:t>
+            </a:r>
+            <a:r>
+              <a:rPr lang="en-US" dirty="0"/>
+              <a:t> </a:t>
+            </a:r>
+            <a:r>
+              <a:rPr lang="en-US" dirty="0" err="1"/>
+              <a:t>viết</a:t>
+            </a:r>
+            <a:r>
+              <a:rPr lang="en-US" dirty="0"/>
+              <a:t> </a:t>
+            </a:r>
+            <a:r>
+              <a:rPr lang="en-US" dirty="0" err="1"/>
+              <a:t>tắt</a:t>
+            </a:r>
+            <a:r>
+              <a:rPr lang="en-US" dirty="0"/>
+              <a:t> </a:t>
+            </a:r>
+            <a:r>
+              <a:rPr lang="en-US" dirty="0" err="1"/>
+              <a:t>của</a:t>
+            </a:r>
+            <a:r>
+              <a:rPr lang="en-US" dirty="0"/>
+              <a:t> Cascading Style </a:t>
+            </a:r>
+            <a:r>
+              <a:rPr lang="en-US" dirty="0" smtClean="0"/>
+              <a:t>Sheets</a:t>
+            </a:r>
+          </a:p>
+          <a:p>
+            <a:r>
+              <a:rPr lang="en-US" b="1" dirty="0"/>
+              <a:t>T</a:t>
+            </a:r>
+            <a:r>
+              <a:rPr lang="vi-VN" b="1" dirty="0" smtClean="0"/>
+              <a:t>ìm </a:t>
+            </a:r>
+            <a:r>
+              <a:rPr lang="vi-VN" b="1" dirty="0"/>
+              <a:t>và định dạng</a:t>
+            </a:r>
+            <a:r>
+              <a:rPr lang="vi-VN" dirty="0"/>
+              <a:t> lại các phần tử được tạo ra bởi các ngôn ngữ đánh dấu </a:t>
+            </a:r>
+            <a:r>
+              <a:rPr lang="vi-VN" dirty="0" smtClean="0"/>
+              <a:t>(</a:t>
+            </a:r>
+            <a:r>
+              <a:rPr lang="en-US" dirty="0" smtClean="0"/>
+              <a:t>HTML, XHTML</a:t>
+            </a:r>
+            <a:r>
+              <a:rPr lang="vi-VN" dirty="0" smtClean="0"/>
+              <a:t>)</a:t>
+            </a:r>
+            <a:r>
+              <a:rPr lang="en-US" dirty="0" smtClean="0"/>
+              <a:t>.</a:t>
+            </a:r>
+          </a:p>
+          <a:p>
+            <a:r>
+              <a:rPr lang="en-US" dirty="0" err="1" smtClean="0"/>
+              <a:t>Làm</a:t>
+            </a:r>
+            <a:r>
+              <a:rPr lang="en-US" dirty="0" smtClean="0"/>
+              <a:t> </a:t>
+            </a:r>
+            <a:r>
+              <a:rPr lang="en-US" dirty="0" err="1" smtClean="0"/>
+              <a:t>cho</a:t>
+            </a:r>
+            <a:r>
+              <a:rPr lang="en-US" dirty="0" smtClean="0"/>
+              <a:t> </a:t>
+            </a:r>
+            <a:r>
+              <a:rPr lang="en-US" dirty="0" err="1" smtClean="0"/>
+              <a:t>trang</a:t>
+            </a:r>
+            <a:r>
+              <a:rPr lang="en-US" dirty="0" smtClean="0"/>
+              <a:t> web </a:t>
+            </a:r>
+            <a:r>
+              <a:rPr lang="en-US" dirty="0" err="1" smtClean="0"/>
+              <a:t>đẹp</a:t>
+            </a:r>
+            <a:r>
+              <a:rPr lang="en-US" dirty="0" smtClean="0"/>
+              <a:t> </a:t>
+            </a:r>
+            <a:r>
+              <a:rPr lang="en-US" dirty="0" err="1" smtClean="0"/>
+              <a:t>hơn</a:t>
+            </a:r>
+            <a:endParaRPr lang="en-US" dirty="0"/>
+          </a:p>
+        </p:txBody>
+      </p:sp>
+    </p:spTree>
+    <p:extLst>
+      <p:ext uri="{BB962C8B-B14F-4D97-AF65-F5344CB8AC3E}">
+        <p14:creationId xmlns:p14="http://schemas.microsoft.com/office/powerpoint/2010/main" val="2465128142"/>
+      </p:ext>
+    </p:extLst>
+  </p:cSld>
+  <p:clrMapOvr>
+    <a:masterClrMapping/>
+  </p:clrMapOvr>
+  <p:timing>
+    <p:tnLst>
+      <p:par>
+        <p:cTn id="1" dur="indefinite" restart="never" nodeType="tmRoot"/>
+      </p:par>
+    </p:tnLst>
+  </p:timing>
+</p:sld>
+</file>
+
+<file path=ppt/slides/slide8.xml><?xml version="1.0" encoding="utf-8"?>
+<p:sld xmlns:a="http://schemas.openxmlformats.org/drawingml/2006/main" xmlns:r="http://schemas.openxmlformats.org/officeDocument/2006/relationships" xmlns:p="http://schemas.openxmlformats.org/presentationml/2006/main">
+  <p:cSld>
+    <p:spTree>
+      <p:nvGrpSpPr>
+        <p:cNvPr id="1" name=""/>
+        <p:cNvGrpSpPr/>
+        <p:nvPr/>
+      </p:nvGrpSpPr>
+      <p:grpSpPr>
+        <a:xfrm>
+          <a:off x="0" y="0"/>
+          <a:ext cx="0" cy="0"/>
+          <a:chOff x="0" y="0"/>
+          <a:chExt cx="0" cy="0"/>
+        </a:xfrm>
+      </p:grpSpPr>
+      <p:sp>
+        <p:nvSpPr>
+          <p:cNvPr id="2" name="Title 1"/>
+          <p:cNvSpPr>
+            <a:spLocks noGrp="1"/>
+          </p:cNvSpPr>
+          <p:nvPr>
+            <p:ph type="title"/>
+          </p:nvPr>
+        </p:nvSpPr>
+        <p:spPr/>
+        <p:txBody>
+          <a:bodyPr/>
+          <a:lstStyle/>
+          <a:p>
+            <a:r>
+              <a:rPr lang="en-US" dirty="0" err="1" smtClean="0"/>
+              <a:t>Nhúng</a:t>
+            </a:r>
+            <a:r>
+              <a:rPr lang="en-US" dirty="0" smtClean="0"/>
+              <a:t> CSS </a:t>
+            </a:r>
+            <a:r>
+              <a:rPr lang="en-US" dirty="0" err="1" smtClean="0"/>
+              <a:t>vào</a:t>
+            </a:r>
+            <a:r>
+              <a:rPr lang="en-US" dirty="0" smtClean="0"/>
+              <a:t> HTML</a:t>
+            </a:r>
+            <a:endParaRPr lang="en-US" dirty="0"/>
+          </a:p>
+        </p:txBody>
+      </p:sp>
+      <p:sp>
+        <p:nvSpPr>
+          <p:cNvPr id="3" name="Content Placeholder 2"/>
+          <p:cNvSpPr>
+            <a:spLocks noGrp="1"/>
+          </p:cNvSpPr>
+          <p:nvPr>
+            <p:ph idx="1"/>
+          </p:nvPr>
+        </p:nvSpPr>
+        <p:spPr/>
+        <p:txBody>
+          <a:bodyPr>
+            <a:normAutofit lnSpcReduction="10000"/>
+          </a:bodyPr>
+          <a:lstStyle/>
+          <a:p>
+            <a:r>
+              <a:rPr lang="en-US" dirty="0" err="1" smtClean="0"/>
+              <a:t>Bằng</a:t>
+            </a:r>
+            <a:r>
+              <a:rPr lang="en-US" dirty="0" smtClean="0"/>
+              <a:t> </a:t>
+            </a:r>
+            <a:r>
+              <a:rPr lang="en-US" dirty="0" err="1" smtClean="0"/>
+              <a:t>thuộc</a:t>
+            </a:r>
+            <a:r>
+              <a:rPr lang="en-US" dirty="0" smtClean="0"/>
+              <a:t> </a:t>
+            </a:r>
+            <a:r>
+              <a:rPr lang="en-US" dirty="0" err="1" smtClean="0"/>
+              <a:t>tính</a:t>
+            </a:r>
+            <a:r>
+              <a:rPr lang="en-US" dirty="0" smtClean="0"/>
+              <a:t> “style” </a:t>
+            </a:r>
+            <a:r>
+              <a:rPr lang="en-US" dirty="0" err="1" smtClean="0"/>
+              <a:t>của</a:t>
+            </a:r>
+            <a:r>
+              <a:rPr lang="en-US" dirty="0" smtClean="0"/>
+              <a:t> </a:t>
+            </a:r>
+            <a:r>
+              <a:rPr lang="en-US" dirty="0" err="1" smtClean="0"/>
+              <a:t>thẻ</a:t>
+            </a:r>
+            <a:endParaRPr lang="en-US" dirty="0" smtClean="0"/>
+          </a:p>
+          <a:p>
+            <a:pPr marL="457200" lvl="1" indent="0">
+              <a:buNone/>
+            </a:pPr>
+            <a:r>
+              <a:rPr lang="en-US" dirty="0" smtClean="0">
+                <a:solidFill>
+                  <a:srgbClr val="FF0000"/>
+                </a:solidFill>
+              </a:rPr>
+              <a:t>	&lt;</a:t>
+            </a:r>
+            <a:r>
+              <a:rPr lang="en-US" dirty="0">
+                <a:solidFill>
+                  <a:srgbClr val="FF0000"/>
+                </a:solidFill>
+              </a:rPr>
+              <a:t>p style="color: red;"&gt;</a:t>
+            </a:r>
+            <a:endParaRPr lang="en-US" dirty="0" smtClean="0">
+              <a:solidFill>
+                <a:srgbClr val="FF0000"/>
+              </a:solidFill>
+            </a:endParaRPr>
+          </a:p>
+          <a:p>
+            <a:r>
+              <a:rPr lang="en-US" dirty="0" err="1" smtClean="0"/>
+              <a:t>Nhúng</a:t>
+            </a:r>
+            <a:r>
+              <a:rPr lang="en-US" dirty="0" smtClean="0"/>
+              <a:t> </a:t>
+            </a:r>
+            <a:r>
+              <a:rPr lang="en-US" dirty="0" err="1" smtClean="0"/>
+              <a:t>bằng</a:t>
+            </a:r>
+            <a:r>
+              <a:rPr lang="en-US" dirty="0" smtClean="0"/>
+              <a:t> </a:t>
+            </a:r>
+            <a:r>
+              <a:rPr lang="en-US" dirty="0" err="1" smtClean="0"/>
+              <a:t>thẻ</a:t>
+            </a:r>
+            <a:r>
+              <a:rPr lang="en-US" dirty="0" smtClean="0"/>
+              <a:t> &lt;style &gt;&lt;/style&gt;</a:t>
+            </a:r>
+          </a:p>
+          <a:p>
+            <a:pPr marL="457200" lvl="1" indent="0">
+              <a:buNone/>
+            </a:pPr>
+            <a:r>
+              <a:rPr lang="en-US" dirty="0" smtClean="0">
+                <a:solidFill>
+                  <a:srgbClr val="FF0000"/>
+                </a:solidFill>
+              </a:rPr>
+              <a:t>	&lt;style&gt; </a:t>
+            </a:r>
+          </a:p>
+          <a:p>
+            <a:pPr marL="457200" lvl="1" indent="0">
+              <a:buNone/>
+            </a:pPr>
+            <a:r>
+              <a:rPr lang="en-US" dirty="0">
+                <a:solidFill>
+                  <a:srgbClr val="FF0000"/>
+                </a:solidFill>
+              </a:rPr>
+              <a:t>	</a:t>
+            </a:r>
+            <a:r>
+              <a:rPr lang="en-US" dirty="0" smtClean="0">
+                <a:solidFill>
+                  <a:srgbClr val="FF0000"/>
+                </a:solidFill>
+              </a:rPr>
+              <a:t>	p{</a:t>
+            </a:r>
+          </a:p>
+          <a:p>
+            <a:pPr marL="457200" lvl="1" indent="0">
+              <a:buNone/>
+            </a:pPr>
+            <a:r>
+              <a:rPr lang="en-US" dirty="0">
+                <a:solidFill>
+                  <a:srgbClr val="FF0000"/>
+                </a:solidFill>
+              </a:rPr>
+              <a:t>	</a:t>
+            </a:r>
+            <a:r>
+              <a:rPr lang="en-US" dirty="0" smtClean="0">
+                <a:solidFill>
+                  <a:srgbClr val="FF0000"/>
+                </a:solidFill>
+              </a:rPr>
+              <a:t>		color</a:t>
+            </a:r>
+            <a:r>
+              <a:rPr lang="en-US" dirty="0">
+                <a:solidFill>
+                  <a:srgbClr val="FF0000"/>
+                </a:solidFill>
+              </a:rPr>
+              <a:t>: red;</a:t>
+            </a:r>
+            <a:endParaRPr lang="en-US" dirty="0" smtClean="0">
+              <a:solidFill>
+                <a:srgbClr val="FF0000"/>
+              </a:solidFill>
+            </a:endParaRPr>
+          </a:p>
+          <a:p>
+            <a:pPr marL="457200" lvl="1" indent="0">
+              <a:buNone/>
+            </a:pPr>
+            <a:r>
+              <a:rPr lang="en-US" dirty="0">
+                <a:solidFill>
+                  <a:srgbClr val="FF0000"/>
+                </a:solidFill>
+              </a:rPr>
+              <a:t>	</a:t>
+            </a:r>
+            <a:r>
+              <a:rPr lang="en-US" dirty="0" smtClean="0">
+                <a:solidFill>
+                  <a:srgbClr val="FF0000"/>
+                </a:solidFill>
+              </a:rPr>
+              <a:t>	}</a:t>
+            </a:r>
+          </a:p>
+          <a:p>
+            <a:pPr marL="457200" lvl="1" indent="0">
+              <a:buNone/>
+            </a:pPr>
+            <a:r>
+              <a:rPr lang="en-US" dirty="0">
+                <a:solidFill>
+                  <a:srgbClr val="FF0000"/>
+                </a:solidFill>
+              </a:rPr>
+              <a:t>	</a:t>
+            </a:r>
+            <a:r>
+              <a:rPr lang="en-US" dirty="0" smtClean="0">
+                <a:solidFill>
+                  <a:srgbClr val="FF0000"/>
+                </a:solidFill>
+              </a:rPr>
+              <a:t>&lt;/style&gt;</a:t>
+            </a:r>
+          </a:p>
+          <a:p>
+            <a:r>
+              <a:rPr lang="en-US" dirty="0" err="1" smtClean="0"/>
+              <a:t>Nhúng</a:t>
+            </a:r>
+            <a:r>
+              <a:rPr lang="en-US" dirty="0" smtClean="0"/>
+              <a:t> </a:t>
+            </a:r>
+            <a:r>
+              <a:rPr lang="en-US" dirty="0" err="1" smtClean="0"/>
+              <a:t>bằng</a:t>
+            </a:r>
+            <a:r>
+              <a:rPr lang="en-US" dirty="0" smtClean="0"/>
+              <a:t> </a:t>
+            </a:r>
+            <a:r>
+              <a:rPr lang="en-US" dirty="0" err="1" smtClean="0"/>
+              <a:t>thẻ</a:t>
+            </a:r>
+            <a:r>
+              <a:rPr lang="en-US" dirty="0" smtClean="0"/>
+              <a:t> &lt;link&gt; </a:t>
+            </a:r>
+            <a:r>
+              <a:rPr lang="en-US" dirty="0" err="1" smtClean="0"/>
+              <a:t>trong</a:t>
+            </a:r>
+            <a:r>
+              <a:rPr lang="en-US" dirty="0" smtClean="0"/>
+              <a:t> &lt;head&gt;</a:t>
+            </a:r>
+          </a:p>
+          <a:p>
+            <a:endParaRPr lang="en-US" dirty="0"/>
+          </a:p>
+        </p:txBody>
+      </p:sp>
+    </p:spTree>
+    <p:extLst>
+      <p:ext uri="{BB962C8B-B14F-4D97-AF65-F5344CB8AC3E}">
+        <p14:creationId xmlns:p14="http://schemas.microsoft.com/office/powerpoint/2010/main" val="41873056"/>
+      </p:ext>
+    </p:extLst>
+  </p:cSld>
+  <p:clrMapOvr>
+    <a:masterClrMapping/>
+  </p:clrMapOvr>
+  <p:timing>
+    <p:tnLst>
+      <p:par>
+        <p:cTn id="1" dur="indefinite" restart="never" nodeType="tmRoot"/>
+      </p:par>
+    </p:tnLst>
+  </p:timing>
+</p:sld>
+</file>
+
+<file path=ppt/slides/slide9.xml><?xml version="1.0" encoding="utf-8"?>
+<p:sld xmlns:a="http://schemas.openxmlformats.org/drawingml/2006/main" xmlns:r="http://schemas.openxmlformats.org/officeDocument/2006/relationships" xmlns:p="http://schemas.openxmlformats.org/presentationml/2006/main">
+  <p:cSld>
+    <p:spTree>
+      <p:nvGrpSpPr>
+        <p:cNvPr id="1" name=""/>
+        <p:cNvGrpSpPr/>
+        <p:nvPr/>
+      </p:nvGrpSpPr>
+      <p:grpSpPr>
+        <a:xfrm>
+          <a:off x="0" y="0"/>
+          <a:ext cx="0" cy="0"/>
+          <a:chOff x="0" y="0"/>
+          <a:chExt cx="0" cy="0"/>
+        </a:xfrm>
+      </p:grpSpPr>
+      <p:sp>
+        <p:nvSpPr>
+          <p:cNvPr id="2" name="Title 1"/>
+          <p:cNvSpPr>
+            <a:spLocks noGrp="1"/>
+          </p:cNvSpPr>
+          <p:nvPr>
+            <p:ph type="title"/>
+          </p:nvPr>
+        </p:nvSpPr>
+        <p:spPr/>
+        <p:txBody>
+          <a:bodyPr/>
+          <a:lstStyle/>
+          <a:p>
+            <a:r>
+              <a:rPr lang="en-US" dirty="0" err="1" smtClean="0"/>
+              <a:t>Cách</a:t>
+            </a:r>
+            <a:r>
+              <a:rPr lang="en-US" dirty="0" smtClean="0"/>
+              <a:t> </a:t>
+            </a:r>
+            <a:r>
+              <a:rPr lang="en-US" dirty="0" err="1" smtClean="0"/>
+              <a:t>viết</a:t>
+            </a:r>
+            <a:r>
+              <a:rPr lang="en-US" dirty="0" smtClean="0"/>
+              <a:t> CSS</a:t>
+            </a:r>
+            <a:endParaRPr lang="en-US" dirty="0"/>
+          </a:p>
+        </p:txBody>
+      </p:sp>
+      <p:sp>
+        <p:nvSpPr>
+          <p:cNvPr id="3" name="Content Placeholder 2"/>
+          <p:cNvSpPr>
+            <a:spLocks noGrp="1"/>
+          </p:cNvSpPr>
+          <p:nvPr>
+            <p:ph idx="1"/>
+          </p:nvPr>
+        </p:nvSpPr>
+        <p:spPr/>
+        <p:txBody>
+          <a:bodyPr>
+            <a:normAutofit/>
+          </a:bodyPr>
+          <a:lstStyle/>
+          <a:p>
+            <a:r>
+              <a:rPr lang="en-US" dirty="0" err="1" smtClean="0"/>
+              <a:t>Cách</a:t>
+            </a:r>
+            <a:r>
+              <a:rPr lang="en-US" dirty="0" smtClean="0"/>
+              <a:t> </a:t>
+            </a:r>
+            <a:r>
+              <a:rPr lang="en-US" dirty="0" err="1" smtClean="0"/>
+              <a:t>viết</a:t>
+            </a:r>
+            <a:endParaRPr lang="en-US" dirty="0" smtClean="0"/>
+          </a:p>
+          <a:p>
+            <a:pPr marL="400050" lvl="1" indent="0">
+              <a:buNone/>
+            </a:pPr>
+            <a:r>
+              <a:rPr lang="en-US" dirty="0" err="1" smtClean="0"/>
+              <a:t>Vùng</a:t>
+            </a:r>
+            <a:r>
+              <a:rPr lang="en-US" dirty="0" smtClean="0"/>
+              <a:t> </a:t>
+            </a:r>
+            <a:r>
+              <a:rPr lang="en-US" dirty="0" err="1" smtClean="0"/>
+              <a:t>chọn</a:t>
+            </a:r>
+            <a:r>
+              <a:rPr lang="en-US" dirty="0" smtClean="0"/>
+              <a:t>{</a:t>
+            </a:r>
+          </a:p>
+          <a:p>
+            <a:pPr marL="857250" lvl="2" indent="0">
+              <a:buNone/>
+            </a:pPr>
+            <a:r>
+              <a:rPr lang="en-US" dirty="0" err="1" smtClean="0"/>
+              <a:t>Thuộc</a:t>
+            </a:r>
+            <a:r>
+              <a:rPr lang="en-US" dirty="0" smtClean="0"/>
+              <a:t> </a:t>
+            </a:r>
+            <a:r>
+              <a:rPr lang="en-US" dirty="0" err="1" smtClean="0"/>
+              <a:t>tính</a:t>
+            </a:r>
+            <a:r>
+              <a:rPr lang="en-US" dirty="0" smtClean="0"/>
+              <a:t>: </a:t>
+            </a:r>
+            <a:r>
+              <a:rPr lang="en-US" dirty="0" err="1" smtClean="0"/>
+              <a:t>giá</a:t>
+            </a:r>
+            <a:r>
+              <a:rPr lang="en-US" dirty="0" smtClean="0"/>
+              <a:t> </a:t>
+            </a:r>
+            <a:r>
+              <a:rPr lang="en-US" dirty="0" err="1" smtClean="0"/>
+              <a:t>trị</a:t>
+            </a:r>
+            <a:r>
+              <a:rPr lang="en-US" dirty="0"/>
+              <a:t>;</a:t>
+            </a:r>
+            <a:endParaRPr lang="en-US" dirty="0" smtClean="0"/>
+          </a:p>
+          <a:p>
+            <a:pPr marL="857250" lvl="2" indent="0">
+              <a:buNone/>
+            </a:pPr>
+            <a:r>
+              <a:rPr lang="en-US" dirty="0" err="1" smtClean="0"/>
+              <a:t>Thuộc</a:t>
+            </a:r>
+            <a:r>
+              <a:rPr lang="en-US" dirty="0" smtClean="0"/>
+              <a:t> </a:t>
+            </a:r>
+            <a:r>
+              <a:rPr lang="en-US" dirty="0" err="1" smtClean="0"/>
+              <a:t>tính</a:t>
+            </a:r>
+            <a:r>
+              <a:rPr lang="en-US" dirty="0" smtClean="0"/>
+              <a:t>: </a:t>
+            </a:r>
+            <a:r>
+              <a:rPr lang="en-US" dirty="0" err="1" smtClean="0"/>
+              <a:t>giá</a:t>
+            </a:r>
+            <a:r>
+              <a:rPr lang="en-US" dirty="0" smtClean="0"/>
+              <a:t> </a:t>
+            </a:r>
+            <a:r>
+              <a:rPr lang="en-US" dirty="0" err="1" smtClean="0"/>
+              <a:t>trị</a:t>
+            </a:r>
+            <a:r>
+              <a:rPr lang="en-US" dirty="0" smtClean="0"/>
+              <a:t>;</a:t>
+            </a:r>
+            <a:endParaRPr lang="en-US" dirty="0"/>
+          </a:p>
+          <a:p>
+            <a:pPr marL="400050" lvl="1" indent="0">
+              <a:buNone/>
+            </a:pPr>
+            <a:r>
+              <a:rPr lang="en-US" dirty="0" smtClean="0"/>
+              <a:t>}</a:t>
+            </a:r>
+          </a:p>
+          <a:p>
+            <a:r>
+              <a:rPr lang="en-US" dirty="0" err="1" smtClean="0"/>
+              <a:t>Vùng</a:t>
+            </a:r>
+            <a:r>
+              <a:rPr lang="en-US" dirty="0" smtClean="0"/>
+              <a:t> </a:t>
+            </a:r>
+            <a:r>
+              <a:rPr lang="en-US" dirty="0" err="1" smtClean="0"/>
+              <a:t>chọn</a:t>
+            </a:r>
+            <a:r>
+              <a:rPr lang="en-US" dirty="0" smtClean="0"/>
+              <a:t>: </a:t>
+            </a:r>
+            <a:r>
+              <a:rPr lang="en-US" dirty="0" err="1" smtClean="0"/>
+              <a:t>tên</a:t>
+            </a:r>
+            <a:r>
+              <a:rPr lang="en-US" dirty="0" smtClean="0"/>
+              <a:t> </a:t>
+            </a:r>
+            <a:r>
+              <a:rPr lang="en-US" dirty="0" err="1" smtClean="0"/>
+              <a:t>loại</a:t>
+            </a:r>
+            <a:r>
+              <a:rPr lang="en-US" dirty="0" smtClean="0"/>
+              <a:t> </a:t>
+            </a:r>
+            <a:r>
+              <a:rPr lang="en-US" dirty="0" err="1" smtClean="0"/>
+              <a:t>thẻ</a:t>
+            </a:r>
+            <a:r>
+              <a:rPr lang="en-US" dirty="0" smtClean="0"/>
+              <a:t>, id, class,..</a:t>
+            </a:r>
+          </a:p>
+          <a:p>
+            <a:r>
+              <a:rPr lang="en-US" dirty="0" smtClean="0"/>
+              <a:t>Id, class </a:t>
+            </a:r>
+            <a:r>
+              <a:rPr lang="en-US" dirty="0" err="1" smtClean="0"/>
+              <a:t>là</a:t>
+            </a:r>
+            <a:r>
+              <a:rPr lang="en-US" dirty="0" smtClean="0"/>
+              <a:t> </a:t>
+            </a:r>
+            <a:r>
+              <a:rPr lang="en-US" dirty="0" err="1" smtClean="0"/>
+              <a:t>thuộc</a:t>
+            </a:r>
+            <a:r>
+              <a:rPr lang="en-US" dirty="0" smtClean="0"/>
+              <a:t> </a:t>
+            </a:r>
+            <a:r>
+              <a:rPr lang="en-US" dirty="0" err="1" smtClean="0"/>
+              <a:t>tính</a:t>
+            </a:r>
+            <a:r>
+              <a:rPr lang="en-US" dirty="0" smtClean="0"/>
+              <a:t> </a:t>
+            </a:r>
+            <a:r>
+              <a:rPr lang="en-US" dirty="0" err="1" smtClean="0"/>
+              <a:t>chung</a:t>
+            </a:r>
+            <a:r>
+              <a:rPr lang="en-US" dirty="0" smtClean="0"/>
+              <a:t> </a:t>
+            </a:r>
+            <a:r>
+              <a:rPr lang="en-US" dirty="0" err="1" smtClean="0"/>
+              <a:t>của</a:t>
+            </a:r>
+            <a:r>
+              <a:rPr lang="en-US" dirty="0" smtClean="0"/>
+              <a:t> </a:t>
+            </a:r>
+            <a:r>
+              <a:rPr lang="en-US" dirty="0" err="1" smtClean="0"/>
+              <a:t>thẻ</a:t>
+            </a:r>
+            <a:r>
+              <a:rPr lang="en-US" dirty="0" smtClean="0"/>
+              <a:t> HTML</a:t>
+            </a:r>
+            <a:endParaRPr lang="en-US" dirty="0"/>
+          </a:p>
+        </p:txBody>
+      </p:sp>
+    </p:spTree>
+    <p:extLst>
+      <p:ext uri="{BB962C8B-B14F-4D97-AF65-F5344CB8AC3E}">
+        <p14:creationId xmlns:p14="http://schemas.microsoft.com/office/powerpoint/2010/main" val="1438285487"/>
+      </p:ext>
+    </p:extLst>
+  </p:cSld>
+  <p:clrMapOvr>
+    <a:masterClrMapping/>
+  </p:clrMapOvr>
+  <p:timing>
+    <p:tnLst>
+      <p:par>
+        <p:cTn id="1" dur="indefinite" restart="never" nodeType="tmRoot"/>
+      </p:par>
+    </p:tnLst>
+  </p:timing>
+</p:sld>
+</file>
+
 <file path=ppt/theme/theme1.xml><?xml version="1.0" encoding="utf-8"?>
 <a:theme xmlns:a="http://schemas.openxmlformats.org/drawingml/2006/main" name="Office Theme">
   <a:themeElements>

--- a/1. Front-end/1. Kiến trúc web server - client(mục tiêu khóa học) và HTML CSS/2. Kiến thức cơ bản về HTML -CSS.pptx
+++ b/1. Front-end/1. Kiến trúc web server - client(mục tiêu khóa học) và HTML CSS/2. Kiến thức cơ bản về HTML -CSS.pptx
@@ -6588,6 +6588,53 @@
             <a:endParaRPr lang="en-US" dirty="0" smtClean="0"/>
           </a:p>
           <a:p>
+            <a:r>
+              <a:rPr lang="en-US" dirty="0" err="1" smtClean="0"/>
+              <a:t>Thẻ</a:t>
+            </a:r>
+            <a:r>
+              <a:rPr lang="en-US" dirty="0" smtClean="0"/>
+              <a:t> form </a:t>
+            </a:r>
+            <a:r>
+              <a:rPr lang="en-US" dirty="0" err="1" smtClean="0"/>
+              <a:t>tạo</a:t>
+            </a:r>
+            <a:r>
+              <a:rPr lang="en-US" dirty="0" smtClean="0"/>
+              <a:t> </a:t>
+            </a:r>
+            <a:r>
+              <a:rPr lang="en-US" dirty="0" err="1" smtClean="0"/>
+              <a:t>biểu</a:t>
+            </a:r>
+            <a:r>
+              <a:rPr lang="en-US" dirty="0" smtClean="0"/>
+              <a:t> </a:t>
+            </a:r>
+            <a:r>
+              <a:rPr lang="en-US" dirty="0" err="1" smtClean="0"/>
+              <a:t>mẫu</a:t>
+            </a:r>
+            <a:r>
+              <a:rPr lang="en-US" dirty="0" smtClean="0"/>
+              <a:t>: Input</a:t>
+            </a:r>
+            <a:r>
+              <a:rPr lang="en-US" smtClean="0"/>
+              <a:t>, form</a:t>
+            </a:r>
+            <a:endParaRPr lang="en-US" dirty="0" smtClean="0"/>
+          </a:p>
+          <a:p>
+            <a:pPr lvl="1"/>
+            <a:endParaRPr lang="en-US" dirty="0" smtClean="0"/>
+          </a:p>
+          <a:p>
+            <a:pPr lvl="1"/>
+            <a:endParaRPr lang="en-US" dirty="0" smtClean="0"/>
+          </a:p>
+          <a:p>
             <a:pPr marL="0" indent="0">
               <a:buNone/>
             </a:pPr>
